--- a/images/DW分解与列生成/插图制作.pptx
+++ b/images/DW分解与列生成/插图制作.pptx
@@ -6,6 +6,7 @@
   </p:sldMasterIdLst>
   <p:sldIdLst>
     <p:sldId id="256" r:id="rId2"/>
+    <p:sldId id="257" r:id="rId3"/>
   </p:sldIdLst>
   <p:sldSz cx="12192000" cy="6858000"/>
   <p:notesSz cx="6858000" cy="9144000"/>
@@ -3337,171 +3338,705 @@
           <a:chExt cx="0" cy="0"/>
         </a:xfrm>
       </p:grpSpPr>
-      <p:pic>
-        <p:nvPicPr>
-          <p:cNvPr id="7" name="图片 6">
-            <a:extLst>
-              <a:ext uri="{FF2B5EF4-FFF2-40B4-BE49-F238E27FC236}">
-                <a16:creationId xmlns:a16="http://schemas.microsoft.com/office/drawing/2014/main" id="{C616E99A-50D4-D017-DD5B-652E8652204C}"/>
-              </a:ext>
-            </a:extLst>
-          </p:cNvPr>
-          <p:cNvPicPr>
-            <a:picLocks noChangeAspect="1"/>
-          </p:cNvPicPr>
+      <p:grpSp>
+        <p:nvGrpSpPr>
+          <p:cNvPr id="12" name="组合 11">
+            <a:extLst>
+              <a:ext uri="{FF2B5EF4-FFF2-40B4-BE49-F238E27FC236}">
+                <a16:creationId xmlns:a16="http://schemas.microsoft.com/office/drawing/2014/main" id="{FAC2447E-FC25-52D8-6E8E-353CBE2AB319}"/>
+              </a:ext>
+            </a:extLst>
+          </p:cNvPr>
+          <p:cNvGrpSpPr/>
           <p:nvPr/>
-        </p:nvPicPr>
-        <p:blipFill>
-          <a:blip r:embed="rId2">
-            <a:extLst>
-              <a:ext uri="{28A0092B-C50C-407E-A947-70E740481C1C}">
-                <a14:useLocalDpi xmlns:a14="http://schemas.microsoft.com/office/drawing/2010/main" val="0"/>
-              </a:ext>
-            </a:extLst>
-          </a:blip>
-          <a:stretch>
-            <a:fillRect/>
-          </a:stretch>
-        </p:blipFill>
-        <p:spPr>
+        </p:nvGrpSpPr>
+        <p:grpSpPr>
           <a:xfrm>
             <a:off x="1213943" y="241738"/>
-            <a:ext cx="3962400" cy="5667375"/>
+            <a:ext cx="9753601" cy="6893261"/>
+            <a:chOff x="1213943" y="241738"/>
+            <a:chExt cx="9753601" cy="6893261"/>
           </a:xfrm>
-          <a:prstGeom prst="rect">
-            <a:avLst/>
-          </a:prstGeom>
-        </p:spPr>
-      </p:pic>
-      <p:pic>
-        <p:nvPicPr>
-          <p:cNvPr id="9" name="图片 8">
-            <a:extLst>
-              <a:ext uri="{FF2B5EF4-FFF2-40B4-BE49-F238E27FC236}">
-                <a16:creationId xmlns:a16="http://schemas.microsoft.com/office/drawing/2014/main" id="{91EFF809-A8B2-203F-8C1C-D1ACB9981D5E}"/>
-              </a:ext>
-            </a:extLst>
-          </p:cNvPr>
-          <p:cNvPicPr>
-            <a:picLocks noChangeAspect="1"/>
-          </p:cNvPicPr>
-          <p:nvPr/>
-        </p:nvPicPr>
-        <p:blipFill>
-          <a:blip r:embed="rId3">
-            <a:extLst>
-              <a:ext uri="{28A0092B-C50C-407E-A947-70E740481C1C}">
-                <a14:useLocalDpi xmlns:a14="http://schemas.microsoft.com/office/drawing/2010/main" val="0"/>
-              </a:ext>
-            </a:extLst>
-          </a:blip>
-          <a:stretch>
-            <a:fillRect/>
-          </a:stretch>
-        </p:blipFill>
-        <p:spPr>
-          <a:xfrm>
-            <a:off x="7015659" y="241739"/>
-            <a:ext cx="3951885" cy="5667374"/>
-          </a:xfrm>
-          <a:prstGeom prst="rect">
-            <a:avLst/>
-          </a:prstGeom>
-        </p:spPr>
-      </p:pic>
-      <p:sp>
-        <p:nvSpPr>
-          <p:cNvPr id="10" name="文本框 9">
-            <a:extLst>
-              <a:ext uri="{FF2B5EF4-FFF2-40B4-BE49-F238E27FC236}">
-                <a16:creationId xmlns:a16="http://schemas.microsoft.com/office/drawing/2014/main" id="{243E368A-B6D3-8AAA-F922-7C9A01C0FE0C}"/>
-              </a:ext>
-            </a:extLst>
-          </p:cNvPr>
-          <p:cNvSpPr txBox="1"/>
-          <p:nvPr/>
-        </p:nvSpPr>
-        <p:spPr>
-          <a:xfrm>
-            <a:off x="2280469" y="6211669"/>
-            <a:ext cx="1829347" cy="923330"/>
-          </a:xfrm>
-          <a:prstGeom prst="rect">
-            <a:avLst/>
-          </a:prstGeom>
-          <a:noFill/>
-        </p:spPr>
-        <p:txBody>
-          <a:bodyPr wrap="none" rtlCol="0">
-            <a:spAutoFit/>
-          </a:bodyPr>
-          <a:lstStyle/>
-          <a:p>
-            <a:r>
-              <a:rPr lang="en-US" altLang="zh-CN" b="1" dirty="0"/>
-              <a:t>George Dantzig</a:t>
-            </a:r>
-          </a:p>
-          <a:p>
-            <a:r>
-              <a:rPr lang="en-US" altLang="zh-CN" b="1"/>
-              <a:t>1914~2005</a:t>
-            </a:r>
-            <a:endParaRPr lang="en-US" altLang="zh-CN" b="1" dirty="0"/>
-          </a:p>
-          <a:p>
-            <a:endParaRPr lang="zh-CN" altLang="en-US" dirty="0"/>
-          </a:p>
-        </p:txBody>
-      </p:sp>
-      <p:sp>
-        <p:nvSpPr>
-          <p:cNvPr id="11" name="文本框 10">
-            <a:extLst>
-              <a:ext uri="{FF2B5EF4-FFF2-40B4-BE49-F238E27FC236}">
-                <a16:creationId xmlns:a16="http://schemas.microsoft.com/office/drawing/2014/main" id="{1A220168-A627-A597-C345-27FB1674F880}"/>
-              </a:ext>
-            </a:extLst>
-          </p:cNvPr>
-          <p:cNvSpPr txBox="1"/>
-          <p:nvPr/>
-        </p:nvSpPr>
-        <p:spPr>
-          <a:xfrm>
-            <a:off x="8076927" y="6211669"/>
-            <a:ext cx="1465466" cy="923330"/>
-          </a:xfrm>
-          <a:prstGeom prst="rect">
-            <a:avLst/>
-          </a:prstGeom>
-          <a:noFill/>
-        </p:spPr>
-        <p:txBody>
-          <a:bodyPr wrap="none" rtlCol="0">
-            <a:spAutoFit/>
-          </a:bodyPr>
-          <a:lstStyle/>
-          <a:p>
-            <a:r>
-              <a:rPr lang="en-US" altLang="zh-CN" b="1" dirty="0"/>
-              <a:t>Philip Wolfe</a:t>
-            </a:r>
-          </a:p>
-          <a:p>
-            <a:r>
-              <a:rPr lang="en-US" altLang="zh-CN" b="1" dirty="0"/>
-              <a:t>1927~2016</a:t>
-            </a:r>
-          </a:p>
-          <a:p>
-            <a:endParaRPr lang="zh-CN" altLang="en-US" dirty="0"/>
-          </a:p>
-        </p:txBody>
-      </p:sp>
+        </p:grpSpPr>
+        <p:pic>
+          <p:nvPicPr>
+            <p:cNvPr id="7" name="图片 6">
+              <a:extLst>
+                <a:ext uri="{FF2B5EF4-FFF2-40B4-BE49-F238E27FC236}">
+                  <a16:creationId xmlns:a16="http://schemas.microsoft.com/office/drawing/2014/main" id="{C616E99A-50D4-D017-DD5B-652E8652204C}"/>
+                </a:ext>
+              </a:extLst>
+            </p:cNvPr>
+            <p:cNvPicPr>
+              <a:picLocks noChangeAspect="1"/>
+            </p:cNvPicPr>
+            <p:nvPr/>
+          </p:nvPicPr>
+          <p:blipFill>
+            <a:blip r:embed="rId2">
+              <a:extLst>
+                <a:ext uri="{28A0092B-C50C-407E-A947-70E740481C1C}">
+                  <a14:useLocalDpi xmlns:a14="http://schemas.microsoft.com/office/drawing/2010/main" val="0"/>
+                </a:ext>
+              </a:extLst>
+            </a:blip>
+            <a:stretch>
+              <a:fillRect/>
+            </a:stretch>
+          </p:blipFill>
+          <p:spPr>
+            <a:xfrm>
+              <a:off x="1213943" y="241738"/>
+              <a:ext cx="3962400" cy="5667375"/>
+            </a:xfrm>
+            <a:prstGeom prst="rect">
+              <a:avLst/>
+            </a:prstGeom>
+          </p:spPr>
+        </p:pic>
+        <p:pic>
+          <p:nvPicPr>
+            <p:cNvPr id="9" name="图片 8">
+              <a:extLst>
+                <a:ext uri="{FF2B5EF4-FFF2-40B4-BE49-F238E27FC236}">
+                  <a16:creationId xmlns:a16="http://schemas.microsoft.com/office/drawing/2014/main" id="{91EFF809-A8B2-203F-8C1C-D1ACB9981D5E}"/>
+                </a:ext>
+              </a:extLst>
+            </p:cNvPr>
+            <p:cNvPicPr>
+              <a:picLocks noChangeAspect="1"/>
+            </p:cNvPicPr>
+            <p:nvPr/>
+          </p:nvPicPr>
+          <p:blipFill>
+            <a:blip r:embed="rId3">
+              <a:extLst>
+                <a:ext uri="{28A0092B-C50C-407E-A947-70E740481C1C}">
+                  <a14:useLocalDpi xmlns:a14="http://schemas.microsoft.com/office/drawing/2010/main" val="0"/>
+                </a:ext>
+              </a:extLst>
+            </a:blip>
+            <a:stretch>
+              <a:fillRect/>
+            </a:stretch>
+          </p:blipFill>
+          <p:spPr>
+            <a:xfrm>
+              <a:off x="7015659" y="241739"/>
+              <a:ext cx="3951885" cy="5667374"/>
+            </a:xfrm>
+            <a:prstGeom prst="rect">
+              <a:avLst/>
+            </a:prstGeom>
+          </p:spPr>
+        </p:pic>
+        <p:sp>
+          <p:nvSpPr>
+            <p:cNvPr id="10" name="文本框 9">
+              <a:extLst>
+                <a:ext uri="{FF2B5EF4-FFF2-40B4-BE49-F238E27FC236}">
+                  <a16:creationId xmlns:a16="http://schemas.microsoft.com/office/drawing/2014/main" id="{243E368A-B6D3-8AAA-F922-7C9A01C0FE0C}"/>
+                </a:ext>
+              </a:extLst>
+            </p:cNvPr>
+            <p:cNvSpPr txBox="1"/>
+            <p:nvPr/>
+          </p:nvSpPr>
+          <p:spPr>
+            <a:xfrm>
+              <a:off x="2280469" y="6211669"/>
+              <a:ext cx="1829347" cy="923330"/>
+            </a:xfrm>
+            <a:prstGeom prst="rect">
+              <a:avLst/>
+            </a:prstGeom>
+            <a:noFill/>
+          </p:spPr>
+          <p:txBody>
+            <a:bodyPr wrap="none" rtlCol="0">
+              <a:spAutoFit/>
+            </a:bodyPr>
+            <a:lstStyle/>
+            <a:p>
+              <a:r>
+                <a:rPr lang="en-US" altLang="zh-CN" b="1" dirty="0"/>
+                <a:t>George Dantzig</a:t>
+              </a:r>
+            </a:p>
+            <a:p>
+              <a:r>
+                <a:rPr lang="en-US" altLang="zh-CN" b="1" dirty="0"/>
+                <a:t>1914~2005</a:t>
+              </a:r>
+            </a:p>
+            <a:p>
+              <a:endParaRPr lang="zh-CN" altLang="en-US" dirty="0"/>
+            </a:p>
+          </p:txBody>
+        </p:sp>
+        <p:sp>
+          <p:nvSpPr>
+            <p:cNvPr id="11" name="文本框 10">
+              <a:extLst>
+                <a:ext uri="{FF2B5EF4-FFF2-40B4-BE49-F238E27FC236}">
+                  <a16:creationId xmlns:a16="http://schemas.microsoft.com/office/drawing/2014/main" id="{1A220168-A627-A597-C345-27FB1674F880}"/>
+                </a:ext>
+              </a:extLst>
+            </p:cNvPr>
+            <p:cNvSpPr txBox="1"/>
+            <p:nvPr/>
+          </p:nvSpPr>
+          <p:spPr>
+            <a:xfrm>
+              <a:off x="8276623" y="6211669"/>
+              <a:ext cx="2496480" cy="923330"/>
+            </a:xfrm>
+            <a:prstGeom prst="rect">
+              <a:avLst/>
+            </a:prstGeom>
+            <a:noFill/>
+          </p:spPr>
+          <p:txBody>
+            <a:bodyPr wrap="square" rtlCol="0">
+              <a:spAutoFit/>
+            </a:bodyPr>
+            <a:lstStyle/>
+            <a:p>
+              <a:r>
+                <a:rPr lang="en-US" altLang="zh-CN" b="1" dirty="0"/>
+                <a:t>Philip Wolfe</a:t>
+              </a:r>
+            </a:p>
+            <a:p>
+              <a:r>
+                <a:rPr lang="en-US" altLang="zh-CN" b="1" dirty="0"/>
+                <a:t>1927~2016</a:t>
+              </a:r>
+            </a:p>
+            <a:p>
+              <a:endParaRPr lang="zh-CN" altLang="en-US" dirty="0"/>
+            </a:p>
+          </p:txBody>
+        </p:sp>
+      </p:grpSp>
     </p:spTree>
     <p:extLst>
       <p:ext uri="{BB962C8B-B14F-4D97-AF65-F5344CB8AC3E}">
         <p14:creationId xmlns:p14="http://schemas.microsoft.com/office/powerpoint/2010/main" val="321110592"/>
+      </p:ext>
+    </p:extLst>
+  </p:cSld>
+  <p:clrMapOvr>
+    <a:masterClrMapping/>
+  </p:clrMapOvr>
+</p:sld>
+</file>
+
+<file path=ppt/slides/slide2.xml><?xml version="1.0" encoding="utf-8"?>
+<p:sld xmlns:a="http://schemas.openxmlformats.org/drawingml/2006/main" xmlns:r="http://schemas.openxmlformats.org/officeDocument/2006/relationships" xmlns:p="http://schemas.openxmlformats.org/presentationml/2006/main">
+  <p:cSld>
+    <p:spTree>
+      <p:nvGrpSpPr>
+        <p:cNvPr id="1" name=""/>
+        <p:cNvGrpSpPr/>
+        <p:nvPr/>
+      </p:nvGrpSpPr>
+      <p:grpSpPr>
+        <a:xfrm>
+          <a:off x="0" y="0"/>
+          <a:ext cx="0" cy="0"/>
+          <a:chOff x="0" y="0"/>
+          <a:chExt cx="0" cy="0"/>
+        </a:xfrm>
+      </p:grpSpPr>
+      <p:grpSp>
+        <p:nvGrpSpPr>
+          <p:cNvPr id="11" name="组合 10">
+            <a:extLst>
+              <a:ext uri="{FF2B5EF4-FFF2-40B4-BE49-F238E27FC236}">
+                <a16:creationId xmlns:a16="http://schemas.microsoft.com/office/drawing/2014/main" id="{5A5660D4-EEE7-C74D-674A-D46EE355E652}"/>
+              </a:ext>
+            </a:extLst>
+          </p:cNvPr>
+          <p:cNvGrpSpPr/>
+          <p:nvPr/>
+        </p:nvGrpSpPr>
+        <p:grpSpPr>
+          <a:xfrm>
+            <a:off x="2969873" y="1874695"/>
+            <a:ext cx="4466897" cy="2511973"/>
+            <a:chOff x="704193" y="1681655"/>
+            <a:chExt cx="4466897" cy="2511973"/>
+          </a:xfrm>
+        </p:grpSpPr>
+        <p:cxnSp>
+          <p:nvCxnSpPr>
+            <p:cNvPr id="6" name="直接连接符 5">
+              <a:extLst>
+                <a:ext uri="{FF2B5EF4-FFF2-40B4-BE49-F238E27FC236}">
+                  <a16:creationId xmlns:a16="http://schemas.microsoft.com/office/drawing/2014/main" id="{F31CBBFA-FF01-12C2-6FE6-979AFCB3C7EE}"/>
+                </a:ext>
+              </a:extLst>
+            </p:cNvPr>
+            <p:cNvCxnSpPr/>
+            <p:nvPr/>
+          </p:nvCxnSpPr>
+          <p:spPr>
+            <a:xfrm>
+              <a:off x="704193" y="1681655"/>
+              <a:ext cx="840828" cy="2511973"/>
+            </a:xfrm>
+            <a:prstGeom prst="line">
+              <a:avLst/>
+            </a:prstGeom>
+            <a:ln w="15875">
+              <a:solidFill>
+                <a:schemeClr val="tx1"/>
+              </a:solidFill>
+            </a:ln>
+          </p:spPr>
+          <p:style>
+            <a:lnRef idx="1">
+              <a:schemeClr val="accent1"/>
+            </a:lnRef>
+            <a:fillRef idx="0">
+              <a:schemeClr val="accent1"/>
+            </a:fillRef>
+            <a:effectRef idx="0">
+              <a:schemeClr val="accent1"/>
+            </a:effectRef>
+            <a:fontRef idx="minor">
+              <a:schemeClr val="tx1"/>
+            </a:fontRef>
+          </p:style>
+        </p:cxnSp>
+        <p:cxnSp>
+          <p:nvCxnSpPr>
+            <p:cNvPr id="8" name="直接连接符 7">
+              <a:extLst>
+                <a:ext uri="{FF2B5EF4-FFF2-40B4-BE49-F238E27FC236}">
+                  <a16:creationId xmlns:a16="http://schemas.microsoft.com/office/drawing/2014/main" id="{5F495AED-74E1-9518-4F71-CE614BD07D45}"/>
+                </a:ext>
+              </a:extLst>
+            </p:cNvPr>
+            <p:cNvCxnSpPr/>
+            <p:nvPr/>
+          </p:nvCxnSpPr>
+          <p:spPr>
+            <a:xfrm>
+              <a:off x="1545021" y="4193628"/>
+              <a:ext cx="3626069" cy="0"/>
+            </a:xfrm>
+            <a:prstGeom prst="line">
+              <a:avLst/>
+            </a:prstGeom>
+            <a:ln w="15875">
+              <a:solidFill>
+                <a:schemeClr val="tx1"/>
+              </a:solidFill>
+            </a:ln>
+          </p:spPr>
+          <p:style>
+            <a:lnRef idx="1">
+              <a:schemeClr val="accent1"/>
+            </a:lnRef>
+            <a:fillRef idx="0">
+              <a:schemeClr val="accent1"/>
+            </a:fillRef>
+            <a:effectRef idx="0">
+              <a:schemeClr val="accent1"/>
+            </a:effectRef>
+            <a:fontRef idx="minor">
+              <a:schemeClr val="tx1"/>
+            </a:fontRef>
+          </p:style>
+        </p:cxnSp>
+        <p:cxnSp>
+          <p:nvCxnSpPr>
+            <p:cNvPr id="10" name="直接连接符 9">
+              <a:extLst>
+                <a:ext uri="{FF2B5EF4-FFF2-40B4-BE49-F238E27FC236}">
+                  <a16:creationId xmlns:a16="http://schemas.microsoft.com/office/drawing/2014/main" id="{DC1B1EA7-11D1-DA6E-3B30-81C23C628832}"/>
+                </a:ext>
+              </a:extLst>
+            </p:cNvPr>
+            <p:cNvCxnSpPr/>
+            <p:nvPr/>
+          </p:nvCxnSpPr>
+          <p:spPr>
+            <a:xfrm flipV="1">
+              <a:off x="5171090" y="1681655"/>
+              <a:ext cx="0" cy="2511973"/>
+            </a:xfrm>
+            <a:prstGeom prst="line">
+              <a:avLst/>
+            </a:prstGeom>
+            <a:ln w="15875">
+              <a:solidFill>
+                <a:schemeClr val="tx1"/>
+              </a:solidFill>
+            </a:ln>
+          </p:spPr>
+          <p:style>
+            <a:lnRef idx="1">
+              <a:schemeClr val="accent1"/>
+            </a:lnRef>
+            <a:fillRef idx="0">
+              <a:schemeClr val="accent1"/>
+            </a:fillRef>
+            <a:effectRef idx="0">
+              <a:schemeClr val="accent1"/>
+            </a:effectRef>
+            <a:fontRef idx="minor">
+              <a:schemeClr val="tx1"/>
+            </a:fontRef>
+          </p:style>
+        </p:cxnSp>
+      </p:grpSp>
+      <p:cxnSp>
+        <p:nvCxnSpPr>
+          <p:cNvPr id="23" name="直接箭头连接符 22">
+            <a:extLst>
+              <a:ext uri="{FF2B5EF4-FFF2-40B4-BE49-F238E27FC236}">
+                <a16:creationId xmlns:a16="http://schemas.microsoft.com/office/drawing/2014/main" id="{A9ADCDA9-EADD-C9C7-2932-967F4910B9A9}"/>
+              </a:ext>
+            </a:extLst>
+          </p:cNvPr>
+          <p:cNvCxnSpPr>
+            <a:cxnSpLocks/>
+          </p:cNvCxnSpPr>
+          <p:nvPr/>
+        </p:nvCxnSpPr>
+        <p:spPr>
+          <a:xfrm flipV="1">
+            <a:off x="3810701" y="1127760"/>
+            <a:ext cx="0" cy="3258908"/>
+          </a:xfrm>
+          <a:prstGeom prst="straightConnector1">
+            <a:avLst/>
+          </a:prstGeom>
+          <a:ln w="12700">
+            <a:solidFill>
+              <a:srgbClr val="FF0000"/>
+            </a:solidFill>
+            <a:tailEnd type="triangle"/>
+          </a:ln>
+        </p:spPr>
+        <p:style>
+          <a:lnRef idx="1">
+            <a:schemeClr val="accent1"/>
+          </a:lnRef>
+          <a:fillRef idx="0">
+            <a:schemeClr val="accent1"/>
+          </a:fillRef>
+          <a:effectRef idx="0">
+            <a:schemeClr val="accent1"/>
+          </a:effectRef>
+          <a:fontRef idx="minor">
+            <a:schemeClr val="tx1"/>
+          </a:fontRef>
+        </p:style>
+      </p:cxnSp>
+      <p:cxnSp>
+        <p:nvCxnSpPr>
+          <p:cNvPr id="25" name="直接箭头连接符 24">
+            <a:extLst>
+              <a:ext uri="{FF2B5EF4-FFF2-40B4-BE49-F238E27FC236}">
+                <a16:creationId xmlns:a16="http://schemas.microsoft.com/office/drawing/2014/main" id="{1394E6C1-FCA1-5127-27A0-4A43DE83FC6B}"/>
+              </a:ext>
+            </a:extLst>
+          </p:cNvPr>
+          <p:cNvCxnSpPr>
+            <a:cxnSpLocks/>
+          </p:cNvCxnSpPr>
+          <p:nvPr/>
+        </p:nvCxnSpPr>
+        <p:spPr>
+          <a:xfrm flipH="1" flipV="1">
+            <a:off x="2702560" y="1127760"/>
+            <a:ext cx="1108141" cy="3258908"/>
+          </a:xfrm>
+          <a:prstGeom prst="straightConnector1">
+            <a:avLst/>
+          </a:prstGeom>
+          <a:ln w="12700">
+            <a:solidFill>
+              <a:srgbClr val="FF0000"/>
+            </a:solidFill>
+            <a:tailEnd type="triangle"/>
+          </a:ln>
+        </p:spPr>
+        <p:style>
+          <a:lnRef idx="1">
+            <a:schemeClr val="accent1"/>
+          </a:lnRef>
+          <a:fillRef idx="0">
+            <a:schemeClr val="accent1"/>
+          </a:fillRef>
+          <a:effectRef idx="0">
+            <a:schemeClr val="accent1"/>
+          </a:effectRef>
+          <a:fontRef idx="minor">
+            <a:schemeClr val="tx1"/>
+          </a:fontRef>
+        </p:style>
+      </p:cxnSp>
+      <p:grpSp>
+        <p:nvGrpSpPr>
+          <p:cNvPr id="40" name="组合 39">
+            <a:extLst>
+              <a:ext uri="{FF2B5EF4-FFF2-40B4-BE49-F238E27FC236}">
+                <a16:creationId xmlns:a16="http://schemas.microsoft.com/office/drawing/2014/main" id="{F0B35109-C6CE-58F6-2952-A60508AB4548}"/>
+              </a:ext>
+            </a:extLst>
+          </p:cNvPr>
+          <p:cNvGrpSpPr/>
+          <p:nvPr/>
+        </p:nvGrpSpPr>
+        <p:grpSpPr>
+          <a:xfrm>
+            <a:off x="3810702" y="4216400"/>
+            <a:ext cx="111058" cy="149947"/>
+            <a:chOff x="3810701" y="4145280"/>
+            <a:chExt cx="263459" cy="221068"/>
+          </a:xfrm>
+        </p:grpSpPr>
+        <p:cxnSp>
+          <p:nvCxnSpPr>
+            <p:cNvPr id="37" name="直接连接符 36">
+              <a:extLst>
+                <a:ext uri="{FF2B5EF4-FFF2-40B4-BE49-F238E27FC236}">
+                  <a16:creationId xmlns:a16="http://schemas.microsoft.com/office/drawing/2014/main" id="{0B549C3D-8579-4772-6128-F99FB92EEC2F}"/>
+                </a:ext>
+              </a:extLst>
+            </p:cNvPr>
+            <p:cNvCxnSpPr/>
+            <p:nvPr/>
+          </p:nvCxnSpPr>
+          <p:spPr>
+            <a:xfrm>
+              <a:off x="3810701" y="4145280"/>
+              <a:ext cx="263459" cy="0"/>
+            </a:xfrm>
+            <a:prstGeom prst="line">
+              <a:avLst/>
+            </a:prstGeom>
+            <a:ln w="9525">
+              <a:solidFill>
+                <a:schemeClr val="tx1"/>
+              </a:solidFill>
+            </a:ln>
+          </p:spPr>
+          <p:style>
+            <a:lnRef idx="1">
+              <a:schemeClr val="accent1"/>
+            </a:lnRef>
+            <a:fillRef idx="0">
+              <a:schemeClr val="accent1"/>
+            </a:fillRef>
+            <a:effectRef idx="0">
+              <a:schemeClr val="accent1"/>
+            </a:effectRef>
+            <a:fontRef idx="minor">
+              <a:schemeClr val="tx1"/>
+            </a:fontRef>
+          </p:style>
+        </p:cxnSp>
+        <p:cxnSp>
+          <p:nvCxnSpPr>
+            <p:cNvPr id="39" name="直接连接符 38">
+              <a:extLst>
+                <a:ext uri="{FF2B5EF4-FFF2-40B4-BE49-F238E27FC236}">
+                  <a16:creationId xmlns:a16="http://schemas.microsoft.com/office/drawing/2014/main" id="{DFCA7079-812D-C7B6-01B3-33A7DD1F7B57}"/>
+                </a:ext>
+              </a:extLst>
+            </p:cNvPr>
+            <p:cNvCxnSpPr/>
+            <p:nvPr/>
+          </p:nvCxnSpPr>
+          <p:spPr>
+            <a:xfrm>
+              <a:off x="4074160" y="4155440"/>
+              <a:ext cx="0" cy="210908"/>
+            </a:xfrm>
+            <a:prstGeom prst="line">
+              <a:avLst/>
+            </a:prstGeom>
+            <a:ln w="9525">
+              <a:solidFill>
+                <a:schemeClr val="tx1"/>
+              </a:solidFill>
+            </a:ln>
+          </p:spPr>
+          <p:style>
+            <a:lnRef idx="1">
+              <a:schemeClr val="accent1"/>
+            </a:lnRef>
+            <a:fillRef idx="0">
+              <a:schemeClr val="accent1"/>
+            </a:fillRef>
+            <a:effectRef idx="0">
+              <a:schemeClr val="accent1"/>
+            </a:effectRef>
+            <a:fontRef idx="minor">
+              <a:schemeClr val="tx1"/>
+            </a:fontRef>
+          </p:style>
+        </p:cxnSp>
+      </p:grpSp>
+      <p:grpSp>
+        <p:nvGrpSpPr>
+          <p:cNvPr id="41" name="组合 40">
+            <a:extLst>
+              <a:ext uri="{FF2B5EF4-FFF2-40B4-BE49-F238E27FC236}">
+                <a16:creationId xmlns:a16="http://schemas.microsoft.com/office/drawing/2014/main" id="{17E0AA09-A681-93DF-D006-C9D1999DCA3B}"/>
+              </a:ext>
+            </a:extLst>
+          </p:cNvPr>
+          <p:cNvGrpSpPr/>
+          <p:nvPr/>
+        </p:nvGrpSpPr>
+        <p:grpSpPr>
+          <a:xfrm rot="16200000">
+            <a:off x="7290501" y="4237595"/>
+            <a:ext cx="111058" cy="149947"/>
+            <a:chOff x="3810701" y="4145280"/>
+            <a:chExt cx="263459" cy="221068"/>
+          </a:xfrm>
+        </p:grpSpPr>
+        <p:cxnSp>
+          <p:nvCxnSpPr>
+            <p:cNvPr id="42" name="直接连接符 41">
+              <a:extLst>
+                <a:ext uri="{FF2B5EF4-FFF2-40B4-BE49-F238E27FC236}">
+                  <a16:creationId xmlns:a16="http://schemas.microsoft.com/office/drawing/2014/main" id="{95190F08-777C-A1D1-A5B3-C8CE7661FB82}"/>
+                </a:ext>
+              </a:extLst>
+            </p:cNvPr>
+            <p:cNvCxnSpPr/>
+            <p:nvPr/>
+          </p:nvCxnSpPr>
+          <p:spPr>
+            <a:xfrm>
+              <a:off x="3810701" y="4145280"/>
+              <a:ext cx="263459" cy="0"/>
+            </a:xfrm>
+            <a:prstGeom prst="line">
+              <a:avLst/>
+            </a:prstGeom>
+            <a:ln w="9525">
+              <a:solidFill>
+                <a:schemeClr val="tx1"/>
+              </a:solidFill>
+            </a:ln>
+          </p:spPr>
+          <p:style>
+            <a:lnRef idx="1">
+              <a:schemeClr val="accent1"/>
+            </a:lnRef>
+            <a:fillRef idx="0">
+              <a:schemeClr val="accent1"/>
+            </a:fillRef>
+            <a:effectRef idx="0">
+              <a:schemeClr val="accent1"/>
+            </a:effectRef>
+            <a:fontRef idx="minor">
+              <a:schemeClr val="tx1"/>
+            </a:fontRef>
+          </p:style>
+        </p:cxnSp>
+        <p:cxnSp>
+          <p:nvCxnSpPr>
+            <p:cNvPr id="43" name="直接连接符 42">
+              <a:extLst>
+                <a:ext uri="{FF2B5EF4-FFF2-40B4-BE49-F238E27FC236}">
+                  <a16:creationId xmlns:a16="http://schemas.microsoft.com/office/drawing/2014/main" id="{7EB3CDE7-EE10-9AD7-645C-B90001561384}"/>
+                </a:ext>
+              </a:extLst>
+            </p:cNvPr>
+            <p:cNvCxnSpPr/>
+            <p:nvPr/>
+          </p:nvCxnSpPr>
+          <p:spPr>
+            <a:xfrm>
+              <a:off x="4074160" y="4155440"/>
+              <a:ext cx="0" cy="210908"/>
+            </a:xfrm>
+            <a:prstGeom prst="line">
+              <a:avLst/>
+            </a:prstGeom>
+            <a:ln w="9525">
+              <a:solidFill>
+                <a:schemeClr val="tx1"/>
+              </a:solidFill>
+            </a:ln>
+          </p:spPr>
+          <p:style>
+            <a:lnRef idx="1">
+              <a:schemeClr val="accent1"/>
+            </a:lnRef>
+            <a:fillRef idx="0">
+              <a:schemeClr val="accent1"/>
+            </a:fillRef>
+            <a:effectRef idx="0">
+              <a:schemeClr val="accent1"/>
+            </a:effectRef>
+            <a:fontRef idx="minor">
+              <a:schemeClr val="tx1"/>
+            </a:fontRef>
+          </p:style>
+        </p:cxnSp>
+      </p:grpSp>
+      <p:sp>
+        <p:nvSpPr>
+          <p:cNvPr id="44" name="直角三角形 43">
+            <a:extLst>
+              <a:ext uri="{FF2B5EF4-FFF2-40B4-BE49-F238E27FC236}">
+                <a16:creationId xmlns:a16="http://schemas.microsoft.com/office/drawing/2014/main" id="{BAA300A1-1DA3-42B4-0B20-8426B302EB10}"/>
+              </a:ext>
+            </a:extLst>
+          </p:cNvPr>
+          <p:cNvSpPr/>
+          <p:nvPr/>
+        </p:nvSpPr>
+        <p:spPr>
+          <a:xfrm rot="10800000">
+            <a:off x="2875279" y="1595119"/>
+            <a:ext cx="935419" cy="2771224"/>
+          </a:xfrm>
+          <a:prstGeom prst="rtTriangle">
+            <a:avLst/>
+          </a:prstGeom>
+        </p:spPr>
+        <p:style>
+          <a:lnRef idx="2">
+            <a:schemeClr val="accent1">
+              <a:shade val="15000"/>
+            </a:schemeClr>
+          </a:lnRef>
+          <a:fillRef idx="1">
+            <a:schemeClr val="accent1"/>
+          </a:fillRef>
+          <a:effectRef idx="0">
+            <a:schemeClr val="accent1"/>
+          </a:effectRef>
+          <a:fontRef idx="minor">
+            <a:schemeClr val="lt1"/>
+          </a:fontRef>
+        </p:style>
+        <p:txBody>
+          <a:bodyPr rtlCol="0" anchor="ctr"/>
+          <a:lstStyle/>
+          <a:p>
+            <a:pPr algn="ctr"/>
+            <a:endParaRPr lang="zh-CN" altLang="en-US"/>
+          </a:p>
+        </p:txBody>
+      </p:sp>
+    </p:spTree>
+    <p:extLst>
+      <p:ext uri="{BB962C8B-B14F-4D97-AF65-F5344CB8AC3E}">
+        <p14:creationId xmlns:p14="http://schemas.microsoft.com/office/powerpoint/2010/main" val="4271848381"/>
       </p:ext>
     </p:extLst>
   </p:cSld>

--- a/images/DW分解与列生成/插图制作.pptx
+++ b/images/DW分解与列生成/插图制作.pptx
@@ -7,6 +7,8 @@
   <p:sldIdLst>
     <p:sldId id="256" r:id="rId2"/>
     <p:sldId id="257" r:id="rId3"/>
+    <p:sldId id="258" r:id="rId4"/>
+    <p:sldId id="259" r:id="rId5"/>
   </p:sldIdLst>
   <p:sldSz cx="12192000" cy="6858000"/>
   <p:notesSz cx="6858000" cy="9144000"/>
@@ -108,7 +110,7 @@
   <p:extLst>
     <p:ext uri="{EFAFB233-063F-42B5-8137-9DF3F51BA10A}">
       <p15:sldGuideLst xmlns:p15="http://schemas.microsoft.com/office/powerpoint/2012/main">
-        <p15:guide id="1" orient="horz" pos="2160" userDrawn="1">
+        <p15:guide id="1" orient="horz" pos="2183" userDrawn="1">
           <p15:clr>
             <a:srgbClr val="A4A3A4"/>
           </p15:clr>
@@ -3551,10 +3553,10 @@
       </p:grpSpPr>
       <p:grpSp>
         <p:nvGrpSpPr>
-          <p:cNvPr id="11" name="组合 10">
+          <p:cNvPr id="62" name="组合 61">
             <a:extLst>
               <a:ext uri="{FF2B5EF4-FFF2-40B4-BE49-F238E27FC236}">
-                <a16:creationId xmlns:a16="http://schemas.microsoft.com/office/drawing/2014/main" id="{5A5660D4-EEE7-C74D-674A-D46EE355E652}"/>
+                <a16:creationId xmlns:a16="http://schemas.microsoft.com/office/drawing/2014/main" id="{C159268B-24D6-6AC4-B8A2-1ECE18D95B4B}"/>
               </a:ext>
             </a:extLst>
           </p:cNvPr>
@@ -3563,230 +3565,1662 @@
         </p:nvGrpSpPr>
         <p:grpSpPr>
           <a:xfrm>
-            <a:off x="2969873" y="1874695"/>
-            <a:ext cx="4466897" cy="2511973"/>
-            <a:chOff x="704193" y="1681655"/>
-            <a:chExt cx="4466897" cy="2511973"/>
+            <a:off x="2325689" y="262042"/>
+            <a:ext cx="6196006" cy="4416363"/>
+            <a:chOff x="2252117" y="251532"/>
+            <a:chExt cx="6196006" cy="4416363"/>
           </a:xfrm>
         </p:grpSpPr>
-        <p:cxnSp>
-          <p:nvCxnSpPr>
-            <p:cNvPr id="6" name="直接连接符 5">
+        <p:grpSp>
+          <p:nvGrpSpPr>
+            <p:cNvPr id="48" name="组合 47">
               <a:extLst>
                 <a:ext uri="{FF2B5EF4-FFF2-40B4-BE49-F238E27FC236}">
-                  <a16:creationId xmlns:a16="http://schemas.microsoft.com/office/drawing/2014/main" id="{F31CBBFA-FF01-12C2-6FE6-979AFCB3C7EE}"/>
+                  <a16:creationId xmlns:a16="http://schemas.microsoft.com/office/drawing/2014/main" id="{29AE12B2-BB34-BD90-E731-4C203197052E}"/>
                 </a:ext>
               </a:extLst>
             </p:cNvPr>
-            <p:cNvCxnSpPr/>
+            <p:cNvGrpSpPr/>
             <p:nvPr/>
-          </p:nvCxnSpPr>
+          </p:nvGrpSpPr>
+          <p:grpSpPr>
+            <a:xfrm>
+              <a:off x="3129280" y="751840"/>
+              <a:ext cx="4734210" cy="3411308"/>
+              <a:chOff x="2702560" y="975360"/>
+              <a:chExt cx="4734210" cy="3411308"/>
+            </a:xfrm>
+          </p:grpSpPr>
+          <p:grpSp>
+            <p:nvGrpSpPr>
+              <p:cNvPr id="11" name="组合 10">
+                <a:extLst>
+                  <a:ext uri="{FF2B5EF4-FFF2-40B4-BE49-F238E27FC236}">
+                    <a16:creationId xmlns:a16="http://schemas.microsoft.com/office/drawing/2014/main" id="{5A5660D4-EEE7-C74D-674A-D46EE355E652}"/>
+                  </a:ext>
+                </a:extLst>
+              </p:cNvPr>
+              <p:cNvGrpSpPr/>
+              <p:nvPr/>
+            </p:nvGrpSpPr>
+            <p:grpSpPr>
+              <a:xfrm>
+                <a:off x="2969873" y="1874695"/>
+                <a:ext cx="4466897" cy="2511973"/>
+                <a:chOff x="704193" y="1681655"/>
+                <a:chExt cx="4466897" cy="2511973"/>
+              </a:xfrm>
+            </p:grpSpPr>
+            <p:cxnSp>
+              <p:nvCxnSpPr>
+                <p:cNvPr id="6" name="直接连接符 5">
+                  <a:extLst>
+                    <a:ext uri="{FF2B5EF4-FFF2-40B4-BE49-F238E27FC236}">
+                      <a16:creationId xmlns:a16="http://schemas.microsoft.com/office/drawing/2014/main" id="{F31CBBFA-FF01-12C2-6FE6-979AFCB3C7EE}"/>
+                    </a:ext>
+                  </a:extLst>
+                </p:cNvPr>
+                <p:cNvCxnSpPr/>
+                <p:nvPr/>
+              </p:nvCxnSpPr>
+              <p:spPr>
+                <a:xfrm>
+                  <a:off x="704193" y="1681655"/>
+                  <a:ext cx="840828" cy="2511973"/>
+                </a:xfrm>
+                <a:prstGeom prst="line">
+                  <a:avLst/>
+                </a:prstGeom>
+                <a:ln w="15875">
+                  <a:solidFill>
+                    <a:schemeClr val="tx1"/>
+                  </a:solidFill>
+                </a:ln>
+              </p:spPr>
+              <p:style>
+                <a:lnRef idx="1">
+                  <a:schemeClr val="accent1"/>
+                </a:lnRef>
+                <a:fillRef idx="0">
+                  <a:schemeClr val="accent1"/>
+                </a:fillRef>
+                <a:effectRef idx="0">
+                  <a:schemeClr val="accent1"/>
+                </a:effectRef>
+                <a:fontRef idx="minor">
+                  <a:schemeClr val="tx1"/>
+                </a:fontRef>
+              </p:style>
+            </p:cxnSp>
+            <p:cxnSp>
+              <p:nvCxnSpPr>
+                <p:cNvPr id="8" name="直接连接符 7">
+                  <a:extLst>
+                    <a:ext uri="{FF2B5EF4-FFF2-40B4-BE49-F238E27FC236}">
+                      <a16:creationId xmlns:a16="http://schemas.microsoft.com/office/drawing/2014/main" id="{5F495AED-74E1-9518-4F71-CE614BD07D45}"/>
+                    </a:ext>
+                  </a:extLst>
+                </p:cNvPr>
+                <p:cNvCxnSpPr/>
+                <p:nvPr/>
+              </p:nvCxnSpPr>
+              <p:spPr>
+                <a:xfrm>
+                  <a:off x="1545021" y="4193628"/>
+                  <a:ext cx="3626069" cy="0"/>
+                </a:xfrm>
+                <a:prstGeom prst="line">
+                  <a:avLst/>
+                </a:prstGeom>
+                <a:ln w="15875">
+                  <a:solidFill>
+                    <a:schemeClr val="tx1"/>
+                  </a:solidFill>
+                </a:ln>
+              </p:spPr>
+              <p:style>
+                <a:lnRef idx="1">
+                  <a:schemeClr val="accent1"/>
+                </a:lnRef>
+                <a:fillRef idx="0">
+                  <a:schemeClr val="accent1"/>
+                </a:fillRef>
+                <a:effectRef idx="0">
+                  <a:schemeClr val="accent1"/>
+                </a:effectRef>
+                <a:fontRef idx="minor">
+                  <a:schemeClr val="tx1"/>
+                </a:fontRef>
+              </p:style>
+            </p:cxnSp>
+            <p:cxnSp>
+              <p:nvCxnSpPr>
+                <p:cNvPr id="10" name="直接连接符 9">
+                  <a:extLst>
+                    <a:ext uri="{FF2B5EF4-FFF2-40B4-BE49-F238E27FC236}">
+                      <a16:creationId xmlns:a16="http://schemas.microsoft.com/office/drawing/2014/main" id="{DC1B1EA7-11D1-DA6E-3B30-81C23C628832}"/>
+                    </a:ext>
+                  </a:extLst>
+                </p:cNvPr>
+                <p:cNvCxnSpPr/>
+                <p:nvPr/>
+              </p:nvCxnSpPr>
+              <p:spPr>
+                <a:xfrm flipV="1">
+                  <a:off x="5171090" y="1681655"/>
+                  <a:ext cx="0" cy="2511973"/>
+                </a:xfrm>
+                <a:prstGeom prst="line">
+                  <a:avLst/>
+                </a:prstGeom>
+                <a:ln w="15875">
+                  <a:solidFill>
+                    <a:schemeClr val="tx1"/>
+                  </a:solidFill>
+                </a:ln>
+              </p:spPr>
+              <p:style>
+                <a:lnRef idx="1">
+                  <a:schemeClr val="accent1"/>
+                </a:lnRef>
+                <a:fillRef idx="0">
+                  <a:schemeClr val="accent1"/>
+                </a:fillRef>
+                <a:effectRef idx="0">
+                  <a:schemeClr val="accent1"/>
+                </a:effectRef>
+                <a:fontRef idx="minor">
+                  <a:schemeClr val="tx1"/>
+                </a:fontRef>
+              </p:style>
+            </p:cxnSp>
+          </p:grpSp>
+          <p:cxnSp>
+            <p:nvCxnSpPr>
+              <p:cNvPr id="23" name="直接箭头连接符 22">
+                <a:extLst>
+                  <a:ext uri="{FF2B5EF4-FFF2-40B4-BE49-F238E27FC236}">
+                    <a16:creationId xmlns:a16="http://schemas.microsoft.com/office/drawing/2014/main" id="{A9ADCDA9-EADD-C9C7-2932-967F4910B9A9}"/>
+                  </a:ext>
+                </a:extLst>
+              </p:cNvPr>
+              <p:cNvCxnSpPr>
+                <a:cxnSpLocks/>
+              </p:cNvCxnSpPr>
+              <p:nvPr/>
+            </p:nvCxnSpPr>
+            <p:spPr>
+              <a:xfrm flipH="1" flipV="1">
+                <a:off x="3810698" y="975360"/>
+                <a:ext cx="3" cy="3411308"/>
+              </a:xfrm>
+              <a:prstGeom prst="straightConnector1">
+                <a:avLst/>
+              </a:prstGeom>
+              <a:ln w="12700">
+                <a:solidFill>
+                  <a:srgbClr val="FF0000"/>
+                </a:solidFill>
+                <a:tailEnd type="triangle"/>
+              </a:ln>
+            </p:spPr>
+            <p:style>
+              <a:lnRef idx="1">
+                <a:schemeClr val="accent1"/>
+              </a:lnRef>
+              <a:fillRef idx="0">
+                <a:schemeClr val="accent1"/>
+              </a:fillRef>
+              <a:effectRef idx="0">
+                <a:schemeClr val="accent1"/>
+              </a:effectRef>
+              <a:fontRef idx="minor">
+                <a:schemeClr val="tx1"/>
+              </a:fontRef>
+            </p:style>
+          </p:cxnSp>
+          <p:cxnSp>
+            <p:nvCxnSpPr>
+              <p:cNvPr id="25" name="直接箭头连接符 24">
+                <a:extLst>
+                  <a:ext uri="{FF2B5EF4-FFF2-40B4-BE49-F238E27FC236}">
+                    <a16:creationId xmlns:a16="http://schemas.microsoft.com/office/drawing/2014/main" id="{1394E6C1-FCA1-5127-27A0-4A43DE83FC6B}"/>
+                  </a:ext>
+                </a:extLst>
+              </p:cNvPr>
+              <p:cNvCxnSpPr>
+                <a:cxnSpLocks/>
+              </p:cNvCxnSpPr>
+              <p:nvPr/>
+            </p:nvCxnSpPr>
+            <p:spPr>
+              <a:xfrm flipH="1" flipV="1">
+                <a:off x="2702560" y="1127760"/>
+                <a:ext cx="1108141" cy="3258908"/>
+              </a:xfrm>
+              <a:prstGeom prst="straightConnector1">
+                <a:avLst/>
+              </a:prstGeom>
+              <a:ln w="12700">
+                <a:solidFill>
+                  <a:srgbClr val="FF0000"/>
+                </a:solidFill>
+                <a:tailEnd type="triangle"/>
+              </a:ln>
+            </p:spPr>
+            <p:style>
+              <a:lnRef idx="1">
+                <a:schemeClr val="accent1"/>
+              </a:lnRef>
+              <a:fillRef idx="0">
+                <a:schemeClr val="accent1"/>
+              </a:fillRef>
+              <a:effectRef idx="0">
+                <a:schemeClr val="accent1"/>
+              </a:effectRef>
+              <a:fontRef idx="minor">
+                <a:schemeClr val="tx1"/>
+              </a:fontRef>
+            </p:style>
+          </p:cxnSp>
+          <p:grpSp>
+            <p:nvGrpSpPr>
+              <p:cNvPr id="40" name="组合 39">
+                <a:extLst>
+                  <a:ext uri="{FF2B5EF4-FFF2-40B4-BE49-F238E27FC236}">
+                    <a16:creationId xmlns:a16="http://schemas.microsoft.com/office/drawing/2014/main" id="{F0B35109-C6CE-58F6-2952-A60508AB4548}"/>
+                  </a:ext>
+                </a:extLst>
+              </p:cNvPr>
+              <p:cNvGrpSpPr/>
+              <p:nvPr/>
+            </p:nvGrpSpPr>
+            <p:grpSpPr>
+              <a:xfrm>
+                <a:off x="3810702" y="4216400"/>
+                <a:ext cx="111058" cy="149947"/>
+                <a:chOff x="3810701" y="4145280"/>
+                <a:chExt cx="263459" cy="221068"/>
+              </a:xfrm>
+            </p:grpSpPr>
+            <p:cxnSp>
+              <p:nvCxnSpPr>
+                <p:cNvPr id="37" name="直接连接符 36">
+                  <a:extLst>
+                    <a:ext uri="{FF2B5EF4-FFF2-40B4-BE49-F238E27FC236}">
+                      <a16:creationId xmlns:a16="http://schemas.microsoft.com/office/drawing/2014/main" id="{0B549C3D-8579-4772-6128-F99FB92EEC2F}"/>
+                    </a:ext>
+                  </a:extLst>
+                </p:cNvPr>
+                <p:cNvCxnSpPr/>
+                <p:nvPr/>
+              </p:nvCxnSpPr>
+              <p:spPr>
+                <a:xfrm>
+                  <a:off x="3810701" y="4145280"/>
+                  <a:ext cx="263459" cy="0"/>
+                </a:xfrm>
+                <a:prstGeom prst="line">
+                  <a:avLst/>
+                </a:prstGeom>
+                <a:ln w="9525">
+                  <a:solidFill>
+                    <a:schemeClr val="tx1"/>
+                  </a:solidFill>
+                </a:ln>
+              </p:spPr>
+              <p:style>
+                <a:lnRef idx="1">
+                  <a:schemeClr val="accent1"/>
+                </a:lnRef>
+                <a:fillRef idx="0">
+                  <a:schemeClr val="accent1"/>
+                </a:fillRef>
+                <a:effectRef idx="0">
+                  <a:schemeClr val="accent1"/>
+                </a:effectRef>
+                <a:fontRef idx="minor">
+                  <a:schemeClr val="tx1"/>
+                </a:fontRef>
+              </p:style>
+            </p:cxnSp>
+            <p:cxnSp>
+              <p:nvCxnSpPr>
+                <p:cNvPr id="39" name="直接连接符 38">
+                  <a:extLst>
+                    <a:ext uri="{FF2B5EF4-FFF2-40B4-BE49-F238E27FC236}">
+                      <a16:creationId xmlns:a16="http://schemas.microsoft.com/office/drawing/2014/main" id="{DFCA7079-812D-C7B6-01B3-33A7DD1F7B57}"/>
+                    </a:ext>
+                  </a:extLst>
+                </p:cNvPr>
+                <p:cNvCxnSpPr/>
+                <p:nvPr/>
+              </p:nvCxnSpPr>
+              <p:spPr>
+                <a:xfrm>
+                  <a:off x="4074160" y="4155440"/>
+                  <a:ext cx="0" cy="210908"/>
+                </a:xfrm>
+                <a:prstGeom prst="line">
+                  <a:avLst/>
+                </a:prstGeom>
+                <a:ln w="9525">
+                  <a:solidFill>
+                    <a:schemeClr val="tx1"/>
+                  </a:solidFill>
+                </a:ln>
+              </p:spPr>
+              <p:style>
+                <a:lnRef idx="1">
+                  <a:schemeClr val="accent1"/>
+                </a:lnRef>
+                <a:fillRef idx="0">
+                  <a:schemeClr val="accent1"/>
+                </a:fillRef>
+                <a:effectRef idx="0">
+                  <a:schemeClr val="accent1"/>
+                </a:effectRef>
+                <a:fontRef idx="minor">
+                  <a:schemeClr val="tx1"/>
+                </a:fontRef>
+              </p:style>
+            </p:cxnSp>
+          </p:grpSp>
+          <p:grpSp>
+            <p:nvGrpSpPr>
+              <p:cNvPr id="41" name="组合 40">
+                <a:extLst>
+                  <a:ext uri="{FF2B5EF4-FFF2-40B4-BE49-F238E27FC236}">
+                    <a16:creationId xmlns:a16="http://schemas.microsoft.com/office/drawing/2014/main" id="{17E0AA09-A681-93DF-D006-C9D1999DCA3B}"/>
+                  </a:ext>
+                </a:extLst>
+              </p:cNvPr>
+              <p:cNvGrpSpPr/>
+              <p:nvPr/>
+            </p:nvGrpSpPr>
+            <p:grpSpPr>
+              <a:xfrm rot="16200000">
+                <a:off x="7290501" y="4237595"/>
+                <a:ext cx="111058" cy="149947"/>
+                <a:chOff x="3810701" y="4145280"/>
+                <a:chExt cx="263459" cy="221068"/>
+              </a:xfrm>
+            </p:grpSpPr>
+            <p:cxnSp>
+              <p:nvCxnSpPr>
+                <p:cNvPr id="42" name="直接连接符 41">
+                  <a:extLst>
+                    <a:ext uri="{FF2B5EF4-FFF2-40B4-BE49-F238E27FC236}">
+                      <a16:creationId xmlns:a16="http://schemas.microsoft.com/office/drawing/2014/main" id="{95190F08-777C-A1D1-A5B3-C8CE7661FB82}"/>
+                    </a:ext>
+                  </a:extLst>
+                </p:cNvPr>
+                <p:cNvCxnSpPr/>
+                <p:nvPr/>
+              </p:nvCxnSpPr>
+              <p:spPr>
+                <a:xfrm>
+                  <a:off x="3810701" y="4145280"/>
+                  <a:ext cx="263459" cy="0"/>
+                </a:xfrm>
+                <a:prstGeom prst="line">
+                  <a:avLst/>
+                </a:prstGeom>
+                <a:ln w="9525">
+                  <a:solidFill>
+                    <a:schemeClr val="tx1"/>
+                  </a:solidFill>
+                </a:ln>
+              </p:spPr>
+              <p:style>
+                <a:lnRef idx="1">
+                  <a:schemeClr val="accent1"/>
+                </a:lnRef>
+                <a:fillRef idx="0">
+                  <a:schemeClr val="accent1"/>
+                </a:fillRef>
+                <a:effectRef idx="0">
+                  <a:schemeClr val="accent1"/>
+                </a:effectRef>
+                <a:fontRef idx="minor">
+                  <a:schemeClr val="tx1"/>
+                </a:fontRef>
+              </p:style>
+            </p:cxnSp>
+            <p:cxnSp>
+              <p:nvCxnSpPr>
+                <p:cNvPr id="43" name="直接连接符 42">
+                  <a:extLst>
+                    <a:ext uri="{FF2B5EF4-FFF2-40B4-BE49-F238E27FC236}">
+                      <a16:creationId xmlns:a16="http://schemas.microsoft.com/office/drawing/2014/main" id="{7EB3CDE7-EE10-9AD7-645C-B90001561384}"/>
+                    </a:ext>
+                  </a:extLst>
+                </p:cNvPr>
+                <p:cNvCxnSpPr/>
+                <p:nvPr/>
+              </p:nvCxnSpPr>
+              <p:spPr>
+                <a:xfrm>
+                  <a:off x="4074160" y="4155440"/>
+                  <a:ext cx="0" cy="210908"/>
+                </a:xfrm>
+                <a:prstGeom prst="line">
+                  <a:avLst/>
+                </a:prstGeom>
+                <a:ln w="9525">
+                  <a:solidFill>
+                    <a:schemeClr val="tx1"/>
+                  </a:solidFill>
+                </a:ln>
+              </p:spPr>
+              <p:style>
+                <a:lnRef idx="1">
+                  <a:schemeClr val="accent1"/>
+                </a:lnRef>
+                <a:fillRef idx="0">
+                  <a:schemeClr val="accent1"/>
+                </a:fillRef>
+                <a:effectRef idx="0">
+                  <a:schemeClr val="accent1"/>
+                </a:effectRef>
+                <a:fontRef idx="minor">
+                  <a:schemeClr val="tx1"/>
+                </a:fontRef>
+              </p:style>
+            </p:cxnSp>
+          </p:grpSp>
+          <p:sp>
+            <p:nvSpPr>
+              <p:cNvPr id="44" name="直角三角形 43">
+                <a:extLst>
+                  <a:ext uri="{FF2B5EF4-FFF2-40B4-BE49-F238E27FC236}">
+                    <a16:creationId xmlns:a16="http://schemas.microsoft.com/office/drawing/2014/main" id="{BAA300A1-1DA3-42B4-0B20-8426B302EB10}"/>
+                  </a:ext>
+                </a:extLst>
+              </p:cNvPr>
+              <p:cNvSpPr/>
+              <p:nvPr/>
+            </p:nvSpPr>
+            <p:spPr>
+              <a:xfrm rot="10800000">
+                <a:off x="2844799" y="1259839"/>
+                <a:ext cx="965899" cy="3106504"/>
+              </a:xfrm>
+              <a:custGeom>
+                <a:avLst/>
+                <a:gdLst>
+                  <a:gd name="connsiteX0" fmla="*/ 0 w 935419"/>
+                  <a:gd name="connsiteY0" fmla="*/ 2771224 h 2771224"/>
+                  <a:gd name="connsiteX1" fmla="*/ 0 w 935419"/>
+                  <a:gd name="connsiteY1" fmla="*/ 0 h 2771224"/>
+                  <a:gd name="connsiteX2" fmla="*/ 935419 w 935419"/>
+                  <a:gd name="connsiteY2" fmla="*/ 2771224 h 2771224"/>
+                  <a:gd name="connsiteX3" fmla="*/ 0 w 935419"/>
+                  <a:gd name="connsiteY3" fmla="*/ 2771224 h 2771224"/>
+                  <a:gd name="connsiteX0" fmla="*/ 935419 w 1026859"/>
+                  <a:gd name="connsiteY0" fmla="*/ 2771224 h 2862664"/>
+                  <a:gd name="connsiteX1" fmla="*/ 0 w 1026859"/>
+                  <a:gd name="connsiteY1" fmla="*/ 2771224 h 2862664"/>
+                  <a:gd name="connsiteX2" fmla="*/ 0 w 1026859"/>
+                  <a:gd name="connsiteY2" fmla="*/ 0 h 2862664"/>
+                  <a:gd name="connsiteX3" fmla="*/ 1026859 w 1026859"/>
+                  <a:gd name="connsiteY3" fmla="*/ 2862664 h 2862664"/>
+                  <a:gd name="connsiteX0" fmla="*/ 335979 w 1026859"/>
+                  <a:gd name="connsiteY0" fmla="*/ 3350344 h 3350344"/>
+                  <a:gd name="connsiteX1" fmla="*/ 0 w 1026859"/>
+                  <a:gd name="connsiteY1" fmla="*/ 2771224 h 3350344"/>
+                  <a:gd name="connsiteX2" fmla="*/ 0 w 1026859"/>
+                  <a:gd name="connsiteY2" fmla="*/ 0 h 3350344"/>
+                  <a:gd name="connsiteX3" fmla="*/ 1026859 w 1026859"/>
+                  <a:gd name="connsiteY3" fmla="*/ 2862664 h 3350344"/>
+                  <a:gd name="connsiteX0" fmla="*/ 335979 w 1006539"/>
+                  <a:gd name="connsiteY0" fmla="*/ 3350344 h 3350344"/>
+                  <a:gd name="connsiteX1" fmla="*/ 0 w 1006539"/>
+                  <a:gd name="connsiteY1" fmla="*/ 2771224 h 3350344"/>
+                  <a:gd name="connsiteX2" fmla="*/ 0 w 1006539"/>
+                  <a:gd name="connsiteY2" fmla="*/ 0 h 3350344"/>
+                  <a:gd name="connsiteX3" fmla="*/ 1006539 w 1006539"/>
+                  <a:gd name="connsiteY3" fmla="*/ 2872824 h 3350344"/>
+                  <a:gd name="connsiteX0" fmla="*/ 122619 w 1006539"/>
+                  <a:gd name="connsiteY0" fmla="*/ 3055704 h 3055704"/>
+                  <a:gd name="connsiteX1" fmla="*/ 0 w 1006539"/>
+                  <a:gd name="connsiteY1" fmla="*/ 2771224 h 3055704"/>
+                  <a:gd name="connsiteX2" fmla="*/ 0 w 1006539"/>
+                  <a:gd name="connsiteY2" fmla="*/ 0 h 3055704"/>
+                  <a:gd name="connsiteX3" fmla="*/ 1006539 w 1006539"/>
+                  <a:gd name="connsiteY3" fmla="*/ 2872824 h 3055704"/>
+                  <a:gd name="connsiteX0" fmla="*/ 122619 w 965899"/>
+                  <a:gd name="connsiteY0" fmla="*/ 3055704 h 3055704"/>
+                  <a:gd name="connsiteX1" fmla="*/ 0 w 965899"/>
+                  <a:gd name="connsiteY1" fmla="*/ 2771224 h 3055704"/>
+                  <a:gd name="connsiteX2" fmla="*/ 0 w 965899"/>
+                  <a:gd name="connsiteY2" fmla="*/ 0 h 3055704"/>
+                  <a:gd name="connsiteX3" fmla="*/ 965899 w 965899"/>
+                  <a:gd name="connsiteY3" fmla="*/ 2882984 h 3055704"/>
+                  <a:gd name="connsiteX0" fmla="*/ 699 w 965899"/>
+                  <a:gd name="connsiteY0" fmla="*/ 3106504 h 3106504"/>
+                  <a:gd name="connsiteX1" fmla="*/ 0 w 965899"/>
+                  <a:gd name="connsiteY1" fmla="*/ 2771224 h 3106504"/>
+                  <a:gd name="connsiteX2" fmla="*/ 0 w 965899"/>
+                  <a:gd name="connsiteY2" fmla="*/ 0 h 3106504"/>
+                  <a:gd name="connsiteX3" fmla="*/ 965899 w 965899"/>
+                  <a:gd name="connsiteY3" fmla="*/ 2882984 h 3106504"/>
+                  <a:gd name="connsiteX0" fmla="*/ 699 w 965899"/>
+                  <a:gd name="connsiteY0" fmla="*/ 3106504 h 3106504"/>
+                  <a:gd name="connsiteX1" fmla="*/ 0 w 965899"/>
+                  <a:gd name="connsiteY1" fmla="*/ 2771224 h 3106504"/>
+                  <a:gd name="connsiteX2" fmla="*/ 0 w 965899"/>
+                  <a:gd name="connsiteY2" fmla="*/ 0 h 3106504"/>
+                  <a:gd name="connsiteX3" fmla="*/ 965899 w 965899"/>
+                  <a:gd name="connsiteY3" fmla="*/ 2872824 h 3106504"/>
+                </a:gdLst>
+                <a:ahLst/>
+                <a:cxnLst>
+                  <a:cxn ang="0">
+                    <a:pos x="connsiteX0" y="connsiteY0"/>
+                  </a:cxn>
+                  <a:cxn ang="0">
+                    <a:pos x="connsiteX1" y="connsiteY1"/>
+                  </a:cxn>
+                  <a:cxn ang="0">
+                    <a:pos x="connsiteX2" y="connsiteY2"/>
+                  </a:cxn>
+                  <a:cxn ang="0">
+                    <a:pos x="connsiteX3" y="connsiteY3"/>
+                  </a:cxn>
+                </a:cxnLst>
+                <a:rect l="l" t="t" r="r" b="b"/>
+                <a:pathLst>
+                  <a:path w="965899" h="3106504">
+                    <a:moveTo>
+                      <a:pt x="699" y="3106504"/>
+                    </a:moveTo>
+                    <a:lnTo>
+                      <a:pt x="0" y="2771224"/>
+                    </a:lnTo>
+                    <a:lnTo>
+                      <a:pt x="0" y="0"/>
+                    </a:lnTo>
+                    <a:cubicBezTo>
+                      <a:pt x="311806" y="923741"/>
+                      <a:pt x="965899" y="2872824"/>
+                      <a:pt x="965899" y="2872824"/>
+                    </a:cubicBezTo>
+                  </a:path>
+                </a:pathLst>
+              </a:custGeom>
+              <a:gradFill>
+                <a:gsLst>
+                  <a:gs pos="0">
+                    <a:schemeClr val="bg1">
+                      <a:lumMod val="95000"/>
+                    </a:schemeClr>
+                  </a:gs>
+                  <a:gs pos="100000">
+                    <a:schemeClr val="accent4">
+                      <a:lumMod val="40000"/>
+                      <a:lumOff val="60000"/>
+                    </a:schemeClr>
+                  </a:gs>
+                </a:gsLst>
+                <a:lin ang="5400000" scaled="1"/>
+              </a:gradFill>
+              <a:ln>
+                <a:noFill/>
+              </a:ln>
+            </p:spPr>
+            <p:style>
+              <a:lnRef idx="2">
+                <a:schemeClr val="accent1">
+                  <a:shade val="15000"/>
+                </a:schemeClr>
+              </a:lnRef>
+              <a:fillRef idx="1">
+                <a:schemeClr val="accent1"/>
+              </a:fillRef>
+              <a:effectRef idx="0">
+                <a:schemeClr val="accent1"/>
+              </a:effectRef>
+              <a:fontRef idx="minor">
+                <a:schemeClr val="lt1"/>
+              </a:fontRef>
+            </p:style>
+            <p:txBody>
+              <a:bodyPr rtlCol="0" anchor="ctr"/>
+              <a:lstStyle/>
+              <a:p>
+                <a:pPr algn="ctr"/>
+                <a:endParaRPr lang="zh-CN" altLang="en-US"/>
+              </a:p>
+            </p:txBody>
+          </p:sp>
+          <p:sp>
+            <p:nvSpPr>
+              <p:cNvPr id="45" name="直角三角形 43">
+                <a:extLst>
+                  <a:ext uri="{FF2B5EF4-FFF2-40B4-BE49-F238E27FC236}">
+                    <a16:creationId xmlns:a16="http://schemas.microsoft.com/office/drawing/2014/main" id="{39F9FADD-4908-DF46-21D7-3DC818D24009}"/>
+                  </a:ext>
+                </a:extLst>
+              </p:cNvPr>
+              <p:cNvSpPr/>
+              <p:nvPr/>
+            </p:nvSpPr>
+            <p:spPr>
+              <a:xfrm rot="10800000">
+                <a:off x="4147559" y="1259839"/>
+                <a:ext cx="965899" cy="3106504"/>
+              </a:xfrm>
+              <a:custGeom>
+                <a:avLst/>
+                <a:gdLst>
+                  <a:gd name="connsiteX0" fmla="*/ 0 w 935419"/>
+                  <a:gd name="connsiteY0" fmla="*/ 2771224 h 2771224"/>
+                  <a:gd name="connsiteX1" fmla="*/ 0 w 935419"/>
+                  <a:gd name="connsiteY1" fmla="*/ 0 h 2771224"/>
+                  <a:gd name="connsiteX2" fmla="*/ 935419 w 935419"/>
+                  <a:gd name="connsiteY2" fmla="*/ 2771224 h 2771224"/>
+                  <a:gd name="connsiteX3" fmla="*/ 0 w 935419"/>
+                  <a:gd name="connsiteY3" fmla="*/ 2771224 h 2771224"/>
+                  <a:gd name="connsiteX0" fmla="*/ 935419 w 1026859"/>
+                  <a:gd name="connsiteY0" fmla="*/ 2771224 h 2862664"/>
+                  <a:gd name="connsiteX1" fmla="*/ 0 w 1026859"/>
+                  <a:gd name="connsiteY1" fmla="*/ 2771224 h 2862664"/>
+                  <a:gd name="connsiteX2" fmla="*/ 0 w 1026859"/>
+                  <a:gd name="connsiteY2" fmla="*/ 0 h 2862664"/>
+                  <a:gd name="connsiteX3" fmla="*/ 1026859 w 1026859"/>
+                  <a:gd name="connsiteY3" fmla="*/ 2862664 h 2862664"/>
+                  <a:gd name="connsiteX0" fmla="*/ 335979 w 1026859"/>
+                  <a:gd name="connsiteY0" fmla="*/ 3350344 h 3350344"/>
+                  <a:gd name="connsiteX1" fmla="*/ 0 w 1026859"/>
+                  <a:gd name="connsiteY1" fmla="*/ 2771224 h 3350344"/>
+                  <a:gd name="connsiteX2" fmla="*/ 0 w 1026859"/>
+                  <a:gd name="connsiteY2" fmla="*/ 0 h 3350344"/>
+                  <a:gd name="connsiteX3" fmla="*/ 1026859 w 1026859"/>
+                  <a:gd name="connsiteY3" fmla="*/ 2862664 h 3350344"/>
+                  <a:gd name="connsiteX0" fmla="*/ 335979 w 1006539"/>
+                  <a:gd name="connsiteY0" fmla="*/ 3350344 h 3350344"/>
+                  <a:gd name="connsiteX1" fmla="*/ 0 w 1006539"/>
+                  <a:gd name="connsiteY1" fmla="*/ 2771224 h 3350344"/>
+                  <a:gd name="connsiteX2" fmla="*/ 0 w 1006539"/>
+                  <a:gd name="connsiteY2" fmla="*/ 0 h 3350344"/>
+                  <a:gd name="connsiteX3" fmla="*/ 1006539 w 1006539"/>
+                  <a:gd name="connsiteY3" fmla="*/ 2872824 h 3350344"/>
+                  <a:gd name="connsiteX0" fmla="*/ 122619 w 1006539"/>
+                  <a:gd name="connsiteY0" fmla="*/ 3055704 h 3055704"/>
+                  <a:gd name="connsiteX1" fmla="*/ 0 w 1006539"/>
+                  <a:gd name="connsiteY1" fmla="*/ 2771224 h 3055704"/>
+                  <a:gd name="connsiteX2" fmla="*/ 0 w 1006539"/>
+                  <a:gd name="connsiteY2" fmla="*/ 0 h 3055704"/>
+                  <a:gd name="connsiteX3" fmla="*/ 1006539 w 1006539"/>
+                  <a:gd name="connsiteY3" fmla="*/ 2872824 h 3055704"/>
+                  <a:gd name="connsiteX0" fmla="*/ 122619 w 965899"/>
+                  <a:gd name="connsiteY0" fmla="*/ 3055704 h 3055704"/>
+                  <a:gd name="connsiteX1" fmla="*/ 0 w 965899"/>
+                  <a:gd name="connsiteY1" fmla="*/ 2771224 h 3055704"/>
+                  <a:gd name="connsiteX2" fmla="*/ 0 w 965899"/>
+                  <a:gd name="connsiteY2" fmla="*/ 0 h 3055704"/>
+                  <a:gd name="connsiteX3" fmla="*/ 965899 w 965899"/>
+                  <a:gd name="connsiteY3" fmla="*/ 2882984 h 3055704"/>
+                  <a:gd name="connsiteX0" fmla="*/ 699 w 965899"/>
+                  <a:gd name="connsiteY0" fmla="*/ 3106504 h 3106504"/>
+                  <a:gd name="connsiteX1" fmla="*/ 0 w 965899"/>
+                  <a:gd name="connsiteY1" fmla="*/ 2771224 h 3106504"/>
+                  <a:gd name="connsiteX2" fmla="*/ 0 w 965899"/>
+                  <a:gd name="connsiteY2" fmla="*/ 0 h 3106504"/>
+                  <a:gd name="connsiteX3" fmla="*/ 965899 w 965899"/>
+                  <a:gd name="connsiteY3" fmla="*/ 2882984 h 3106504"/>
+                </a:gdLst>
+                <a:ahLst/>
+                <a:cxnLst>
+                  <a:cxn ang="0">
+                    <a:pos x="connsiteX0" y="connsiteY0"/>
+                  </a:cxn>
+                  <a:cxn ang="0">
+                    <a:pos x="connsiteX1" y="connsiteY1"/>
+                  </a:cxn>
+                  <a:cxn ang="0">
+                    <a:pos x="connsiteX2" y="connsiteY2"/>
+                  </a:cxn>
+                  <a:cxn ang="0">
+                    <a:pos x="connsiteX3" y="connsiteY3"/>
+                  </a:cxn>
+                </a:cxnLst>
+                <a:rect l="l" t="t" r="r" b="b"/>
+                <a:pathLst>
+                  <a:path w="965899" h="3106504">
+                    <a:moveTo>
+                      <a:pt x="699" y="3106504"/>
+                    </a:moveTo>
+                    <a:lnTo>
+                      <a:pt x="0" y="2771224"/>
+                    </a:lnTo>
+                    <a:lnTo>
+                      <a:pt x="0" y="0"/>
+                    </a:lnTo>
+                    <a:cubicBezTo>
+                      <a:pt x="311806" y="923741"/>
+                      <a:pt x="965899" y="2882984"/>
+                      <a:pt x="965899" y="2882984"/>
+                    </a:cubicBezTo>
+                  </a:path>
+                </a:pathLst>
+              </a:custGeom>
+              <a:gradFill>
+                <a:gsLst>
+                  <a:gs pos="0">
+                    <a:schemeClr val="bg1">
+                      <a:lumMod val="95000"/>
+                    </a:schemeClr>
+                  </a:gs>
+                  <a:gs pos="100000">
+                    <a:schemeClr val="accent4">
+                      <a:lumMod val="40000"/>
+                      <a:lumOff val="60000"/>
+                    </a:schemeClr>
+                  </a:gs>
+                </a:gsLst>
+                <a:lin ang="5400000" scaled="1"/>
+              </a:gradFill>
+              <a:ln>
+                <a:noFill/>
+              </a:ln>
+            </p:spPr>
+            <p:style>
+              <a:lnRef idx="2">
+                <a:schemeClr val="accent1">
+                  <a:shade val="15000"/>
+                </a:schemeClr>
+              </a:lnRef>
+              <a:fillRef idx="1">
+                <a:schemeClr val="accent1"/>
+              </a:fillRef>
+              <a:effectRef idx="0">
+                <a:schemeClr val="accent1"/>
+              </a:effectRef>
+              <a:fontRef idx="minor">
+                <a:schemeClr val="lt1"/>
+              </a:fontRef>
+            </p:style>
+            <p:txBody>
+              <a:bodyPr rtlCol="0" anchor="ctr"/>
+              <a:lstStyle/>
+              <a:p>
+                <a:pPr algn="ctr"/>
+                <a:endParaRPr lang="zh-CN" altLang="en-US" dirty="0"/>
+              </a:p>
+            </p:txBody>
+          </p:sp>
+          <p:sp>
+            <p:nvSpPr>
+              <p:cNvPr id="46" name="直角三角形 43">
+                <a:extLst>
+                  <a:ext uri="{FF2B5EF4-FFF2-40B4-BE49-F238E27FC236}">
+                    <a16:creationId xmlns:a16="http://schemas.microsoft.com/office/drawing/2014/main" id="{0DCDC002-4612-D366-03B0-D2CC31615535}"/>
+                  </a:ext>
+                </a:extLst>
+              </p:cNvPr>
+              <p:cNvSpPr/>
+              <p:nvPr/>
+            </p:nvSpPr>
+            <p:spPr>
+              <a:xfrm rot="10800000">
+                <a:off x="5279170" y="1259839"/>
+                <a:ext cx="965899" cy="3106504"/>
+              </a:xfrm>
+              <a:custGeom>
+                <a:avLst/>
+                <a:gdLst>
+                  <a:gd name="connsiteX0" fmla="*/ 0 w 935419"/>
+                  <a:gd name="connsiteY0" fmla="*/ 2771224 h 2771224"/>
+                  <a:gd name="connsiteX1" fmla="*/ 0 w 935419"/>
+                  <a:gd name="connsiteY1" fmla="*/ 0 h 2771224"/>
+                  <a:gd name="connsiteX2" fmla="*/ 935419 w 935419"/>
+                  <a:gd name="connsiteY2" fmla="*/ 2771224 h 2771224"/>
+                  <a:gd name="connsiteX3" fmla="*/ 0 w 935419"/>
+                  <a:gd name="connsiteY3" fmla="*/ 2771224 h 2771224"/>
+                  <a:gd name="connsiteX0" fmla="*/ 935419 w 1026859"/>
+                  <a:gd name="connsiteY0" fmla="*/ 2771224 h 2862664"/>
+                  <a:gd name="connsiteX1" fmla="*/ 0 w 1026859"/>
+                  <a:gd name="connsiteY1" fmla="*/ 2771224 h 2862664"/>
+                  <a:gd name="connsiteX2" fmla="*/ 0 w 1026859"/>
+                  <a:gd name="connsiteY2" fmla="*/ 0 h 2862664"/>
+                  <a:gd name="connsiteX3" fmla="*/ 1026859 w 1026859"/>
+                  <a:gd name="connsiteY3" fmla="*/ 2862664 h 2862664"/>
+                  <a:gd name="connsiteX0" fmla="*/ 335979 w 1026859"/>
+                  <a:gd name="connsiteY0" fmla="*/ 3350344 h 3350344"/>
+                  <a:gd name="connsiteX1" fmla="*/ 0 w 1026859"/>
+                  <a:gd name="connsiteY1" fmla="*/ 2771224 h 3350344"/>
+                  <a:gd name="connsiteX2" fmla="*/ 0 w 1026859"/>
+                  <a:gd name="connsiteY2" fmla="*/ 0 h 3350344"/>
+                  <a:gd name="connsiteX3" fmla="*/ 1026859 w 1026859"/>
+                  <a:gd name="connsiteY3" fmla="*/ 2862664 h 3350344"/>
+                  <a:gd name="connsiteX0" fmla="*/ 335979 w 1006539"/>
+                  <a:gd name="connsiteY0" fmla="*/ 3350344 h 3350344"/>
+                  <a:gd name="connsiteX1" fmla="*/ 0 w 1006539"/>
+                  <a:gd name="connsiteY1" fmla="*/ 2771224 h 3350344"/>
+                  <a:gd name="connsiteX2" fmla="*/ 0 w 1006539"/>
+                  <a:gd name="connsiteY2" fmla="*/ 0 h 3350344"/>
+                  <a:gd name="connsiteX3" fmla="*/ 1006539 w 1006539"/>
+                  <a:gd name="connsiteY3" fmla="*/ 2872824 h 3350344"/>
+                  <a:gd name="connsiteX0" fmla="*/ 122619 w 1006539"/>
+                  <a:gd name="connsiteY0" fmla="*/ 3055704 h 3055704"/>
+                  <a:gd name="connsiteX1" fmla="*/ 0 w 1006539"/>
+                  <a:gd name="connsiteY1" fmla="*/ 2771224 h 3055704"/>
+                  <a:gd name="connsiteX2" fmla="*/ 0 w 1006539"/>
+                  <a:gd name="connsiteY2" fmla="*/ 0 h 3055704"/>
+                  <a:gd name="connsiteX3" fmla="*/ 1006539 w 1006539"/>
+                  <a:gd name="connsiteY3" fmla="*/ 2872824 h 3055704"/>
+                  <a:gd name="connsiteX0" fmla="*/ 122619 w 965899"/>
+                  <a:gd name="connsiteY0" fmla="*/ 3055704 h 3055704"/>
+                  <a:gd name="connsiteX1" fmla="*/ 0 w 965899"/>
+                  <a:gd name="connsiteY1" fmla="*/ 2771224 h 3055704"/>
+                  <a:gd name="connsiteX2" fmla="*/ 0 w 965899"/>
+                  <a:gd name="connsiteY2" fmla="*/ 0 h 3055704"/>
+                  <a:gd name="connsiteX3" fmla="*/ 965899 w 965899"/>
+                  <a:gd name="connsiteY3" fmla="*/ 2882984 h 3055704"/>
+                  <a:gd name="connsiteX0" fmla="*/ 699 w 965899"/>
+                  <a:gd name="connsiteY0" fmla="*/ 3106504 h 3106504"/>
+                  <a:gd name="connsiteX1" fmla="*/ 0 w 965899"/>
+                  <a:gd name="connsiteY1" fmla="*/ 2771224 h 3106504"/>
+                  <a:gd name="connsiteX2" fmla="*/ 0 w 965899"/>
+                  <a:gd name="connsiteY2" fmla="*/ 0 h 3106504"/>
+                  <a:gd name="connsiteX3" fmla="*/ 965899 w 965899"/>
+                  <a:gd name="connsiteY3" fmla="*/ 2882984 h 3106504"/>
+                </a:gdLst>
+                <a:ahLst/>
+                <a:cxnLst>
+                  <a:cxn ang="0">
+                    <a:pos x="connsiteX0" y="connsiteY0"/>
+                  </a:cxn>
+                  <a:cxn ang="0">
+                    <a:pos x="connsiteX1" y="connsiteY1"/>
+                  </a:cxn>
+                  <a:cxn ang="0">
+                    <a:pos x="connsiteX2" y="connsiteY2"/>
+                  </a:cxn>
+                  <a:cxn ang="0">
+                    <a:pos x="connsiteX3" y="connsiteY3"/>
+                  </a:cxn>
+                </a:cxnLst>
+                <a:rect l="l" t="t" r="r" b="b"/>
+                <a:pathLst>
+                  <a:path w="965899" h="3106504">
+                    <a:moveTo>
+                      <a:pt x="699" y="3106504"/>
+                    </a:moveTo>
+                    <a:lnTo>
+                      <a:pt x="0" y="2771224"/>
+                    </a:lnTo>
+                    <a:lnTo>
+                      <a:pt x="0" y="0"/>
+                    </a:lnTo>
+                    <a:cubicBezTo>
+                      <a:pt x="311806" y="923741"/>
+                      <a:pt x="965899" y="2882984"/>
+                      <a:pt x="965899" y="2882984"/>
+                    </a:cubicBezTo>
+                  </a:path>
+                </a:pathLst>
+              </a:custGeom>
+              <a:gradFill>
+                <a:gsLst>
+                  <a:gs pos="0">
+                    <a:schemeClr val="bg1">
+                      <a:lumMod val="95000"/>
+                    </a:schemeClr>
+                  </a:gs>
+                  <a:gs pos="100000">
+                    <a:schemeClr val="accent4">
+                      <a:lumMod val="40000"/>
+                      <a:lumOff val="60000"/>
+                    </a:schemeClr>
+                  </a:gs>
+                </a:gsLst>
+                <a:lin ang="5400000" scaled="1"/>
+              </a:gradFill>
+              <a:ln>
+                <a:noFill/>
+              </a:ln>
+            </p:spPr>
+            <p:style>
+              <a:lnRef idx="2">
+                <a:schemeClr val="accent1">
+                  <a:shade val="15000"/>
+                </a:schemeClr>
+              </a:lnRef>
+              <a:fillRef idx="1">
+                <a:schemeClr val="accent1"/>
+              </a:fillRef>
+              <a:effectRef idx="0">
+                <a:schemeClr val="accent1"/>
+              </a:effectRef>
+              <a:fontRef idx="minor">
+                <a:schemeClr val="lt1"/>
+              </a:fontRef>
+            </p:style>
+            <p:txBody>
+              <a:bodyPr rtlCol="0" anchor="ctr"/>
+              <a:lstStyle/>
+              <a:p>
+                <a:pPr algn="ctr"/>
+                <a:endParaRPr lang="zh-CN" altLang="en-US" dirty="0"/>
+              </a:p>
+            </p:txBody>
+          </p:sp>
+          <p:sp>
+            <p:nvSpPr>
+              <p:cNvPr id="47" name="直角三角形 43">
+                <a:extLst>
+                  <a:ext uri="{FF2B5EF4-FFF2-40B4-BE49-F238E27FC236}">
+                    <a16:creationId xmlns:a16="http://schemas.microsoft.com/office/drawing/2014/main" id="{4E2D76C9-A917-0D50-05A2-E092CA93B211}"/>
+                  </a:ext>
+                </a:extLst>
+              </p:cNvPr>
+              <p:cNvSpPr/>
+              <p:nvPr/>
+            </p:nvSpPr>
+            <p:spPr>
+              <a:xfrm rot="10800000">
+                <a:off x="6455105" y="1280164"/>
+                <a:ext cx="965899" cy="3106504"/>
+              </a:xfrm>
+              <a:custGeom>
+                <a:avLst/>
+                <a:gdLst>
+                  <a:gd name="connsiteX0" fmla="*/ 0 w 935419"/>
+                  <a:gd name="connsiteY0" fmla="*/ 2771224 h 2771224"/>
+                  <a:gd name="connsiteX1" fmla="*/ 0 w 935419"/>
+                  <a:gd name="connsiteY1" fmla="*/ 0 h 2771224"/>
+                  <a:gd name="connsiteX2" fmla="*/ 935419 w 935419"/>
+                  <a:gd name="connsiteY2" fmla="*/ 2771224 h 2771224"/>
+                  <a:gd name="connsiteX3" fmla="*/ 0 w 935419"/>
+                  <a:gd name="connsiteY3" fmla="*/ 2771224 h 2771224"/>
+                  <a:gd name="connsiteX0" fmla="*/ 935419 w 1026859"/>
+                  <a:gd name="connsiteY0" fmla="*/ 2771224 h 2862664"/>
+                  <a:gd name="connsiteX1" fmla="*/ 0 w 1026859"/>
+                  <a:gd name="connsiteY1" fmla="*/ 2771224 h 2862664"/>
+                  <a:gd name="connsiteX2" fmla="*/ 0 w 1026859"/>
+                  <a:gd name="connsiteY2" fmla="*/ 0 h 2862664"/>
+                  <a:gd name="connsiteX3" fmla="*/ 1026859 w 1026859"/>
+                  <a:gd name="connsiteY3" fmla="*/ 2862664 h 2862664"/>
+                  <a:gd name="connsiteX0" fmla="*/ 335979 w 1026859"/>
+                  <a:gd name="connsiteY0" fmla="*/ 3350344 h 3350344"/>
+                  <a:gd name="connsiteX1" fmla="*/ 0 w 1026859"/>
+                  <a:gd name="connsiteY1" fmla="*/ 2771224 h 3350344"/>
+                  <a:gd name="connsiteX2" fmla="*/ 0 w 1026859"/>
+                  <a:gd name="connsiteY2" fmla="*/ 0 h 3350344"/>
+                  <a:gd name="connsiteX3" fmla="*/ 1026859 w 1026859"/>
+                  <a:gd name="connsiteY3" fmla="*/ 2862664 h 3350344"/>
+                  <a:gd name="connsiteX0" fmla="*/ 335979 w 1006539"/>
+                  <a:gd name="connsiteY0" fmla="*/ 3350344 h 3350344"/>
+                  <a:gd name="connsiteX1" fmla="*/ 0 w 1006539"/>
+                  <a:gd name="connsiteY1" fmla="*/ 2771224 h 3350344"/>
+                  <a:gd name="connsiteX2" fmla="*/ 0 w 1006539"/>
+                  <a:gd name="connsiteY2" fmla="*/ 0 h 3350344"/>
+                  <a:gd name="connsiteX3" fmla="*/ 1006539 w 1006539"/>
+                  <a:gd name="connsiteY3" fmla="*/ 2872824 h 3350344"/>
+                  <a:gd name="connsiteX0" fmla="*/ 122619 w 1006539"/>
+                  <a:gd name="connsiteY0" fmla="*/ 3055704 h 3055704"/>
+                  <a:gd name="connsiteX1" fmla="*/ 0 w 1006539"/>
+                  <a:gd name="connsiteY1" fmla="*/ 2771224 h 3055704"/>
+                  <a:gd name="connsiteX2" fmla="*/ 0 w 1006539"/>
+                  <a:gd name="connsiteY2" fmla="*/ 0 h 3055704"/>
+                  <a:gd name="connsiteX3" fmla="*/ 1006539 w 1006539"/>
+                  <a:gd name="connsiteY3" fmla="*/ 2872824 h 3055704"/>
+                  <a:gd name="connsiteX0" fmla="*/ 122619 w 965899"/>
+                  <a:gd name="connsiteY0" fmla="*/ 3055704 h 3055704"/>
+                  <a:gd name="connsiteX1" fmla="*/ 0 w 965899"/>
+                  <a:gd name="connsiteY1" fmla="*/ 2771224 h 3055704"/>
+                  <a:gd name="connsiteX2" fmla="*/ 0 w 965899"/>
+                  <a:gd name="connsiteY2" fmla="*/ 0 h 3055704"/>
+                  <a:gd name="connsiteX3" fmla="*/ 965899 w 965899"/>
+                  <a:gd name="connsiteY3" fmla="*/ 2882984 h 3055704"/>
+                  <a:gd name="connsiteX0" fmla="*/ 699 w 965899"/>
+                  <a:gd name="connsiteY0" fmla="*/ 3106504 h 3106504"/>
+                  <a:gd name="connsiteX1" fmla="*/ 0 w 965899"/>
+                  <a:gd name="connsiteY1" fmla="*/ 2771224 h 3106504"/>
+                  <a:gd name="connsiteX2" fmla="*/ 0 w 965899"/>
+                  <a:gd name="connsiteY2" fmla="*/ 0 h 3106504"/>
+                  <a:gd name="connsiteX3" fmla="*/ 965899 w 965899"/>
+                  <a:gd name="connsiteY3" fmla="*/ 2882984 h 3106504"/>
+                </a:gdLst>
+                <a:ahLst/>
+                <a:cxnLst>
+                  <a:cxn ang="0">
+                    <a:pos x="connsiteX0" y="connsiteY0"/>
+                  </a:cxn>
+                  <a:cxn ang="0">
+                    <a:pos x="connsiteX1" y="connsiteY1"/>
+                  </a:cxn>
+                  <a:cxn ang="0">
+                    <a:pos x="connsiteX2" y="connsiteY2"/>
+                  </a:cxn>
+                  <a:cxn ang="0">
+                    <a:pos x="connsiteX3" y="connsiteY3"/>
+                  </a:cxn>
+                </a:cxnLst>
+                <a:rect l="l" t="t" r="r" b="b"/>
+                <a:pathLst>
+                  <a:path w="965899" h="3106504">
+                    <a:moveTo>
+                      <a:pt x="699" y="3106504"/>
+                    </a:moveTo>
+                    <a:lnTo>
+                      <a:pt x="0" y="2771224"/>
+                    </a:lnTo>
+                    <a:lnTo>
+                      <a:pt x="0" y="0"/>
+                    </a:lnTo>
+                    <a:cubicBezTo>
+                      <a:pt x="311806" y="923741"/>
+                      <a:pt x="965899" y="2882984"/>
+                      <a:pt x="965899" y="2882984"/>
+                    </a:cubicBezTo>
+                  </a:path>
+                </a:pathLst>
+              </a:custGeom>
+              <a:gradFill>
+                <a:gsLst>
+                  <a:gs pos="0">
+                    <a:schemeClr val="bg1">
+                      <a:lumMod val="95000"/>
+                    </a:schemeClr>
+                  </a:gs>
+                  <a:gs pos="100000">
+                    <a:schemeClr val="accent4">
+                      <a:lumMod val="40000"/>
+                      <a:lumOff val="60000"/>
+                    </a:schemeClr>
+                  </a:gs>
+                </a:gsLst>
+                <a:lin ang="5400000" scaled="1"/>
+              </a:gradFill>
+              <a:ln>
+                <a:noFill/>
+              </a:ln>
+            </p:spPr>
+            <p:style>
+              <a:lnRef idx="2">
+                <a:schemeClr val="accent1">
+                  <a:shade val="15000"/>
+                </a:schemeClr>
+              </a:lnRef>
+              <a:fillRef idx="1">
+                <a:schemeClr val="accent1"/>
+              </a:fillRef>
+              <a:effectRef idx="0">
+                <a:schemeClr val="accent1"/>
+              </a:effectRef>
+              <a:fontRef idx="minor">
+                <a:schemeClr val="lt1"/>
+              </a:fontRef>
+            </p:style>
+            <p:txBody>
+              <a:bodyPr rtlCol="0" anchor="ctr"/>
+              <a:lstStyle/>
+              <a:p>
+                <a:pPr algn="ctr"/>
+                <a:endParaRPr lang="zh-CN" altLang="en-US" dirty="0"/>
+              </a:p>
+            </p:txBody>
+          </p:sp>
+        </p:grpSp>
+        <p:sp>
+          <p:nvSpPr>
+            <p:cNvPr id="49" name="箭头: 右 48">
+              <a:extLst>
+                <a:ext uri="{FF2B5EF4-FFF2-40B4-BE49-F238E27FC236}">
+                  <a16:creationId xmlns:a16="http://schemas.microsoft.com/office/drawing/2014/main" id="{A105BD5C-D427-7C5B-BC9E-B3AC3468973D}"/>
+                </a:ext>
+              </a:extLst>
+            </p:cNvPr>
+            <p:cNvSpPr/>
+            <p:nvPr/>
+          </p:nvSpPr>
           <p:spPr>
             <a:xfrm>
-              <a:off x="704193" y="1681655"/>
-              <a:ext cx="840828" cy="2511973"/>
+              <a:off x="4362493" y="3363913"/>
+              <a:ext cx="690882" cy="203200"/>
             </a:xfrm>
-            <a:prstGeom prst="line">
+            <a:prstGeom prst="rightArrow">
               <a:avLst/>
             </a:prstGeom>
-            <a:ln w="15875">
-              <a:solidFill>
-                <a:schemeClr val="tx1"/>
-              </a:solidFill>
+            <a:solidFill>
+              <a:srgbClr val="92D050"/>
+            </a:solidFill>
+            <a:ln>
+              <a:noFill/>
             </a:ln>
           </p:spPr>
           <p:style>
-            <a:lnRef idx="1">
-              <a:schemeClr val="accent1"/>
+            <a:lnRef idx="2">
+              <a:schemeClr val="accent1">
+                <a:shade val="15000"/>
+              </a:schemeClr>
             </a:lnRef>
-            <a:fillRef idx="0">
+            <a:fillRef idx="1">
               <a:schemeClr val="accent1"/>
             </a:fillRef>
             <a:effectRef idx="0">
               <a:schemeClr val="accent1"/>
             </a:effectRef>
             <a:fontRef idx="minor">
-              <a:schemeClr val="tx1"/>
+              <a:schemeClr val="lt1"/>
             </a:fontRef>
           </p:style>
-        </p:cxnSp>
-        <p:cxnSp>
-          <p:nvCxnSpPr>
-            <p:cNvPr id="8" name="直接连接符 7">
+          <p:txBody>
+            <a:bodyPr rtlCol="0" anchor="ctr"/>
+            <a:lstStyle/>
+            <a:p>
+              <a:pPr algn="ctr"/>
+              <a:endParaRPr lang="zh-CN" altLang="en-US"/>
+            </a:p>
+          </p:txBody>
+        </p:sp>
+        <p:sp>
+          <p:nvSpPr>
+            <p:cNvPr id="50" name="箭头: 右 49">
               <a:extLst>
                 <a:ext uri="{FF2B5EF4-FFF2-40B4-BE49-F238E27FC236}">
-                  <a16:creationId xmlns:a16="http://schemas.microsoft.com/office/drawing/2014/main" id="{5F495AED-74E1-9518-4F71-CE614BD07D45}"/>
+                  <a16:creationId xmlns:a16="http://schemas.microsoft.com/office/drawing/2014/main" id="{352C354C-D9F9-4777-1816-325833869A31}"/>
                 </a:ext>
               </a:extLst>
             </p:cNvPr>
-            <p:cNvCxnSpPr/>
+            <p:cNvSpPr/>
             <p:nvPr/>
-          </p:nvCxnSpPr>
+          </p:nvSpPr>
           <p:spPr>
             <a:xfrm>
-              <a:off x="1545021" y="4193628"/>
-              <a:ext cx="3626069" cy="0"/>
+              <a:off x="5642653" y="3363913"/>
+              <a:ext cx="690882" cy="203200"/>
             </a:xfrm>
-            <a:prstGeom prst="line">
+            <a:prstGeom prst="rightArrow">
               <a:avLst/>
             </a:prstGeom>
-            <a:ln w="15875">
-              <a:solidFill>
-                <a:schemeClr val="tx1"/>
-              </a:solidFill>
+            <a:solidFill>
+              <a:srgbClr val="92D050"/>
+            </a:solidFill>
+            <a:ln>
+              <a:noFill/>
             </a:ln>
           </p:spPr>
           <p:style>
-            <a:lnRef idx="1">
-              <a:schemeClr val="accent1"/>
+            <a:lnRef idx="2">
+              <a:schemeClr val="accent1">
+                <a:shade val="15000"/>
+              </a:schemeClr>
             </a:lnRef>
-            <a:fillRef idx="0">
+            <a:fillRef idx="1">
               <a:schemeClr val="accent1"/>
             </a:fillRef>
             <a:effectRef idx="0">
               <a:schemeClr val="accent1"/>
             </a:effectRef>
             <a:fontRef idx="minor">
-              <a:schemeClr val="tx1"/>
+              <a:schemeClr val="lt1"/>
             </a:fontRef>
           </p:style>
-        </p:cxnSp>
-        <p:cxnSp>
-          <p:nvCxnSpPr>
-            <p:cNvPr id="10" name="直接连接符 9">
+          <p:txBody>
+            <a:bodyPr rtlCol="0" anchor="ctr"/>
+            <a:lstStyle/>
+            <a:p>
+              <a:pPr algn="ctr"/>
+              <a:endParaRPr lang="zh-CN" altLang="en-US"/>
+            </a:p>
+          </p:txBody>
+        </p:sp>
+        <p:sp>
+          <p:nvSpPr>
+            <p:cNvPr id="51" name="箭头: 右 50">
               <a:extLst>
                 <a:ext uri="{FF2B5EF4-FFF2-40B4-BE49-F238E27FC236}">
-                  <a16:creationId xmlns:a16="http://schemas.microsoft.com/office/drawing/2014/main" id="{DC1B1EA7-11D1-DA6E-3B30-81C23C628832}"/>
+                  <a16:creationId xmlns:a16="http://schemas.microsoft.com/office/drawing/2014/main" id="{EFB6419B-6C92-D0AB-6504-DE73A6ACA907}"/>
                 </a:ext>
               </a:extLst>
             </p:cNvPr>
-            <p:cNvCxnSpPr/>
+            <p:cNvSpPr/>
             <p:nvPr/>
-          </p:nvCxnSpPr>
+          </p:nvSpPr>
           <p:spPr>
-            <a:xfrm flipV="1">
-              <a:off x="5171090" y="1681655"/>
-              <a:ext cx="0" cy="2511973"/>
+            <a:xfrm>
+              <a:off x="6811053" y="3353753"/>
+              <a:ext cx="690882" cy="203200"/>
             </a:xfrm>
-            <a:prstGeom prst="line">
+            <a:prstGeom prst="rightArrow">
               <a:avLst/>
             </a:prstGeom>
-            <a:ln w="15875">
-              <a:solidFill>
-                <a:schemeClr val="tx1"/>
-              </a:solidFill>
+            <a:solidFill>
+              <a:srgbClr val="92D050"/>
+            </a:solidFill>
+            <a:ln>
+              <a:noFill/>
             </a:ln>
           </p:spPr>
           <p:style>
-            <a:lnRef idx="1">
-              <a:schemeClr val="accent1"/>
+            <a:lnRef idx="2">
+              <a:schemeClr val="accent1">
+                <a:shade val="15000"/>
+              </a:schemeClr>
             </a:lnRef>
-            <a:fillRef idx="0">
+            <a:fillRef idx="1">
               <a:schemeClr val="accent1"/>
             </a:fillRef>
             <a:effectRef idx="0">
               <a:schemeClr val="accent1"/>
             </a:effectRef>
             <a:fontRef idx="minor">
-              <a:schemeClr val="tx1"/>
+              <a:schemeClr val="lt1"/>
             </a:fontRef>
           </p:style>
-        </p:cxnSp>
+          <p:txBody>
+            <a:bodyPr rtlCol="0" anchor="ctr"/>
+            <a:lstStyle/>
+            <a:p>
+              <a:pPr algn="ctr"/>
+              <a:endParaRPr lang="zh-CN" altLang="en-US"/>
+            </a:p>
+          </p:txBody>
+        </p:sp>
+        <p:sp>
+          <p:nvSpPr>
+            <p:cNvPr id="53" name="文本框 52">
+              <a:extLst>
+                <a:ext uri="{FF2B5EF4-FFF2-40B4-BE49-F238E27FC236}">
+                  <a16:creationId xmlns:a16="http://schemas.microsoft.com/office/drawing/2014/main" id="{9C088E2C-72E7-9A94-FAB4-0C8B0B12FA67}"/>
+                </a:ext>
+              </a:extLst>
+            </p:cNvPr>
+            <p:cNvSpPr txBox="1"/>
+            <p:nvPr/>
+          </p:nvSpPr>
+          <p:spPr>
+            <a:xfrm>
+              <a:off x="3683350" y="4181718"/>
+              <a:ext cx="646331" cy="369332"/>
+            </a:xfrm>
+            <a:prstGeom prst="rect">
+              <a:avLst/>
+            </a:prstGeom>
+            <a:noFill/>
+          </p:spPr>
+          <p:txBody>
+            <a:bodyPr wrap="none" rtlCol="0">
+              <a:spAutoFit/>
+            </a:bodyPr>
+            <a:lstStyle/>
+            <a:p>
+              <a:r>
+                <a:rPr lang="zh-CN" altLang="en-US" dirty="0"/>
+                <a:t>极点</a:t>
+              </a:r>
+            </a:p>
+          </p:txBody>
+        </p:sp>
+        <p:sp>
+          <p:nvSpPr>
+            <p:cNvPr id="54" name="文本框 53">
+              <a:extLst>
+                <a:ext uri="{FF2B5EF4-FFF2-40B4-BE49-F238E27FC236}">
+                  <a16:creationId xmlns:a16="http://schemas.microsoft.com/office/drawing/2014/main" id="{CE9AB127-6FBE-B506-9686-68BA1D49F280}"/>
+                </a:ext>
+              </a:extLst>
+            </p:cNvPr>
+            <p:cNvSpPr txBox="1"/>
+            <p:nvPr/>
+          </p:nvSpPr>
+          <p:spPr>
+            <a:xfrm>
+              <a:off x="7466586" y="4203787"/>
+              <a:ext cx="646331" cy="369332"/>
+            </a:xfrm>
+            <a:prstGeom prst="rect">
+              <a:avLst/>
+            </a:prstGeom>
+            <a:noFill/>
+          </p:spPr>
+          <p:txBody>
+            <a:bodyPr wrap="none" rtlCol="0">
+              <a:spAutoFit/>
+            </a:bodyPr>
+            <a:lstStyle/>
+            <a:p>
+              <a:r>
+                <a:rPr lang="zh-CN" altLang="en-US" dirty="0"/>
+                <a:t>极点</a:t>
+              </a:r>
+            </a:p>
+          </p:txBody>
+        </p:sp>
+        <p:graphicFrame>
+          <p:nvGraphicFramePr>
+            <p:cNvPr id="55" name="对象 54">
+              <a:extLst>
+                <a:ext uri="{FF2B5EF4-FFF2-40B4-BE49-F238E27FC236}">
+                  <a16:creationId xmlns:a16="http://schemas.microsoft.com/office/drawing/2014/main" id="{E6B5BC1F-3813-A26F-6051-46FAFC281003}"/>
+                </a:ext>
+              </a:extLst>
+            </p:cNvPr>
+            <p:cNvGraphicFramePr>
+              <a:graphicFrameLocks noChangeAspect="1"/>
+            </p:cNvGraphicFramePr>
+            <p:nvPr>
+              <p:extLst>
+                <p:ext uri="{D42A27DB-BD31-4B8C-83A1-F6EECF244321}">
+                  <p14:modId xmlns:p14="http://schemas.microsoft.com/office/powerpoint/2010/main" val="3753623008"/>
+                </p:ext>
+              </p:extLst>
+            </p:nvPr>
+          </p:nvGraphicFramePr>
+          <p:xfrm>
+            <a:off x="4210717" y="4089048"/>
+            <a:ext cx="403639" cy="558885"/>
+          </p:xfrm>
+          <a:graphic>
+            <a:graphicData uri="http://schemas.openxmlformats.org/presentationml/2006/ole">
+              <mc:AlternateContent xmlns:mc="http://schemas.openxmlformats.org/markup-compatibility/2006">
+                <mc:Choice xmlns:v="urn:schemas-microsoft-com:vml" Requires="v">
+                  <p:oleObj name="Equation" r:id="rId2" imgW="164880" imgH="228600" progId="Equation.DSMT4">
+                    <p:embed/>
+                  </p:oleObj>
+                </mc:Choice>
+                <mc:Fallback>
+                  <p:oleObj name="Equation" r:id="rId2" imgW="164880" imgH="228600" progId="Equation.DSMT4">
+                    <p:embed/>
+                    <p:pic>
+                      <p:nvPicPr>
+                        <p:cNvPr id="0" name=""/>
+                        <p:cNvPicPr/>
+                        <p:nvPr/>
+                      </p:nvPicPr>
+                      <p:blipFill>
+                        <a:blip r:embed="rId3"/>
+                        <a:stretch>
+                          <a:fillRect/>
+                        </a:stretch>
+                      </p:blipFill>
+                      <p:spPr>
+                        <a:xfrm>
+                          <a:off x="4210717" y="4089048"/>
+                          <a:ext cx="403639" cy="558885"/>
+                        </a:xfrm>
+                        <a:prstGeom prst="rect">
+                          <a:avLst/>
+                        </a:prstGeom>
+                      </p:spPr>
+                    </p:pic>
+                  </p:oleObj>
+                </mc:Fallback>
+              </mc:AlternateContent>
+            </a:graphicData>
+          </a:graphic>
+        </p:graphicFrame>
+        <p:graphicFrame>
+          <p:nvGraphicFramePr>
+            <p:cNvPr id="56" name="对象 55">
+              <a:extLst>
+                <a:ext uri="{FF2B5EF4-FFF2-40B4-BE49-F238E27FC236}">
+                  <a16:creationId xmlns:a16="http://schemas.microsoft.com/office/drawing/2014/main" id="{983FA68A-8F41-8CFE-385B-59234EF3F80A}"/>
+                </a:ext>
+              </a:extLst>
+            </p:cNvPr>
+            <p:cNvGraphicFramePr>
+              <a:graphicFrameLocks noChangeAspect="1"/>
+            </p:cNvGraphicFramePr>
+            <p:nvPr>
+              <p:extLst>
+                <p:ext uri="{D42A27DB-BD31-4B8C-83A1-F6EECF244321}">
+                  <p14:modId xmlns:p14="http://schemas.microsoft.com/office/powerpoint/2010/main" val="1337014480"/>
+                </p:ext>
+              </p:extLst>
+            </p:nvPr>
+          </p:nvGraphicFramePr>
+          <p:xfrm>
+            <a:off x="8013435" y="4109011"/>
+            <a:ext cx="434688" cy="558884"/>
+          </p:xfrm>
+          <a:graphic>
+            <a:graphicData uri="http://schemas.openxmlformats.org/presentationml/2006/ole">
+              <mc:AlternateContent xmlns:mc="http://schemas.openxmlformats.org/markup-compatibility/2006">
+                <mc:Choice xmlns:v="urn:schemas-microsoft-com:vml" Requires="v">
+                  <p:oleObj name="Equation" r:id="rId4" imgW="177480" imgH="228600" progId="Equation.DSMT4">
+                    <p:embed/>
+                  </p:oleObj>
+                </mc:Choice>
+                <mc:Fallback>
+                  <p:oleObj name="Equation" r:id="rId4" imgW="177480" imgH="228600" progId="Equation.DSMT4">
+                    <p:embed/>
+                    <p:pic>
+                      <p:nvPicPr>
+                        <p:cNvPr id="0" name=""/>
+                        <p:cNvPicPr/>
+                        <p:nvPr/>
+                      </p:nvPicPr>
+                      <p:blipFill>
+                        <a:blip r:embed="rId5"/>
+                        <a:stretch>
+                          <a:fillRect/>
+                        </a:stretch>
+                      </p:blipFill>
+                      <p:spPr>
+                        <a:xfrm>
+                          <a:off x="8013435" y="4109011"/>
+                          <a:ext cx="434688" cy="558884"/>
+                        </a:xfrm>
+                        <a:prstGeom prst="rect">
+                          <a:avLst/>
+                        </a:prstGeom>
+                      </p:spPr>
+                    </p:pic>
+                  </p:oleObj>
+                </mc:Fallback>
+              </mc:AlternateContent>
+            </a:graphicData>
+          </a:graphic>
+        </p:graphicFrame>
+        <p:sp>
+          <p:nvSpPr>
+            <p:cNvPr id="57" name="文本框 56">
+              <a:extLst>
+                <a:ext uri="{FF2B5EF4-FFF2-40B4-BE49-F238E27FC236}">
+                  <a16:creationId xmlns:a16="http://schemas.microsoft.com/office/drawing/2014/main" id="{D3E7A5E0-7E7B-606E-C05A-6864DD5D0C15}"/>
+                </a:ext>
+              </a:extLst>
+            </p:cNvPr>
+            <p:cNvSpPr txBox="1"/>
+            <p:nvPr/>
+          </p:nvSpPr>
+          <p:spPr>
+            <a:xfrm>
+              <a:off x="2252117" y="487965"/>
+              <a:ext cx="877163" cy="369332"/>
+            </a:xfrm>
+            <a:prstGeom prst="rect">
+              <a:avLst/>
+            </a:prstGeom>
+            <a:noFill/>
+          </p:spPr>
+          <p:txBody>
+            <a:bodyPr wrap="none" rtlCol="0">
+              <a:spAutoFit/>
+            </a:bodyPr>
+            <a:lstStyle/>
+            <a:p>
+              <a:r>
+                <a:rPr lang="zh-CN" altLang="en-US" dirty="0"/>
+                <a:t>极方向</a:t>
+              </a:r>
+            </a:p>
+          </p:txBody>
+        </p:sp>
+        <p:sp>
+          <p:nvSpPr>
+            <p:cNvPr id="59" name="文本框 58">
+              <a:extLst>
+                <a:ext uri="{FF2B5EF4-FFF2-40B4-BE49-F238E27FC236}">
+                  <a16:creationId xmlns:a16="http://schemas.microsoft.com/office/drawing/2014/main" id="{29A79630-F32E-4281-DFBE-0A9754BB4514}"/>
+                </a:ext>
+              </a:extLst>
+            </p:cNvPr>
+            <p:cNvSpPr txBox="1"/>
+            <p:nvPr/>
+          </p:nvSpPr>
+          <p:spPr>
+            <a:xfrm>
+              <a:off x="3830771" y="366869"/>
+              <a:ext cx="877163" cy="369332"/>
+            </a:xfrm>
+            <a:prstGeom prst="rect">
+              <a:avLst/>
+            </a:prstGeom>
+            <a:noFill/>
+          </p:spPr>
+          <p:txBody>
+            <a:bodyPr wrap="none" rtlCol="0">
+              <a:spAutoFit/>
+            </a:bodyPr>
+            <a:lstStyle/>
+            <a:p>
+              <a:r>
+                <a:rPr lang="zh-CN" altLang="en-US" dirty="0"/>
+                <a:t>极方向</a:t>
+              </a:r>
+            </a:p>
+          </p:txBody>
+        </p:sp>
+        <p:graphicFrame>
+          <p:nvGraphicFramePr>
+            <p:cNvPr id="60" name="对象 59">
+              <a:extLst>
+                <a:ext uri="{FF2B5EF4-FFF2-40B4-BE49-F238E27FC236}">
+                  <a16:creationId xmlns:a16="http://schemas.microsoft.com/office/drawing/2014/main" id="{A318F3C1-041F-86A7-2DA2-D8575D106189}"/>
+                </a:ext>
+              </a:extLst>
+            </p:cNvPr>
+            <p:cNvGraphicFramePr>
+              <a:graphicFrameLocks noChangeAspect="1"/>
+            </p:cNvGraphicFramePr>
+            <p:nvPr>
+              <p:extLst>
+                <p:ext uri="{D42A27DB-BD31-4B8C-83A1-F6EECF244321}">
+                  <p14:modId xmlns:p14="http://schemas.microsoft.com/office/powerpoint/2010/main" val="3467643003"/>
+                </p:ext>
+              </p:extLst>
+            </p:nvPr>
+          </p:nvGraphicFramePr>
+          <p:xfrm>
+            <a:off x="3018221" y="383409"/>
+            <a:ext cx="403639" cy="558885"/>
+          </p:xfrm>
+          <a:graphic>
+            <a:graphicData uri="http://schemas.openxmlformats.org/presentationml/2006/ole">
+              <mc:AlternateContent xmlns:mc="http://schemas.openxmlformats.org/markup-compatibility/2006">
+                <mc:Choice xmlns:v="urn:schemas-microsoft-com:vml" Requires="v">
+                  <p:oleObj name="Equation" r:id="rId6" imgW="164880" imgH="228600" progId="Equation.DSMT4">
+                    <p:embed/>
+                  </p:oleObj>
+                </mc:Choice>
+                <mc:Fallback>
+                  <p:oleObj name="Equation" r:id="rId6" imgW="164880" imgH="228600" progId="Equation.DSMT4">
+                    <p:embed/>
+                    <p:pic>
+                      <p:nvPicPr>
+                        <p:cNvPr id="0" name=""/>
+                        <p:cNvPicPr/>
+                        <p:nvPr/>
+                      </p:nvPicPr>
+                      <p:blipFill>
+                        <a:blip r:embed="rId7"/>
+                        <a:stretch>
+                          <a:fillRect/>
+                        </a:stretch>
+                      </p:blipFill>
+                      <p:spPr>
+                        <a:xfrm>
+                          <a:off x="3018221" y="383409"/>
+                          <a:ext cx="403639" cy="558885"/>
+                        </a:xfrm>
+                        <a:prstGeom prst="rect">
+                          <a:avLst/>
+                        </a:prstGeom>
+                      </p:spPr>
+                    </p:pic>
+                  </p:oleObj>
+                </mc:Fallback>
+              </mc:AlternateContent>
+            </a:graphicData>
+          </a:graphic>
+        </p:graphicFrame>
+        <p:graphicFrame>
+          <p:nvGraphicFramePr>
+            <p:cNvPr id="61" name="对象 60">
+              <a:extLst>
+                <a:ext uri="{FF2B5EF4-FFF2-40B4-BE49-F238E27FC236}">
+                  <a16:creationId xmlns:a16="http://schemas.microsoft.com/office/drawing/2014/main" id="{36E4200D-5105-425D-AC14-FE8095C56315}"/>
+                </a:ext>
+              </a:extLst>
+            </p:cNvPr>
+            <p:cNvGraphicFramePr>
+              <a:graphicFrameLocks noChangeAspect="1"/>
+            </p:cNvGraphicFramePr>
+            <p:nvPr>
+              <p:extLst>
+                <p:ext uri="{D42A27DB-BD31-4B8C-83A1-F6EECF244321}">
+                  <p14:modId xmlns:p14="http://schemas.microsoft.com/office/powerpoint/2010/main" val="3195419394"/>
+                </p:ext>
+              </p:extLst>
+            </p:nvPr>
+          </p:nvGraphicFramePr>
+          <p:xfrm>
+            <a:off x="4585672" y="251532"/>
+            <a:ext cx="467301" cy="600816"/>
+          </p:xfrm>
+          <a:graphic>
+            <a:graphicData uri="http://schemas.openxmlformats.org/presentationml/2006/ole">
+              <mc:AlternateContent xmlns:mc="http://schemas.openxmlformats.org/markup-compatibility/2006">
+                <mc:Choice xmlns:v="urn:schemas-microsoft-com:vml" Requires="v">
+                  <p:oleObj name="Equation" r:id="rId8" imgW="177480" imgH="228600" progId="Equation.DSMT4">
+                    <p:embed/>
+                  </p:oleObj>
+                </mc:Choice>
+                <mc:Fallback>
+                  <p:oleObj name="Equation" r:id="rId8" imgW="177480" imgH="228600" progId="Equation.DSMT4">
+                    <p:embed/>
+                    <p:pic>
+                      <p:nvPicPr>
+                        <p:cNvPr id="0" name=""/>
+                        <p:cNvPicPr/>
+                        <p:nvPr/>
+                      </p:nvPicPr>
+                      <p:blipFill>
+                        <a:blip r:embed="rId9"/>
+                        <a:stretch>
+                          <a:fillRect/>
+                        </a:stretch>
+                      </p:blipFill>
+                      <p:spPr>
+                        <a:xfrm>
+                          <a:off x="4585672" y="251532"/>
+                          <a:ext cx="467301" cy="600816"/>
+                        </a:xfrm>
+                        <a:prstGeom prst="rect">
+                          <a:avLst/>
+                        </a:prstGeom>
+                      </p:spPr>
+                    </p:pic>
+                  </p:oleObj>
+                </mc:Fallback>
+              </mc:AlternateContent>
+            </a:graphicData>
+          </a:graphic>
+        </p:graphicFrame>
       </p:grpSp>
-      <p:cxnSp>
-        <p:nvCxnSpPr>
-          <p:cNvPr id="23" name="直接箭头连接符 22">
+      <p:grpSp>
+        <p:nvGrpSpPr>
+          <p:cNvPr id="66" name="组合 65">
             <a:extLst>
               <a:ext uri="{FF2B5EF4-FFF2-40B4-BE49-F238E27FC236}">
-                <a16:creationId xmlns:a16="http://schemas.microsoft.com/office/drawing/2014/main" id="{A9ADCDA9-EADD-C9C7-2932-967F4910B9A9}"/>
-              </a:ext>
-            </a:extLst>
-          </p:cNvPr>
-          <p:cNvCxnSpPr>
-            <a:cxnSpLocks/>
-          </p:cNvCxnSpPr>
-          <p:nvPr/>
-        </p:nvCxnSpPr>
-        <p:spPr>
-          <a:xfrm flipV="1">
-            <a:off x="3810701" y="1127760"/>
-            <a:ext cx="0" cy="3258908"/>
-          </a:xfrm>
-          <a:prstGeom prst="straightConnector1">
-            <a:avLst/>
-          </a:prstGeom>
-          <a:ln w="12700">
-            <a:solidFill>
-              <a:srgbClr val="FF0000"/>
-            </a:solidFill>
-            <a:tailEnd type="triangle"/>
-          </a:ln>
-        </p:spPr>
-        <p:style>
-          <a:lnRef idx="1">
-            <a:schemeClr val="accent1"/>
-          </a:lnRef>
-          <a:fillRef idx="0">
-            <a:schemeClr val="accent1"/>
-          </a:fillRef>
-          <a:effectRef idx="0">
-            <a:schemeClr val="accent1"/>
-          </a:effectRef>
-          <a:fontRef idx="minor">
-            <a:schemeClr val="tx1"/>
-          </a:fontRef>
-        </p:style>
-      </p:cxnSp>
-      <p:cxnSp>
-        <p:nvCxnSpPr>
-          <p:cNvPr id="25" name="直接箭头连接符 24">
-            <a:extLst>
-              <a:ext uri="{FF2B5EF4-FFF2-40B4-BE49-F238E27FC236}">
-                <a16:creationId xmlns:a16="http://schemas.microsoft.com/office/drawing/2014/main" id="{1394E6C1-FCA1-5127-27A0-4A43DE83FC6B}"/>
-              </a:ext>
-            </a:extLst>
-          </p:cNvPr>
-          <p:cNvCxnSpPr>
-            <a:cxnSpLocks/>
-          </p:cNvCxnSpPr>
-          <p:nvPr/>
-        </p:nvCxnSpPr>
-        <p:spPr>
-          <a:xfrm flipH="1" flipV="1">
-            <a:off x="2702560" y="1127760"/>
-            <a:ext cx="1108141" cy="3258908"/>
-          </a:xfrm>
-          <a:prstGeom prst="straightConnector1">
-            <a:avLst/>
-          </a:prstGeom>
-          <a:ln w="12700">
-            <a:solidFill>
-              <a:srgbClr val="FF0000"/>
-            </a:solidFill>
-            <a:tailEnd type="triangle"/>
-          </a:ln>
-        </p:spPr>
-        <p:style>
-          <a:lnRef idx="1">
-            <a:schemeClr val="accent1"/>
-          </a:lnRef>
-          <a:fillRef idx="0">
-            <a:schemeClr val="accent1"/>
-          </a:fillRef>
-          <a:effectRef idx="0">
-            <a:schemeClr val="accent1"/>
-          </a:effectRef>
-          <a:fontRef idx="minor">
-            <a:schemeClr val="tx1"/>
-          </a:fontRef>
-        </p:style>
-      </p:cxnSp>
-      <p:grpSp>
-        <p:nvGrpSpPr>
-          <p:cNvPr id="40" name="组合 39">
-            <a:extLst>
-              <a:ext uri="{FF2B5EF4-FFF2-40B4-BE49-F238E27FC236}">
-                <a16:creationId xmlns:a16="http://schemas.microsoft.com/office/drawing/2014/main" id="{F0B35109-C6CE-58F6-2952-A60508AB4548}"/>
+                <a16:creationId xmlns:a16="http://schemas.microsoft.com/office/drawing/2014/main" id="{98C27059-FCFC-7372-1806-93B517E4991E}"/>
               </a:ext>
             </a:extLst>
           </p:cNvPr>
@@ -3795,101 +5229,217 @@
         </p:nvGrpSpPr>
         <p:grpSpPr>
           <a:xfrm>
-            <a:off x="3810702" y="4216400"/>
-            <a:ext cx="111058" cy="149947"/>
-            <a:chOff x="3810701" y="4145280"/>
-            <a:chExt cx="263459" cy="221068"/>
+            <a:off x="1411188" y="4920593"/>
+            <a:ext cx="9991838" cy="736929"/>
+            <a:chOff x="1881352" y="5244662"/>
+            <a:chExt cx="9991838" cy="736929"/>
           </a:xfrm>
         </p:grpSpPr>
-        <p:cxnSp>
-          <p:nvCxnSpPr>
-            <p:cNvPr id="37" name="直接连接符 36">
+        <p:sp>
+          <p:nvSpPr>
+            <p:cNvPr id="63" name="文本框 62">
               <a:extLst>
                 <a:ext uri="{FF2B5EF4-FFF2-40B4-BE49-F238E27FC236}">
-                  <a16:creationId xmlns:a16="http://schemas.microsoft.com/office/drawing/2014/main" id="{0B549C3D-8579-4772-6128-F99FB92EEC2F}"/>
+                  <a16:creationId xmlns:a16="http://schemas.microsoft.com/office/drawing/2014/main" id="{96F3013C-22BC-10C4-B902-5F28CD2F14E2}"/>
                 </a:ext>
               </a:extLst>
             </p:cNvPr>
-            <p:cNvCxnSpPr/>
+            <p:cNvSpPr txBox="1"/>
             <p:nvPr/>
-          </p:nvCxnSpPr>
+          </p:nvSpPr>
           <p:spPr>
             <a:xfrm>
-              <a:off x="3810701" y="4145280"/>
-              <a:ext cx="263459" cy="0"/>
+              <a:off x="1881352" y="5244662"/>
+              <a:ext cx="9991838" cy="646331"/>
             </a:xfrm>
-            <a:prstGeom prst="line">
+            <a:prstGeom prst="rect">
               <a:avLst/>
             </a:prstGeom>
-            <a:ln w="9525">
-              <a:solidFill>
-                <a:schemeClr val="tx1"/>
-              </a:solidFill>
-            </a:ln>
+            <a:noFill/>
           </p:spPr>
-          <p:style>
-            <a:lnRef idx="1">
-              <a:schemeClr val="accent1"/>
-            </a:lnRef>
-            <a:fillRef idx="0">
-              <a:schemeClr val="accent1"/>
-            </a:fillRef>
-            <a:effectRef idx="0">
-              <a:schemeClr val="accent1"/>
-            </a:effectRef>
-            <a:fontRef idx="minor">
-              <a:schemeClr val="tx1"/>
-            </a:fontRef>
-          </p:style>
-        </p:cxnSp>
-        <p:cxnSp>
-          <p:nvCxnSpPr>
-            <p:cNvPr id="39" name="直接连接符 38">
+          <p:txBody>
+            <a:bodyPr wrap="none" rtlCol="0">
+              <a:spAutoFit/>
+            </a:bodyPr>
+            <a:lstStyle/>
+            <a:p>
+              <a:r>
+                <a:rPr lang="zh-CN" altLang="en-US" dirty="0"/>
+                <a:t>极方向的非负组合就像一个探照灯，假设我们手拿着探照灯，那么极点的凸组合就控制着手的</a:t>
+              </a:r>
+              <a:endParaRPr lang="en-US" altLang="zh-CN" dirty="0"/>
+            </a:p>
+            <a:p>
+              <a:r>
+                <a:rPr lang="zh-CN" altLang="en-US" dirty="0"/>
+                <a:t>位置，当我们将手从极点     移动到极点     ，探照灯就把这个非凸的多面体中所有的点都照射到了</a:t>
+              </a:r>
+            </a:p>
+          </p:txBody>
+        </p:sp>
+        <p:graphicFrame>
+          <p:nvGraphicFramePr>
+            <p:cNvPr id="64" name="对象 63">
               <a:extLst>
                 <a:ext uri="{FF2B5EF4-FFF2-40B4-BE49-F238E27FC236}">
-                  <a16:creationId xmlns:a16="http://schemas.microsoft.com/office/drawing/2014/main" id="{DFCA7079-812D-C7B6-01B3-33A7DD1F7B57}"/>
+                  <a16:creationId xmlns:a16="http://schemas.microsoft.com/office/drawing/2014/main" id="{A76953D2-BABA-0646-7CD4-E135DB439949}"/>
                 </a:ext>
               </a:extLst>
             </p:cNvPr>
-            <p:cNvCxnSpPr/>
-            <p:nvPr/>
-          </p:nvCxnSpPr>
-          <p:spPr>
-            <a:xfrm>
-              <a:off x="4074160" y="4155440"/>
-              <a:ext cx="0" cy="210908"/>
-            </a:xfrm>
-            <a:prstGeom prst="line">
-              <a:avLst/>
-            </a:prstGeom>
-            <a:ln w="9525">
-              <a:solidFill>
-                <a:schemeClr val="tx1"/>
-              </a:solidFill>
-            </a:ln>
-          </p:spPr>
-          <p:style>
-            <a:lnRef idx="1">
-              <a:schemeClr val="accent1"/>
-            </a:lnRef>
-            <a:fillRef idx="0">
-              <a:schemeClr val="accent1"/>
-            </a:fillRef>
-            <a:effectRef idx="0">
-              <a:schemeClr val="accent1"/>
-            </a:effectRef>
-            <a:fontRef idx="minor">
-              <a:schemeClr val="tx1"/>
-            </a:fontRef>
-          </p:style>
-        </p:cxnSp>
+            <p:cNvGraphicFramePr>
+              <a:graphicFrameLocks noChangeAspect="1"/>
+            </p:cNvGraphicFramePr>
+            <p:nvPr>
+              <p:extLst>
+                <p:ext uri="{D42A27DB-BD31-4B8C-83A1-F6EECF244321}">
+                  <p14:modId xmlns:p14="http://schemas.microsoft.com/office/powerpoint/2010/main" val="2568081772"/>
+                </p:ext>
+              </p:extLst>
+            </p:nvPr>
+          </p:nvGraphicFramePr>
+          <p:xfrm>
+            <a:off x="4464792" y="5419987"/>
+            <a:ext cx="403225" cy="558800"/>
+          </p:xfrm>
+          <a:graphic>
+            <a:graphicData uri="http://schemas.openxmlformats.org/presentationml/2006/ole">
+              <mc:AlternateContent xmlns:mc="http://schemas.openxmlformats.org/markup-compatibility/2006">
+                <mc:Choice xmlns:v="urn:schemas-microsoft-com:vml" Requires="v">
+                  <p:oleObj name="Equation" r:id="rId10" imgW="403950" imgH="559460" progId="Equation.DSMT4">
+                    <p:embed/>
+                  </p:oleObj>
+                </mc:Choice>
+                <mc:Fallback>
+                  <p:oleObj name="Equation" r:id="rId10" imgW="403950" imgH="559460" progId="Equation.DSMT4">
+                    <p:embed/>
+                    <p:pic>
+                      <p:nvPicPr>
+                        <p:cNvPr id="0" name=""/>
+                        <p:cNvPicPr/>
+                        <p:nvPr/>
+                      </p:nvPicPr>
+                      <p:blipFill>
+                        <a:blip r:embed="rId11"/>
+                        <a:stretch>
+                          <a:fillRect/>
+                        </a:stretch>
+                      </p:blipFill>
+                      <p:spPr>
+                        <a:xfrm>
+                          <a:off x="4464792" y="5419987"/>
+                          <a:ext cx="403225" cy="558800"/>
+                        </a:xfrm>
+                        <a:prstGeom prst="rect">
+                          <a:avLst/>
+                        </a:prstGeom>
+                      </p:spPr>
+                    </p:pic>
+                  </p:oleObj>
+                </mc:Fallback>
+              </mc:AlternateContent>
+            </a:graphicData>
+          </a:graphic>
+        </p:graphicFrame>
+        <p:graphicFrame>
+          <p:nvGraphicFramePr>
+            <p:cNvPr id="65" name="对象 64">
+              <a:extLst>
+                <a:ext uri="{FF2B5EF4-FFF2-40B4-BE49-F238E27FC236}">
+                  <a16:creationId xmlns:a16="http://schemas.microsoft.com/office/drawing/2014/main" id="{10ED78F2-B023-7A52-5A9B-F993B73B097A}"/>
+                </a:ext>
+              </a:extLst>
+            </p:cNvPr>
+            <p:cNvGraphicFramePr>
+              <a:graphicFrameLocks noChangeAspect="1"/>
+            </p:cNvGraphicFramePr>
+            <p:nvPr>
+              <p:extLst>
+                <p:ext uri="{D42A27DB-BD31-4B8C-83A1-F6EECF244321}">
+                  <p14:modId xmlns:p14="http://schemas.microsoft.com/office/powerpoint/2010/main" val="4255343525"/>
+                </p:ext>
+              </p:extLst>
+            </p:nvPr>
+          </p:nvGraphicFramePr>
+          <p:xfrm>
+            <a:off x="5895235" y="5422791"/>
+            <a:ext cx="436563" cy="558800"/>
+          </p:xfrm>
+          <a:graphic>
+            <a:graphicData uri="http://schemas.openxmlformats.org/presentationml/2006/ole">
+              <mc:AlternateContent xmlns:mc="http://schemas.openxmlformats.org/markup-compatibility/2006">
+                <mc:Choice xmlns:v="urn:schemas-microsoft-com:vml" Requires="v">
+                  <p:oleObj name="Equation" r:id="rId12" imgW="435993" imgH="559460" progId="Equation.DSMT4">
+                    <p:embed/>
+                  </p:oleObj>
+                </mc:Choice>
+                <mc:Fallback>
+                  <p:oleObj name="Equation" r:id="rId12" imgW="435993" imgH="559460" progId="Equation.DSMT4">
+                    <p:embed/>
+                    <p:pic>
+                      <p:nvPicPr>
+                        <p:cNvPr id="0" name=""/>
+                        <p:cNvPicPr/>
+                        <p:nvPr/>
+                      </p:nvPicPr>
+                      <p:blipFill>
+                        <a:blip r:embed="rId13"/>
+                        <a:stretch>
+                          <a:fillRect/>
+                        </a:stretch>
+                      </p:blipFill>
+                      <p:spPr>
+                        <a:xfrm>
+                          <a:off x="5895235" y="5422791"/>
+                          <a:ext cx="436563" cy="558800"/>
+                        </a:xfrm>
+                        <a:prstGeom prst="rect">
+                          <a:avLst/>
+                        </a:prstGeom>
+                      </p:spPr>
+                    </p:pic>
+                  </p:oleObj>
+                </mc:Fallback>
+              </mc:AlternateContent>
+            </a:graphicData>
+          </a:graphic>
+        </p:graphicFrame>
       </p:grpSp>
+    </p:spTree>
+    <p:extLst>
+      <p:ext uri="{BB962C8B-B14F-4D97-AF65-F5344CB8AC3E}">
+        <p14:creationId xmlns:p14="http://schemas.microsoft.com/office/powerpoint/2010/main" val="4271848381"/>
+      </p:ext>
+    </p:extLst>
+  </p:cSld>
+  <p:clrMapOvr>
+    <a:masterClrMapping/>
+  </p:clrMapOvr>
+</p:sld>
+</file>
+
+<file path=ppt/slides/slide3.xml><?xml version="1.0" encoding="utf-8"?>
+<p:sld xmlns:a="http://schemas.openxmlformats.org/drawingml/2006/main" xmlns:r="http://schemas.openxmlformats.org/officeDocument/2006/relationships" xmlns:p="http://schemas.openxmlformats.org/presentationml/2006/main">
+  <p:cSld>
+    <p:spTree>
+      <p:nvGrpSpPr>
+        <p:cNvPr id="1" name=""/>
+        <p:cNvGrpSpPr/>
+        <p:nvPr/>
+      </p:nvGrpSpPr>
+      <p:grpSpPr>
+        <a:xfrm>
+          <a:off x="0" y="0"/>
+          <a:ext cx="0" cy="0"/>
+          <a:chOff x="0" y="0"/>
+          <a:chExt cx="0" cy="0"/>
+        </a:xfrm>
+      </p:grpSpPr>
       <p:grpSp>
         <p:nvGrpSpPr>
-          <p:cNvPr id="41" name="组合 40">
+          <p:cNvPr id="21" name="组合 20">
             <a:extLst>
               <a:ext uri="{FF2B5EF4-FFF2-40B4-BE49-F238E27FC236}">
-                <a16:creationId xmlns:a16="http://schemas.microsoft.com/office/drawing/2014/main" id="{17E0AA09-A681-93DF-D006-C9D1999DCA3B}"/>
+                <a16:creationId xmlns:a16="http://schemas.microsoft.com/office/drawing/2014/main" id="{AE49A54D-EAEA-B03C-5F40-6F8A4221D010}"/>
               </a:ext>
             </a:extLst>
           </p:cNvPr>
@@ -3897,146 +5447,3602 @@
           <p:nvPr/>
         </p:nvGrpSpPr>
         <p:grpSpPr>
-          <a:xfrm rot="16200000">
-            <a:off x="7290501" y="4237595"/>
-            <a:ext cx="111058" cy="149947"/>
-            <a:chOff x="3810701" y="4145280"/>
-            <a:chExt cx="263459" cy="221068"/>
+          <a:xfrm>
+            <a:off x="378370" y="809295"/>
+            <a:ext cx="3578771" cy="4755933"/>
+            <a:chOff x="1786756" y="819805"/>
+            <a:chExt cx="3578771" cy="4755933"/>
           </a:xfrm>
         </p:grpSpPr>
-        <p:cxnSp>
-          <p:nvCxnSpPr>
-            <p:cNvPr id="42" name="直接连接符 41">
+        <p:grpSp>
+          <p:nvGrpSpPr>
+            <p:cNvPr id="6" name="组合 5">
               <a:extLst>
                 <a:ext uri="{FF2B5EF4-FFF2-40B4-BE49-F238E27FC236}">
-                  <a16:creationId xmlns:a16="http://schemas.microsoft.com/office/drawing/2014/main" id="{95190F08-777C-A1D1-A5B3-C8CE7661FB82}"/>
+                  <a16:creationId xmlns:a16="http://schemas.microsoft.com/office/drawing/2014/main" id="{87428254-E121-D5E7-C207-6358E1C0ED70}"/>
                 </a:ext>
               </a:extLst>
             </p:cNvPr>
-            <p:cNvCxnSpPr/>
+            <p:cNvGrpSpPr/>
             <p:nvPr/>
-          </p:nvCxnSpPr>
+          </p:nvGrpSpPr>
+          <p:grpSpPr>
+            <a:xfrm>
+              <a:off x="1786758" y="819805"/>
+              <a:ext cx="3578769" cy="457201"/>
+              <a:chOff x="1786758" y="819805"/>
+              <a:chExt cx="3578769" cy="457201"/>
+            </a:xfrm>
+          </p:grpSpPr>
+          <p:sp>
+            <p:nvSpPr>
+              <p:cNvPr id="2" name="矩形 1">
+                <a:extLst>
+                  <a:ext uri="{FF2B5EF4-FFF2-40B4-BE49-F238E27FC236}">
+                    <a16:creationId xmlns:a16="http://schemas.microsoft.com/office/drawing/2014/main" id="{B6DB2C20-F48E-E944-8621-806281CBE19D}"/>
+                  </a:ext>
+                </a:extLst>
+              </p:cNvPr>
+              <p:cNvSpPr/>
+              <p:nvPr/>
+            </p:nvSpPr>
+            <p:spPr>
+              <a:xfrm>
+                <a:off x="1786758" y="825061"/>
+                <a:ext cx="693683" cy="451945"/>
+              </a:xfrm>
+              <a:prstGeom prst="rect">
+                <a:avLst/>
+              </a:prstGeom>
+              <a:solidFill>
+                <a:srgbClr val="FF0000">
+                  <a:alpha val="52000"/>
+                </a:srgbClr>
+              </a:solidFill>
+            </p:spPr>
+            <p:style>
+              <a:lnRef idx="2">
+                <a:schemeClr val="accent1">
+                  <a:shade val="15000"/>
+                </a:schemeClr>
+              </a:lnRef>
+              <a:fillRef idx="1">
+                <a:schemeClr val="accent1"/>
+              </a:fillRef>
+              <a:effectRef idx="0">
+                <a:schemeClr val="accent1"/>
+              </a:effectRef>
+              <a:fontRef idx="minor">
+                <a:schemeClr val="lt1"/>
+              </a:fontRef>
+            </p:style>
+            <p:txBody>
+              <a:bodyPr rtlCol="0" anchor="ctr"/>
+              <a:lstStyle/>
+              <a:p>
+                <a:pPr algn="ctr"/>
+                <a:r>
+                  <a:rPr lang="en-US" altLang="zh-CN" dirty="0"/>
+                  <a:t>A1</a:t>
+                </a:r>
+                <a:endParaRPr lang="zh-CN" altLang="en-US" dirty="0"/>
+              </a:p>
+            </p:txBody>
+          </p:sp>
+          <p:sp>
+            <p:nvSpPr>
+              <p:cNvPr id="3" name="矩形 2">
+                <a:extLst>
+                  <a:ext uri="{FF2B5EF4-FFF2-40B4-BE49-F238E27FC236}">
+                    <a16:creationId xmlns:a16="http://schemas.microsoft.com/office/drawing/2014/main" id="{FB1CAEA2-7BD6-F7E3-1FCA-C9B1C2973A6F}"/>
+                  </a:ext>
+                </a:extLst>
+              </p:cNvPr>
+              <p:cNvSpPr/>
+              <p:nvPr/>
+            </p:nvSpPr>
+            <p:spPr>
+              <a:xfrm>
+                <a:off x="2522483" y="825061"/>
+                <a:ext cx="693683" cy="451945"/>
+              </a:xfrm>
+              <a:prstGeom prst="rect">
+                <a:avLst/>
+              </a:prstGeom>
+              <a:solidFill>
+                <a:srgbClr val="FF0000">
+                  <a:alpha val="52000"/>
+                </a:srgbClr>
+              </a:solidFill>
+            </p:spPr>
+            <p:style>
+              <a:lnRef idx="2">
+                <a:schemeClr val="accent1">
+                  <a:shade val="15000"/>
+                </a:schemeClr>
+              </a:lnRef>
+              <a:fillRef idx="1">
+                <a:schemeClr val="accent1"/>
+              </a:fillRef>
+              <a:effectRef idx="0">
+                <a:schemeClr val="accent1"/>
+              </a:effectRef>
+              <a:fontRef idx="minor">
+                <a:schemeClr val="lt1"/>
+              </a:fontRef>
+            </p:style>
+            <p:txBody>
+              <a:bodyPr rtlCol="0" anchor="ctr"/>
+              <a:lstStyle/>
+              <a:p>
+                <a:pPr algn="ctr"/>
+                <a:r>
+                  <a:rPr lang="en-US" altLang="zh-CN" dirty="0"/>
+                  <a:t>A2</a:t>
+                </a:r>
+                <a:endParaRPr lang="zh-CN" altLang="en-US" dirty="0"/>
+              </a:p>
+            </p:txBody>
+          </p:sp>
+          <p:sp>
+            <p:nvSpPr>
+              <p:cNvPr id="4" name="矩形 3">
+                <a:extLst>
+                  <a:ext uri="{FF2B5EF4-FFF2-40B4-BE49-F238E27FC236}">
+                    <a16:creationId xmlns:a16="http://schemas.microsoft.com/office/drawing/2014/main" id="{5CD77F95-69AD-ADB8-BA9C-6728FCB52D87}"/>
+                  </a:ext>
+                </a:extLst>
+              </p:cNvPr>
+              <p:cNvSpPr/>
+              <p:nvPr/>
+            </p:nvSpPr>
+            <p:spPr>
+              <a:xfrm>
+                <a:off x="3247691" y="819808"/>
+                <a:ext cx="693683" cy="451945"/>
+              </a:xfrm>
+              <a:prstGeom prst="rect">
+                <a:avLst/>
+              </a:prstGeom>
+              <a:solidFill>
+                <a:srgbClr val="FF0000">
+                  <a:alpha val="52000"/>
+                </a:srgbClr>
+              </a:solidFill>
+            </p:spPr>
+            <p:style>
+              <a:lnRef idx="2">
+                <a:schemeClr val="accent1">
+                  <a:shade val="15000"/>
+                </a:schemeClr>
+              </a:lnRef>
+              <a:fillRef idx="1">
+                <a:schemeClr val="accent1"/>
+              </a:fillRef>
+              <a:effectRef idx="0">
+                <a:schemeClr val="accent1"/>
+              </a:effectRef>
+              <a:fontRef idx="minor">
+                <a:schemeClr val="lt1"/>
+              </a:fontRef>
+            </p:style>
+            <p:txBody>
+              <a:bodyPr rtlCol="0" anchor="ctr"/>
+              <a:lstStyle/>
+              <a:p>
+                <a:pPr algn="ctr"/>
+                <a:r>
+                  <a:rPr lang="en-US" altLang="zh-CN" dirty="0"/>
+                  <a:t>A3</a:t>
+                </a:r>
+                <a:endParaRPr lang="zh-CN" altLang="en-US" dirty="0"/>
+              </a:p>
+            </p:txBody>
+          </p:sp>
+          <p:sp>
+            <p:nvSpPr>
+              <p:cNvPr id="5" name="矩形 4">
+                <a:extLst>
+                  <a:ext uri="{FF2B5EF4-FFF2-40B4-BE49-F238E27FC236}">
+                    <a16:creationId xmlns:a16="http://schemas.microsoft.com/office/drawing/2014/main" id="{F63BAB4C-F7A3-2F8B-E89F-D708C66DCE0F}"/>
+                  </a:ext>
+                </a:extLst>
+              </p:cNvPr>
+              <p:cNvSpPr/>
+              <p:nvPr/>
+            </p:nvSpPr>
+            <p:spPr>
+              <a:xfrm>
+                <a:off x="4671844" y="819805"/>
+                <a:ext cx="693683" cy="451945"/>
+              </a:xfrm>
+              <a:prstGeom prst="rect">
+                <a:avLst/>
+              </a:prstGeom>
+              <a:solidFill>
+                <a:srgbClr val="FF0000">
+                  <a:alpha val="52000"/>
+                </a:srgbClr>
+              </a:solidFill>
+            </p:spPr>
+            <p:style>
+              <a:lnRef idx="2">
+                <a:schemeClr val="accent1">
+                  <a:shade val="15000"/>
+                </a:schemeClr>
+              </a:lnRef>
+              <a:fillRef idx="1">
+                <a:schemeClr val="accent1"/>
+              </a:fillRef>
+              <a:effectRef idx="0">
+                <a:schemeClr val="accent1"/>
+              </a:effectRef>
+              <a:fontRef idx="minor">
+                <a:schemeClr val="lt1"/>
+              </a:fontRef>
+            </p:style>
+            <p:txBody>
+              <a:bodyPr rtlCol="0" anchor="ctr"/>
+              <a:lstStyle/>
+              <a:p>
+                <a:pPr algn="ctr"/>
+                <a:r>
+                  <a:rPr lang="en-US" altLang="zh-CN" dirty="0"/>
+                  <a:t>An</a:t>
+                </a:r>
+                <a:endParaRPr lang="zh-CN" altLang="en-US" dirty="0"/>
+              </a:p>
+            </p:txBody>
+          </p:sp>
+        </p:grpSp>
+        <p:sp>
+          <p:nvSpPr>
+            <p:cNvPr id="7" name="矩形 6">
+              <a:extLst>
+                <a:ext uri="{FF2B5EF4-FFF2-40B4-BE49-F238E27FC236}">
+                  <a16:creationId xmlns:a16="http://schemas.microsoft.com/office/drawing/2014/main" id="{37BCC517-EA05-947F-B605-834D09D6135A}"/>
+                </a:ext>
+              </a:extLst>
+            </p:cNvPr>
+            <p:cNvSpPr/>
+            <p:nvPr/>
+          </p:nvSpPr>
           <p:spPr>
             <a:xfrm>
-              <a:off x="3810701" y="4145280"/>
-              <a:ext cx="263459" cy="0"/>
+              <a:off x="1786757" y="1529254"/>
+              <a:ext cx="693683" cy="451945"/>
             </a:xfrm>
-            <a:prstGeom prst="line">
+            <a:prstGeom prst="rect">
               <a:avLst/>
             </a:prstGeom>
-            <a:ln w="9525">
-              <a:solidFill>
-                <a:schemeClr val="tx1"/>
-              </a:solidFill>
-            </a:ln>
+            <a:solidFill>
+              <a:srgbClr val="00B0F0">
+                <a:alpha val="45000"/>
+              </a:srgbClr>
+            </a:solidFill>
           </p:spPr>
           <p:style>
-            <a:lnRef idx="1">
-              <a:schemeClr val="accent1"/>
+            <a:lnRef idx="2">
+              <a:schemeClr val="accent1">
+                <a:shade val="15000"/>
+              </a:schemeClr>
             </a:lnRef>
-            <a:fillRef idx="0">
+            <a:fillRef idx="1">
               <a:schemeClr val="accent1"/>
             </a:fillRef>
             <a:effectRef idx="0">
               <a:schemeClr val="accent1"/>
             </a:effectRef>
             <a:fontRef idx="minor">
-              <a:schemeClr val="tx1"/>
+              <a:schemeClr val="lt1"/>
             </a:fontRef>
           </p:style>
-        </p:cxnSp>
-        <p:cxnSp>
-          <p:nvCxnSpPr>
-            <p:cNvPr id="43" name="直接连接符 42">
+          <p:txBody>
+            <a:bodyPr rtlCol="0" anchor="ctr"/>
+            <a:lstStyle/>
+            <a:p>
+              <a:pPr algn="ctr"/>
+              <a:r>
+                <a:rPr lang="en-US" altLang="zh-CN" dirty="0"/>
+                <a:t>B1</a:t>
+              </a:r>
+              <a:endParaRPr lang="zh-CN" altLang="en-US" dirty="0"/>
+            </a:p>
+          </p:txBody>
+        </p:sp>
+        <p:sp>
+          <p:nvSpPr>
+            <p:cNvPr id="8" name="矩形 7">
               <a:extLst>
                 <a:ext uri="{FF2B5EF4-FFF2-40B4-BE49-F238E27FC236}">
-                  <a16:creationId xmlns:a16="http://schemas.microsoft.com/office/drawing/2014/main" id="{7EB3CDE7-EE10-9AD7-645C-B90001561384}"/>
+                  <a16:creationId xmlns:a16="http://schemas.microsoft.com/office/drawing/2014/main" id="{63A8ECC0-DA81-1176-9DB3-7CA0362525EF}"/>
                 </a:ext>
               </a:extLst>
             </p:cNvPr>
-            <p:cNvCxnSpPr/>
+            <p:cNvSpPr/>
             <p:nvPr/>
-          </p:nvCxnSpPr>
+          </p:nvSpPr>
           <p:spPr>
             <a:xfrm>
-              <a:off x="4074160" y="4155440"/>
-              <a:ext cx="0" cy="210908"/>
+              <a:off x="2511972" y="2259723"/>
+              <a:ext cx="693683" cy="451945"/>
             </a:xfrm>
-            <a:prstGeom prst="line">
+            <a:prstGeom prst="rect">
               <a:avLst/>
             </a:prstGeom>
-            <a:ln w="9525">
-              <a:solidFill>
-                <a:schemeClr val="tx1"/>
-              </a:solidFill>
-            </a:ln>
+            <a:solidFill>
+              <a:srgbClr val="00B0F0">
+                <a:alpha val="45000"/>
+              </a:srgbClr>
+            </a:solidFill>
           </p:spPr>
           <p:style>
-            <a:lnRef idx="1">
-              <a:schemeClr val="accent1"/>
+            <a:lnRef idx="2">
+              <a:schemeClr val="accent1">
+                <a:shade val="15000"/>
+              </a:schemeClr>
             </a:lnRef>
-            <a:fillRef idx="0">
+            <a:fillRef idx="1">
               <a:schemeClr val="accent1"/>
             </a:fillRef>
             <a:effectRef idx="0">
               <a:schemeClr val="accent1"/>
             </a:effectRef>
             <a:fontRef idx="minor">
-              <a:schemeClr val="tx1"/>
+              <a:schemeClr val="lt1"/>
             </a:fontRef>
           </p:style>
-        </p:cxnSp>
+          <p:txBody>
+            <a:bodyPr rtlCol="0" anchor="ctr"/>
+            <a:lstStyle/>
+            <a:p>
+              <a:pPr algn="ctr"/>
+              <a:r>
+                <a:rPr lang="en-US" altLang="zh-CN" dirty="0"/>
+                <a:t>B2</a:t>
+              </a:r>
+              <a:endParaRPr lang="zh-CN" altLang="en-US" dirty="0"/>
+            </a:p>
+          </p:txBody>
+        </p:sp>
+        <p:sp>
+          <p:nvSpPr>
+            <p:cNvPr id="9" name="矩形 8">
+              <a:extLst>
+                <a:ext uri="{FF2B5EF4-FFF2-40B4-BE49-F238E27FC236}">
+                  <a16:creationId xmlns:a16="http://schemas.microsoft.com/office/drawing/2014/main" id="{F3FFEAC8-AE52-3B80-4DDF-6F90BA741FB5}"/>
+                </a:ext>
+              </a:extLst>
+            </p:cNvPr>
+            <p:cNvSpPr/>
+            <p:nvPr/>
+          </p:nvSpPr>
+          <p:spPr>
+            <a:xfrm>
+              <a:off x="3242436" y="2995447"/>
+              <a:ext cx="693683" cy="451945"/>
+            </a:xfrm>
+            <a:prstGeom prst="rect">
+              <a:avLst/>
+            </a:prstGeom>
+            <a:solidFill>
+              <a:srgbClr val="00B0F0">
+                <a:alpha val="45000"/>
+              </a:srgbClr>
+            </a:solidFill>
+          </p:spPr>
+          <p:style>
+            <a:lnRef idx="2">
+              <a:schemeClr val="accent1">
+                <a:shade val="15000"/>
+              </a:schemeClr>
+            </a:lnRef>
+            <a:fillRef idx="1">
+              <a:schemeClr val="accent1"/>
+            </a:fillRef>
+            <a:effectRef idx="0">
+              <a:schemeClr val="accent1"/>
+            </a:effectRef>
+            <a:fontRef idx="minor">
+              <a:schemeClr val="lt1"/>
+            </a:fontRef>
+          </p:style>
+          <p:txBody>
+            <a:bodyPr rtlCol="0" anchor="ctr"/>
+            <a:lstStyle/>
+            <a:p>
+              <a:pPr algn="ctr"/>
+              <a:r>
+                <a:rPr lang="en-US" altLang="zh-CN" dirty="0"/>
+                <a:t>B3</a:t>
+              </a:r>
+              <a:endParaRPr lang="zh-CN" altLang="en-US" dirty="0"/>
+            </a:p>
+          </p:txBody>
+        </p:sp>
+        <p:sp>
+          <p:nvSpPr>
+            <p:cNvPr id="10" name="矩形 9">
+              <a:extLst>
+                <a:ext uri="{FF2B5EF4-FFF2-40B4-BE49-F238E27FC236}">
+                  <a16:creationId xmlns:a16="http://schemas.microsoft.com/office/drawing/2014/main" id="{8BA027C6-3414-10E3-F11B-0E07ED07CAC2}"/>
+                </a:ext>
+              </a:extLst>
+            </p:cNvPr>
+            <p:cNvSpPr/>
+            <p:nvPr/>
+          </p:nvSpPr>
+          <p:spPr>
+            <a:xfrm>
+              <a:off x="4671844" y="4419599"/>
+              <a:ext cx="693683" cy="451945"/>
+            </a:xfrm>
+            <a:prstGeom prst="rect">
+              <a:avLst/>
+            </a:prstGeom>
+            <a:solidFill>
+              <a:srgbClr val="00B0F0">
+                <a:alpha val="45000"/>
+              </a:srgbClr>
+            </a:solidFill>
+          </p:spPr>
+          <p:style>
+            <a:lnRef idx="2">
+              <a:schemeClr val="accent1">
+                <a:shade val="15000"/>
+              </a:schemeClr>
+            </a:lnRef>
+            <a:fillRef idx="1">
+              <a:schemeClr val="accent1"/>
+            </a:fillRef>
+            <a:effectRef idx="0">
+              <a:schemeClr val="accent1"/>
+            </a:effectRef>
+            <a:fontRef idx="minor">
+              <a:schemeClr val="lt1"/>
+            </a:fontRef>
+          </p:style>
+          <p:txBody>
+            <a:bodyPr rtlCol="0" anchor="ctr"/>
+            <a:lstStyle/>
+            <a:p>
+              <a:pPr algn="ctr"/>
+              <a:r>
+                <a:rPr lang="en-US" altLang="zh-CN" dirty="0"/>
+                <a:t>Bn</a:t>
+              </a:r>
+              <a:endParaRPr lang="zh-CN" altLang="en-US" dirty="0"/>
+            </a:p>
+          </p:txBody>
+        </p:sp>
+        <p:sp>
+          <p:nvSpPr>
+            <p:cNvPr id="12" name="矩形 11">
+              <a:extLst>
+                <a:ext uri="{FF2B5EF4-FFF2-40B4-BE49-F238E27FC236}">
+                  <a16:creationId xmlns:a16="http://schemas.microsoft.com/office/drawing/2014/main" id="{A9EF82F0-84D1-93AF-4D12-80658E0A48DE}"/>
+                </a:ext>
+              </a:extLst>
+            </p:cNvPr>
+            <p:cNvSpPr/>
+            <p:nvPr/>
+          </p:nvSpPr>
+          <p:spPr>
+            <a:xfrm>
+              <a:off x="1786756" y="5123793"/>
+              <a:ext cx="3578771" cy="451945"/>
+            </a:xfrm>
+            <a:prstGeom prst="rect">
+              <a:avLst/>
+            </a:prstGeom>
+            <a:solidFill>
+              <a:srgbClr val="00B0F0">
+                <a:alpha val="45000"/>
+              </a:srgbClr>
+            </a:solidFill>
+          </p:spPr>
+          <p:style>
+            <a:lnRef idx="2">
+              <a:schemeClr val="accent1">
+                <a:shade val="15000"/>
+              </a:schemeClr>
+            </a:lnRef>
+            <a:fillRef idx="1">
+              <a:schemeClr val="accent1"/>
+            </a:fillRef>
+            <a:effectRef idx="0">
+              <a:schemeClr val="accent1"/>
+            </a:effectRef>
+            <a:fontRef idx="minor">
+              <a:schemeClr val="lt1"/>
+            </a:fontRef>
+          </p:style>
+          <p:txBody>
+            <a:bodyPr rtlCol="0" anchor="ctr"/>
+            <a:lstStyle/>
+            <a:p>
+              <a:pPr algn="ctr"/>
+              <a:r>
+                <a:rPr lang="zh-CN" altLang="en-US" dirty="0"/>
+                <a:t>其它决策变量取值的简单限制</a:t>
+              </a:r>
+            </a:p>
+          </p:txBody>
+        </p:sp>
+        <p:grpSp>
+          <p:nvGrpSpPr>
+            <p:cNvPr id="16" name="组合 15">
+              <a:extLst>
+                <a:ext uri="{FF2B5EF4-FFF2-40B4-BE49-F238E27FC236}">
+                  <a16:creationId xmlns:a16="http://schemas.microsoft.com/office/drawing/2014/main" id="{6EE0ADD9-F788-7F0E-AF2E-8B56687F08D0}"/>
+                </a:ext>
+              </a:extLst>
+            </p:cNvPr>
+            <p:cNvGrpSpPr/>
+            <p:nvPr/>
+          </p:nvGrpSpPr>
+          <p:grpSpPr>
+            <a:xfrm>
+              <a:off x="4033340" y="1003736"/>
+              <a:ext cx="546538" cy="126125"/>
+              <a:chOff x="6978869" y="2585543"/>
+              <a:chExt cx="546538" cy="126125"/>
+            </a:xfrm>
+          </p:grpSpPr>
+          <p:sp>
+            <p:nvSpPr>
+              <p:cNvPr id="13" name="椭圆 12">
+                <a:extLst>
+                  <a:ext uri="{FF2B5EF4-FFF2-40B4-BE49-F238E27FC236}">
+                    <a16:creationId xmlns:a16="http://schemas.microsoft.com/office/drawing/2014/main" id="{7465C14B-C272-B915-81CC-96EDB8A19F91}"/>
+                  </a:ext>
+                </a:extLst>
+              </p:cNvPr>
+              <p:cNvSpPr/>
+              <p:nvPr/>
+            </p:nvSpPr>
+            <p:spPr>
+              <a:xfrm>
+                <a:off x="6978869" y="2585545"/>
+                <a:ext cx="115614" cy="126123"/>
+              </a:xfrm>
+              <a:prstGeom prst="ellipse">
+                <a:avLst/>
+              </a:prstGeom>
+              <a:solidFill>
+                <a:schemeClr val="tx1"/>
+              </a:solidFill>
+              <a:ln>
+                <a:noFill/>
+              </a:ln>
+            </p:spPr>
+            <p:style>
+              <a:lnRef idx="2">
+                <a:schemeClr val="accent1">
+                  <a:shade val="15000"/>
+                </a:schemeClr>
+              </a:lnRef>
+              <a:fillRef idx="1">
+                <a:schemeClr val="accent1"/>
+              </a:fillRef>
+              <a:effectRef idx="0">
+                <a:schemeClr val="accent1"/>
+              </a:effectRef>
+              <a:fontRef idx="minor">
+                <a:schemeClr val="lt1"/>
+              </a:fontRef>
+            </p:style>
+            <p:txBody>
+              <a:bodyPr rtlCol="0" anchor="ctr"/>
+              <a:lstStyle/>
+              <a:p>
+                <a:pPr algn="ctr"/>
+                <a:endParaRPr lang="zh-CN" altLang="en-US"/>
+              </a:p>
+            </p:txBody>
+          </p:sp>
+          <p:sp>
+            <p:nvSpPr>
+              <p:cNvPr id="14" name="椭圆 13">
+                <a:extLst>
+                  <a:ext uri="{FF2B5EF4-FFF2-40B4-BE49-F238E27FC236}">
+                    <a16:creationId xmlns:a16="http://schemas.microsoft.com/office/drawing/2014/main" id="{0143F5E4-C54A-6D4E-1A2B-74BA935A7749}"/>
+                  </a:ext>
+                </a:extLst>
+              </p:cNvPr>
+              <p:cNvSpPr/>
+              <p:nvPr/>
+            </p:nvSpPr>
+            <p:spPr>
+              <a:xfrm>
+                <a:off x="7194331" y="2585544"/>
+                <a:ext cx="115614" cy="126123"/>
+              </a:xfrm>
+              <a:prstGeom prst="ellipse">
+                <a:avLst/>
+              </a:prstGeom>
+              <a:solidFill>
+                <a:schemeClr val="tx1"/>
+              </a:solidFill>
+              <a:ln>
+                <a:noFill/>
+              </a:ln>
+            </p:spPr>
+            <p:style>
+              <a:lnRef idx="2">
+                <a:schemeClr val="accent1">
+                  <a:shade val="15000"/>
+                </a:schemeClr>
+              </a:lnRef>
+              <a:fillRef idx="1">
+                <a:schemeClr val="accent1"/>
+              </a:fillRef>
+              <a:effectRef idx="0">
+                <a:schemeClr val="accent1"/>
+              </a:effectRef>
+              <a:fontRef idx="minor">
+                <a:schemeClr val="lt1"/>
+              </a:fontRef>
+            </p:style>
+            <p:txBody>
+              <a:bodyPr rtlCol="0" anchor="ctr"/>
+              <a:lstStyle/>
+              <a:p>
+                <a:pPr algn="ctr"/>
+                <a:endParaRPr lang="zh-CN" altLang="en-US" dirty="0"/>
+              </a:p>
+            </p:txBody>
+          </p:sp>
+          <p:sp>
+            <p:nvSpPr>
+              <p:cNvPr id="15" name="椭圆 14">
+                <a:extLst>
+                  <a:ext uri="{FF2B5EF4-FFF2-40B4-BE49-F238E27FC236}">
+                    <a16:creationId xmlns:a16="http://schemas.microsoft.com/office/drawing/2014/main" id="{5CEAEC1B-93B8-EDEB-6BBA-8FFD2569CE61}"/>
+                  </a:ext>
+                </a:extLst>
+              </p:cNvPr>
+              <p:cNvSpPr/>
+              <p:nvPr/>
+            </p:nvSpPr>
+            <p:spPr>
+              <a:xfrm>
+                <a:off x="7409793" y="2585543"/>
+                <a:ext cx="115614" cy="126123"/>
+              </a:xfrm>
+              <a:prstGeom prst="ellipse">
+                <a:avLst/>
+              </a:prstGeom>
+              <a:solidFill>
+                <a:schemeClr val="tx1"/>
+              </a:solidFill>
+              <a:ln>
+                <a:noFill/>
+              </a:ln>
+            </p:spPr>
+            <p:style>
+              <a:lnRef idx="2">
+                <a:schemeClr val="accent1">
+                  <a:shade val="15000"/>
+                </a:schemeClr>
+              </a:lnRef>
+              <a:fillRef idx="1">
+                <a:schemeClr val="accent1"/>
+              </a:fillRef>
+              <a:effectRef idx="0">
+                <a:schemeClr val="accent1"/>
+              </a:effectRef>
+              <a:fontRef idx="minor">
+                <a:schemeClr val="lt1"/>
+              </a:fontRef>
+            </p:style>
+            <p:txBody>
+              <a:bodyPr rtlCol="0" anchor="ctr"/>
+              <a:lstStyle/>
+              <a:p>
+                <a:pPr algn="ctr"/>
+                <a:endParaRPr lang="zh-CN" altLang="en-US" dirty="0"/>
+              </a:p>
+            </p:txBody>
+          </p:sp>
+        </p:grpSp>
+        <p:grpSp>
+          <p:nvGrpSpPr>
+            <p:cNvPr id="17" name="组合 16">
+              <a:extLst>
+                <a:ext uri="{FF2B5EF4-FFF2-40B4-BE49-F238E27FC236}">
+                  <a16:creationId xmlns:a16="http://schemas.microsoft.com/office/drawing/2014/main" id="{4931FE6C-E583-109F-C67D-B22E2E8488BD}"/>
+                </a:ext>
+              </a:extLst>
+            </p:cNvPr>
+            <p:cNvGrpSpPr/>
+            <p:nvPr/>
+          </p:nvGrpSpPr>
+          <p:grpSpPr>
+            <a:xfrm rot="2725502">
+              <a:off x="4012089" y="3854669"/>
+              <a:ext cx="546538" cy="126125"/>
+              <a:chOff x="6978869" y="2585543"/>
+              <a:chExt cx="546538" cy="126125"/>
+            </a:xfrm>
+          </p:grpSpPr>
+          <p:sp>
+            <p:nvSpPr>
+              <p:cNvPr id="18" name="椭圆 17">
+                <a:extLst>
+                  <a:ext uri="{FF2B5EF4-FFF2-40B4-BE49-F238E27FC236}">
+                    <a16:creationId xmlns:a16="http://schemas.microsoft.com/office/drawing/2014/main" id="{FC78C9D0-CF45-5FCF-B405-1006C61BE9BA}"/>
+                  </a:ext>
+                </a:extLst>
+              </p:cNvPr>
+              <p:cNvSpPr/>
+              <p:nvPr/>
+            </p:nvSpPr>
+            <p:spPr>
+              <a:xfrm>
+                <a:off x="6978869" y="2585545"/>
+                <a:ext cx="115614" cy="126123"/>
+              </a:xfrm>
+              <a:prstGeom prst="ellipse">
+                <a:avLst/>
+              </a:prstGeom>
+              <a:solidFill>
+                <a:schemeClr val="tx1"/>
+              </a:solidFill>
+              <a:ln>
+                <a:noFill/>
+              </a:ln>
+            </p:spPr>
+            <p:style>
+              <a:lnRef idx="2">
+                <a:schemeClr val="accent1">
+                  <a:shade val="15000"/>
+                </a:schemeClr>
+              </a:lnRef>
+              <a:fillRef idx="1">
+                <a:schemeClr val="accent1"/>
+              </a:fillRef>
+              <a:effectRef idx="0">
+                <a:schemeClr val="accent1"/>
+              </a:effectRef>
+              <a:fontRef idx="minor">
+                <a:schemeClr val="lt1"/>
+              </a:fontRef>
+            </p:style>
+            <p:txBody>
+              <a:bodyPr rtlCol="0" anchor="ctr"/>
+              <a:lstStyle/>
+              <a:p>
+                <a:pPr algn="ctr"/>
+                <a:endParaRPr lang="zh-CN" altLang="en-US"/>
+              </a:p>
+            </p:txBody>
+          </p:sp>
+          <p:sp>
+            <p:nvSpPr>
+              <p:cNvPr id="19" name="椭圆 18">
+                <a:extLst>
+                  <a:ext uri="{FF2B5EF4-FFF2-40B4-BE49-F238E27FC236}">
+                    <a16:creationId xmlns:a16="http://schemas.microsoft.com/office/drawing/2014/main" id="{22B3A09A-9E2D-EDBB-2134-A3F558B74B92}"/>
+                  </a:ext>
+                </a:extLst>
+              </p:cNvPr>
+              <p:cNvSpPr/>
+              <p:nvPr/>
+            </p:nvSpPr>
+            <p:spPr>
+              <a:xfrm>
+                <a:off x="7194331" y="2585544"/>
+                <a:ext cx="115614" cy="126123"/>
+              </a:xfrm>
+              <a:prstGeom prst="ellipse">
+                <a:avLst/>
+              </a:prstGeom>
+              <a:solidFill>
+                <a:schemeClr val="tx1"/>
+              </a:solidFill>
+              <a:ln>
+                <a:noFill/>
+              </a:ln>
+            </p:spPr>
+            <p:style>
+              <a:lnRef idx="2">
+                <a:schemeClr val="accent1">
+                  <a:shade val="15000"/>
+                </a:schemeClr>
+              </a:lnRef>
+              <a:fillRef idx="1">
+                <a:schemeClr val="accent1"/>
+              </a:fillRef>
+              <a:effectRef idx="0">
+                <a:schemeClr val="accent1"/>
+              </a:effectRef>
+              <a:fontRef idx="minor">
+                <a:schemeClr val="lt1"/>
+              </a:fontRef>
+            </p:style>
+            <p:txBody>
+              <a:bodyPr rtlCol="0" anchor="ctr"/>
+              <a:lstStyle/>
+              <a:p>
+                <a:pPr algn="ctr"/>
+                <a:endParaRPr lang="zh-CN" altLang="en-US" dirty="0"/>
+              </a:p>
+            </p:txBody>
+          </p:sp>
+          <p:sp>
+            <p:nvSpPr>
+              <p:cNvPr id="20" name="椭圆 19">
+                <a:extLst>
+                  <a:ext uri="{FF2B5EF4-FFF2-40B4-BE49-F238E27FC236}">
+                    <a16:creationId xmlns:a16="http://schemas.microsoft.com/office/drawing/2014/main" id="{3949DBA2-F861-765E-5ED7-FF2F427164C8}"/>
+                  </a:ext>
+                </a:extLst>
+              </p:cNvPr>
+              <p:cNvSpPr/>
+              <p:nvPr/>
+            </p:nvSpPr>
+            <p:spPr>
+              <a:xfrm>
+                <a:off x="7409793" y="2585543"/>
+                <a:ext cx="115614" cy="126123"/>
+              </a:xfrm>
+              <a:prstGeom prst="ellipse">
+                <a:avLst/>
+              </a:prstGeom>
+              <a:solidFill>
+                <a:schemeClr val="tx1"/>
+              </a:solidFill>
+              <a:ln>
+                <a:noFill/>
+              </a:ln>
+            </p:spPr>
+            <p:style>
+              <a:lnRef idx="2">
+                <a:schemeClr val="accent1">
+                  <a:shade val="15000"/>
+                </a:schemeClr>
+              </a:lnRef>
+              <a:fillRef idx="1">
+                <a:schemeClr val="accent1"/>
+              </a:fillRef>
+              <a:effectRef idx="0">
+                <a:schemeClr val="accent1"/>
+              </a:effectRef>
+              <a:fontRef idx="minor">
+                <a:schemeClr val="lt1"/>
+              </a:fontRef>
+            </p:style>
+            <p:txBody>
+              <a:bodyPr rtlCol="0" anchor="ctr"/>
+              <a:lstStyle/>
+              <a:p>
+                <a:pPr algn="ctr"/>
+                <a:endParaRPr lang="zh-CN" altLang="en-US" dirty="0"/>
+              </a:p>
+            </p:txBody>
+          </p:sp>
+        </p:grpSp>
       </p:grpSp>
-      <p:sp>
-        <p:nvSpPr>
-          <p:cNvPr id="44" name="直角三角形 43">
+      <p:pic>
+        <p:nvPicPr>
+          <p:cNvPr id="23" name="图片 22">
             <a:extLst>
               <a:ext uri="{FF2B5EF4-FFF2-40B4-BE49-F238E27FC236}">
-                <a16:creationId xmlns:a16="http://schemas.microsoft.com/office/drawing/2014/main" id="{BAA300A1-1DA3-42B4-0B20-8426B302EB10}"/>
+                <a16:creationId xmlns:a16="http://schemas.microsoft.com/office/drawing/2014/main" id="{E0028DD0-1C35-4D08-3D7A-A1A06046BDF6}"/>
               </a:ext>
             </a:extLst>
           </p:cNvPr>
-          <p:cNvSpPr/>
+          <p:cNvPicPr>
+            <a:picLocks noChangeAspect="1"/>
+          </p:cNvPicPr>
           <p:nvPr/>
-        </p:nvSpPr>
+        </p:nvPicPr>
+        <p:blipFill>
+          <a:blip r:embed="rId2"/>
+          <a:stretch>
+            <a:fillRect/>
+          </a:stretch>
+        </p:blipFill>
         <p:spPr>
-          <a:xfrm rot="10800000">
-            <a:off x="2875279" y="1595119"/>
-            <a:ext cx="935419" cy="2771224"/>
+          <a:xfrm>
+            <a:off x="4339851" y="1744716"/>
+            <a:ext cx="7790020" cy="3149960"/>
           </a:xfrm>
-          <a:prstGeom prst="rtTriangle">
+          <a:prstGeom prst="rect">
             <a:avLst/>
           </a:prstGeom>
         </p:spPr>
-        <p:style>
-          <a:lnRef idx="2">
-            <a:schemeClr val="accent1">
-              <a:shade val="15000"/>
-            </a:schemeClr>
-          </a:lnRef>
-          <a:fillRef idx="1">
-            <a:schemeClr val="accent1"/>
-          </a:fillRef>
-          <a:effectRef idx="0">
-            <a:schemeClr val="accent1"/>
-          </a:effectRef>
-          <a:fontRef idx="minor">
-            <a:schemeClr val="lt1"/>
-          </a:fontRef>
-        </p:style>
-        <p:txBody>
-          <a:bodyPr rtlCol="0" anchor="ctr"/>
-          <a:lstStyle/>
-          <a:p>
-            <a:pPr algn="ctr"/>
-            <a:endParaRPr lang="zh-CN" altLang="en-US"/>
-          </a:p>
-        </p:txBody>
-      </p:sp>
+      </p:pic>
     </p:spTree>
     <p:extLst>
       <p:ext uri="{BB962C8B-B14F-4D97-AF65-F5344CB8AC3E}">
-        <p14:creationId xmlns:p14="http://schemas.microsoft.com/office/powerpoint/2010/main" val="4271848381"/>
+        <p14:creationId xmlns:p14="http://schemas.microsoft.com/office/powerpoint/2010/main" val="2497146745"/>
+      </p:ext>
+    </p:extLst>
+  </p:cSld>
+  <p:clrMapOvr>
+    <a:masterClrMapping/>
+  </p:clrMapOvr>
+</p:sld>
+</file>
+
+<file path=ppt/slides/slide4.xml><?xml version="1.0" encoding="utf-8"?>
+<p:sld xmlns:a="http://schemas.openxmlformats.org/drawingml/2006/main" xmlns:r="http://schemas.openxmlformats.org/officeDocument/2006/relationships" xmlns:p="http://schemas.openxmlformats.org/presentationml/2006/main">
+  <p:cSld>
+    <p:spTree>
+      <p:nvGrpSpPr>
+        <p:cNvPr id="1" name=""/>
+        <p:cNvGrpSpPr/>
+        <p:nvPr/>
+      </p:nvGrpSpPr>
+      <p:grpSpPr>
+        <a:xfrm>
+          <a:off x="0" y="0"/>
+          <a:ext cx="0" cy="0"/>
+          <a:chOff x="0" y="0"/>
+          <a:chExt cx="0" cy="0"/>
+        </a:xfrm>
+      </p:grpSpPr>
+      <p:grpSp>
+        <p:nvGrpSpPr>
+          <p:cNvPr id="92" name="组合 91">
+            <a:extLst>
+              <a:ext uri="{FF2B5EF4-FFF2-40B4-BE49-F238E27FC236}">
+                <a16:creationId xmlns:a16="http://schemas.microsoft.com/office/drawing/2014/main" id="{A6A47DBF-CD91-CE8A-5BFF-8EC205ED22C7}"/>
+              </a:ext>
+            </a:extLst>
+          </p:cNvPr>
+          <p:cNvGrpSpPr/>
+          <p:nvPr/>
+        </p:nvGrpSpPr>
+        <p:grpSpPr>
+          <a:xfrm>
+            <a:off x="861849" y="307430"/>
+            <a:ext cx="9118413" cy="6322994"/>
+            <a:chOff x="861849" y="307430"/>
+            <a:chExt cx="9118413" cy="6322994"/>
+          </a:xfrm>
+        </p:grpSpPr>
+        <p:grpSp>
+          <p:nvGrpSpPr>
+            <p:cNvPr id="90" name="组合 89">
+              <a:extLst>
+                <a:ext uri="{FF2B5EF4-FFF2-40B4-BE49-F238E27FC236}">
+                  <a16:creationId xmlns:a16="http://schemas.microsoft.com/office/drawing/2014/main" id="{09E41121-1085-3FD4-1868-9C2261D2EFD9}"/>
+                </a:ext>
+              </a:extLst>
+            </p:cNvPr>
+            <p:cNvGrpSpPr/>
+            <p:nvPr/>
+          </p:nvGrpSpPr>
+          <p:grpSpPr>
+            <a:xfrm>
+              <a:off x="861849" y="307430"/>
+              <a:ext cx="9118413" cy="4823552"/>
+              <a:chOff x="325821" y="328450"/>
+              <a:chExt cx="9118413" cy="4823552"/>
+            </a:xfrm>
+          </p:grpSpPr>
+          <p:sp>
+            <p:nvSpPr>
+              <p:cNvPr id="2" name="矩形 1">
+                <a:extLst>
+                  <a:ext uri="{FF2B5EF4-FFF2-40B4-BE49-F238E27FC236}">
+                    <a16:creationId xmlns:a16="http://schemas.microsoft.com/office/drawing/2014/main" id="{164B171B-7B54-F42E-7D20-0B47C906F334}"/>
+                  </a:ext>
+                </a:extLst>
+              </p:cNvPr>
+              <p:cNvSpPr/>
+              <p:nvPr/>
+            </p:nvSpPr>
+            <p:spPr>
+              <a:xfrm>
+                <a:off x="325821" y="559676"/>
+                <a:ext cx="725213" cy="2869324"/>
+              </a:xfrm>
+              <a:prstGeom prst="rect">
+                <a:avLst/>
+              </a:prstGeom>
+              <a:solidFill>
+                <a:schemeClr val="accent1">
+                  <a:alpha val="60000"/>
+                </a:schemeClr>
+              </a:solidFill>
+              <a:ln>
+                <a:noFill/>
+              </a:ln>
+            </p:spPr>
+            <p:style>
+              <a:lnRef idx="2">
+                <a:schemeClr val="accent1">
+                  <a:shade val="15000"/>
+                </a:schemeClr>
+              </a:lnRef>
+              <a:fillRef idx="1">
+                <a:schemeClr val="accent1"/>
+              </a:fillRef>
+              <a:effectRef idx="0">
+                <a:schemeClr val="accent1"/>
+              </a:effectRef>
+              <a:fontRef idx="minor">
+                <a:schemeClr val="lt1"/>
+              </a:fontRef>
+            </p:style>
+            <p:txBody>
+              <a:bodyPr rtlCol="0" anchor="ctr"/>
+              <a:lstStyle/>
+              <a:p>
+                <a:pPr algn="ctr"/>
+                <a:r>
+                  <a:rPr lang="en-US" altLang="zh-CN" b="1" dirty="0">
+                    <a:solidFill>
+                      <a:schemeClr val="accent1">
+                        <a:lumMod val="50000"/>
+                      </a:schemeClr>
+                    </a:solidFill>
+                    <a:latin typeface="Times New Roman" panose="02020603050405020304" pitchFamily="18" charset="0"/>
+                    <a:cs typeface="Times New Roman" panose="02020603050405020304" pitchFamily="18" charset="0"/>
+                  </a:rPr>
+                  <a:t>P</a:t>
+                </a:r>
+                <a:endParaRPr lang="zh-CN" altLang="en-US" b="1" dirty="0">
+                  <a:solidFill>
+                    <a:schemeClr val="accent1">
+                      <a:lumMod val="50000"/>
+                    </a:schemeClr>
+                  </a:solidFill>
+                  <a:latin typeface="Times New Roman" panose="02020603050405020304" pitchFamily="18" charset="0"/>
+                  <a:cs typeface="Times New Roman" panose="02020603050405020304" pitchFamily="18" charset="0"/>
+                </a:endParaRPr>
+              </a:p>
+            </p:txBody>
+          </p:sp>
+          <p:sp>
+            <p:nvSpPr>
+              <p:cNvPr id="3" name="矩形 2">
+                <a:extLst>
+                  <a:ext uri="{FF2B5EF4-FFF2-40B4-BE49-F238E27FC236}">
+                    <a16:creationId xmlns:a16="http://schemas.microsoft.com/office/drawing/2014/main" id="{17ED5207-879C-075B-2CBD-62A0F2CAB706}"/>
+                  </a:ext>
+                </a:extLst>
+              </p:cNvPr>
+              <p:cNvSpPr/>
+              <p:nvPr/>
+            </p:nvSpPr>
+            <p:spPr>
+              <a:xfrm>
+                <a:off x="1897113" y="559676"/>
+                <a:ext cx="709811" cy="2869324"/>
+              </a:xfrm>
+              <a:prstGeom prst="rect">
+                <a:avLst/>
+              </a:prstGeom>
+              <a:solidFill>
+                <a:schemeClr val="accent1">
+                  <a:alpha val="60000"/>
+                </a:schemeClr>
+              </a:solidFill>
+              <a:ln>
+                <a:noFill/>
+              </a:ln>
+            </p:spPr>
+            <p:style>
+              <a:lnRef idx="2">
+                <a:schemeClr val="accent1">
+                  <a:shade val="15000"/>
+                </a:schemeClr>
+              </a:lnRef>
+              <a:fillRef idx="1">
+                <a:schemeClr val="accent1"/>
+              </a:fillRef>
+              <a:effectRef idx="0">
+                <a:schemeClr val="accent1"/>
+              </a:effectRef>
+              <a:fontRef idx="minor">
+                <a:schemeClr val="lt1"/>
+              </a:fontRef>
+            </p:style>
+            <p:txBody>
+              <a:bodyPr rtlCol="0" anchor="ctr"/>
+              <a:lstStyle/>
+              <a:p>
+                <a:pPr algn="ctr"/>
+                <a:r>
+                  <a:rPr lang="en-US" altLang="zh-CN" b="1" dirty="0">
+                    <a:solidFill>
+                      <a:schemeClr val="accent1">
+                        <a:lumMod val="50000"/>
+                      </a:schemeClr>
+                    </a:solidFill>
+                    <a:latin typeface="Times New Roman" panose="02020603050405020304" pitchFamily="18" charset="0"/>
+                    <a:cs typeface="Times New Roman" panose="02020603050405020304" pitchFamily="18" charset="0"/>
+                  </a:rPr>
+                  <a:t>MP</a:t>
+                </a:r>
+                <a:endParaRPr lang="zh-CN" altLang="en-US" b="1" dirty="0">
+                  <a:solidFill>
+                    <a:schemeClr val="accent1">
+                      <a:lumMod val="50000"/>
+                    </a:schemeClr>
+                  </a:solidFill>
+                  <a:latin typeface="Times New Roman" panose="02020603050405020304" pitchFamily="18" charset="0"/>
+                  <a:cs typeface="Times New Roman" panose="02020603050405020304" pitchFamily="18" charset="0"/>
+                </a:endParaRPr>
+              </a:p>
+            </p:txBody>
+          </p:sp>
+          <p:cxnSp>
+            <p:nvCxnSpPr>
+              <p:cNvPr id="5" name="直接箭头连接符 4">
+                <a:extLst>
+                  <a:ext uri="{FF2B5EF4-FFF2-40B4-BE49-F238E27FC236}">
+                    <a16:creationId xmlns:a16="http://schemas.microsoft.com/office/drawing/2014/main" id="{1EF5C8F4-EE6C-BE6D-8594-CDABC962DA48}"/>
+                  </a:ext>
+                </a:extLst>
+              </p:cNvPr>
+              <p:cNvCxnSpPr>
+                <a:cxnSpLocks/>
+                <a:stCxn id="2" idx="3"/>
+                <a:endCxn id="3" idx="1"/>
+              </p:cNvCxnSpPr>
+              <p:nvPr/>
+            </p:nvCxnSpPr>
+            <p:spPr>
+              <a:xfrm>
+                <a:off x="1051034" y="1994338"/>
+                <a:ext cx="846079" cy="0"/>
+              </a:xfrm>
+              <a:prstGeom prst="straightConnector1">
+                <a:avLst/>
+              </a:prstGeom>
+              <a:ln w="19050">
+                <a:tailEnd type="triangle"/>
+              </a:ln>
+            </p:spPr>
+            <p:style>
+              <a:lnRef idx="1">
+                <a:schemeClr val="accent1"/>
+              </a:lnRef>
+              <a:fillRef idx="0">
+                <a:schemeClr val="accent1"/>
+              </a:fillRef>
+              <a:effectRef idx="0">
+                <a:schemeClr val="accent1"/>
+              </a:effectRef>
+              <a:fontRef idx="minor">
+                <a:schemeClr val="tx1"/>
+              </a:fontRef>
+            </p:style>
+          </p:cxnSp>
+          <p:sp>
+            <p:nvSpPr>
+              <p:cNvPr id="6" name="文本框 5">
+                <a:extLst>
+                  <a:ext uri="{FF2B5EF4-FFF2-40B4-BE49-F238E27FC236}">
+                    <a16:creationId xmlns:a16="http://schemas.microsoft.com/office/drawing/2014/main" id="{3F8606EF-66B3-BA8B-C8F4-FB7608CE1BE6}"/>
+                  </a:ext>
+                </a:extLst>
+              </p:cNvPr>
+              <p:cNvSpPr txBox="1"/>
+              <p:nvPr/>
+            </p:nvSpPr>
+            <p:spPr>
+              <a:xfrm>
+                <a:off x="1051034" y="1634011"/>
+                <a:ext cx="830677" cy="307777"/>
+              </a:xfrm>
+              <a:prstGeom prst="rect">
+                <a:avLst/>
+              </a:prstGeom>
+              <a:noFill/>
+            </p:spPr>
+            <p:txBody>
+              <a:bodyPr wrap="none" rtlCol="0">
+                <a:spAutoFit/>
+              </a:bodyPr>
+              <a:lstStyle/>
+              <a:p>
+                <a:r>
+                  <a:rPr lang="en-US" altLang="zh-CN" sz="1400" dirty="0"/>
+                  <a:t>DW</a:t>
+                </a:r>
+                <a:r>
+                  <a:rPr lang="zh-CN" altLang="en-US" sz="1400" dirty="0"/>
+                  <a:t>分解</a:t>
+                </a:r>
+              </a:p>
+            </p:txBody>
+          </p:sp>
+          <p:sp>
+            <p:nvSpPr>
+              <p:cNvPr id="7" name="矩形 6">
+                <a:extLst>
+                  <a:ext uri="{FF2B5EF4-FFF2-40B4-BE49-F238E27FC236}">
+                    <a16:creationId xmlns:a16="http://schemas.microsoft.com/office/drawing/2014/main" id="{199BE8AD-C2CA-901A-9FC7-AC28C2D1FBE1}"/>
+                  </a:ext>
+                </a:extLst>
+              </p:cNvPr>
+              <p:cNvSpPr/>
+              <p:nvPr/>
+            </p:nvSpPr>
+            <p:spPr>
+              <a:xfrm>
+                <a:off x="3431253" y="559676"/>
+                <a:ext cx="709811" cy="2869324"/>
+              </a:xfrm>
+              <a:prstGeom prst="rect">
+                <a:avLst/>
+              </a:prstGeom>
+              <a:solidFill>
+                <a:schemeClr val="accent1">
+                  <a:alpha val="60000"/>
+                </a:schemeClr>
+              </a:solidFill>
+              <a:ln>
+                <a:noFill/>
+              </a:ln>
+            </p:spPr>
+            <p:style>
+              <a:lnRef idx="2">
+                <a:schemeClr val="accent1">
+                  <a:shade val="15000"/>
+                </a:schemeClr>
+              </a:lnRef>
+              <a:fillRef idx="1">
+                <a:schemeClr val="accent1"/>
+              </a:fillRef>
+              <a:effectRef idx="0">
+                <a:schemeClr val="accent1"/>
+              </a:effectRef>
+              <a:fontRef idx="minor">
+                <a:schemeClr val="lt1"/>
+              </a:fontRef>
+            </p:style>
+            <p:txBody>
+              <a:bodyPr rtlCol="0" anchor="ctr"/>
+              <a:lstStyle/>
+              <a:p>
+                <a:pPr algn="ctr"/>
+                <a:r>
+                  <a:rPr lang="en-US" altLang="zh-CN" b="1" dirty="0">
+                    <a:solidFill>
+                      <a:schemeClr val="accent1">
+                        <a:lumMod val="50000"/>
+                      </a:schemeClr>
+                    </a:solidFill>
+                    <a:latin typeface="Times New Roman" panose="02020603050405020304" pitchFamily="18" charset="0"/>
+                    <a:cs typeface="Times New Roman" panose="02020603050405020304" pitchFamily="18" charset="0"/>
+                  </a:rPr>
+                  <a:t>RMP</a:t>
+                </a:r>
+                <a:endParaRPr lang="zh-CN" altLang="en-US" b="1" dirty="0">
+                  <a:solidFill>
+                    <a:schemeClr val="accent1">
+                      <a:lumMod val="50000"/>
+                    </a:schemeClr>
+                  </a:solidFill>
+                  <a:latin typeface="Times New Roman" panose="02020603050405020304" pitchFamily="18" charset="0"/>
+                  <a:cs typeface="Times New Roman" panose="02020603050405020304" pitchFamily="18" charset="0"/>
+                </a:endParaRPr>
+              </a:p>
+            </p:txBody>
+          </p:sp>
+          <p:sp>
+            <p:nvSpPr>
+              <p:cNvPr id="11" name="矩形 10">
+                <a:extLst>
+                  <a:ext uri="{FF2B5EF4-FFF2-40B4-BE49-F238E27FC236}">
+                    <a16:creationId xmlns:a16="http://schemas.microsoft.com/office/drawing/2014/main" id="{A79817EE-1907-EF89-FF1A-43DEEF81B42A}"/>
+                  </a:ext>
+                </a:extLst>
+              </p:cNvPr>
+              <p:cNvSpPr/>
+              <p:nvPr/>
+            </p:nvSpPr>
+            <p:spPr>
+              <a:xfrm>
+                <a:off x="325821" y="4460947"/>
+                <a:ext cx="725213" cy="691055"/>
+              </a:xfrm>
+              <a:prstGeom prst="rect">
+                <a:avLst/>
+              </a:prstGeom>
+              <a:solidFill>
+                <a:schemeClr val="accent6">
+                  <a:lumMod val="40000"/>
+                  <a:lumOff val="60000"/>
+                  <a:alpha val="60000"/>
+                </a:schemeClr>
+              </a:solidFill>
+              <a:ln>
+                <a:noFill/>
+              </a:ln>
+            </p:spPr>
+            <p:style>
+              <a:lnRef idx="2">
+                <a:schemeClr val="accent1">
+                  <a:shade val="15000"/>
+                </a:schemeClr>
+              </a:lnRef>
+              <a:fillRef idx="1">
+                <a:schemeClr val="accent1"/>
+              </a:fillRef>
+              <a:effectRef idx="0">
+                <a:schemeClr val="accent1"/>
+              </a:effectRef>
+              <a:fontRef idx="minor">
+                <a:schemeClr val="lt1"/>
+              </a:fontRef>
+            </p:style>
+            <p:txBody>
+              <a:bodyPr rtlCol="0" anchor="ctr"/>
+              <a:lstStyle/>
+              <a:p>
+                <a:pPr algn="ctr"/>
+                <a:r>
+                  <a:rPr lang="en-US" altLang="zh-CN" b="1" dirty="0">
+                    <a:solidFill>
+                      <a:schemeClr val="accent1">
+                        <a:lumMod val="50000"/>
+                      </a:schemeClr>
+                    </a:solidFill>
+                    <a:latin typeface="Times New Roman" panose="02020603050405020304" pitchFamily="18" charset="0"/>
+                    <a:cs typeface="Times New Roman" panose="02020603050405020304" pitchFamily="18" charset="0"/>
+                  </a:rPr>
+                  <a:t>SP1</a:t>
+                </a:r>
+                <a:endParaRPr lang="zh-CN" altLang="en-US" b="1" dirty="0">
+                  <a:solidFill>
+                    <a:schemeClr val="accent1">
+                      <a:lumMod val="50000"/>
+                    </a:schemeClr>
+                  </a:solidFill>
+                  <a:latin typeface="Times New Roman" panose="02020603050405020304" pitchFamily="18" charset="0"/>
+                  <a:cs typeface="Times New Roman" panose="02020603050405020304" pitchFamily="18" charset="0"/>
+                </a:endParaRPr>
+              </a:p>
+            </p:txBody>
+          </p:sp>
+          <p:sp>
+            <p:nvSpPr>
+              <p:cNvPr id="12" name="矩形 11">
+                <a:extLst>
+                  <a:ext uri="{FF2B5EF4-FFF2-40B4-BE49-F238E27FC236}">
+                    <a16:creationId xmlns:a16="http://schemas.microsoft.com/office/drawing/2014/main" id="{45949DE9-7295-B658-84C2-64C641B8AB96}"/>
+                  </a:ext>
+                </a:extLst>
+              </p:cNvPr>
+              <p:cNvSpPr/>
+              <p:nvPr/>
+            </p:nvSpPr>
+            <p:spPr>
+              <a:xfrm>
+                <a:off x="1889411" y="4460947"/>
+                <a:ext cx="725213" cy="691055"/>
+              </a:xfrm>
+              <a:prstGeom prst="rect">
+                <a:avLst/>
+              </a:prstGeom>
+              <a:solidFill>
+                <a:schemeClr val="accent6">
+                  <a:lumMod val="40000"/>
+                  <a:lumOff val="60000"/>
+                  <a:alpha val="60000"/>
+                </a:schemeClr>
+              </a:solidFill>
+              <a:ln>
+                <a:noFill/>
+              </a:ln>
+            </p:spPr>
+            <p:style>
+              <a:lnRef idx="2">
+                <a:schemeClr val="accent1">
+                  <a:shade val="15000"/>
+                </a:schemeClr>
+              </a:lnRef>
+              <a:fillRef idx="1">
+                <a:schemeClr val="accent1"/>
+              </a:fillRef>
+              <a:effectRef idx="0">
+                <a:schemeClr val="accent1"/>
+              </a:effectRef>
+              <a:fontRef idx="minor">
+                <a:schemeClr val="lt1"/>
+              </a:fontRef>
+            </p:style>
+            <p:txBody>
+              <a:bodyPr rtlCol="0" anchor="ctr"/>
+              <a:lstStyle/>
+              <a:p>
+                <a:pPr algn="ctr"/>
+                <a:r>
+                  <a:rPr lang="en-US" altLang="zh-CN" b="1" dirty="0">
+                    <a:solidFill>
+                      <a:schemeClr val="accent1">
+                        <a:lumMod val="50000"/>
+                      </a:schemeClr>
+                    </a:solidFill>
+                    <a:latin typeface="Times New Roman" panose="02020603050405020304" pitchFamily="18" charset="0"/>
+                    <a:cs typeface="Times New Roman" panose="02020603050405020304" pitchFamily="18" charset="0"/>
+                  </a:rPr>
+                  <a:t>SP2</a:t>
+                </a:r>
+                <a:endParaRPr lang="zh-CN" altLang="en-US" b="1" dirty="0">
+                  <a:solidFill>
+                    <a:schemeClr val="accent1">
+                      <a:lumMod val="50000"/>
+                    </a:schemeClr>
+                  </a:solidFill>
+                  <a:latin typeface="Times New Roman" panose="02020603050405020304" pitchFamily="18" charset="0"/>
+                  <a:cs typeface="Times New Roman" panose="02020603050405020304" pitchFamily="18" charset="0"/>
+                </a:endParaRPr>
+              </a:p>
+            </p:txBody>
+          </p:sp>
+          <p:sp>
+            <p:nvSpPr>
+              <p:cNvPr id="13" name="矩形 12">
+                <a:extLst>
+                  <a:ext uri="{FF2B5EF4-FFF2-40B4-BE49-F238E27FC236}">
+                    <a16:creationId xmlns:a16="http://schemas.microsoft.com/office/drawing/2014/main" id="{F6110C66-7D25-6F26-3832-E27E6F14CADF}"/>
+                  </a:ext>
+                </a:extLst>
+              </p:cNvPr>
+              <p:cNvSpPr/>
+              <p:nvPr/>
+            </p:nvSpPr>
+            <p:spPr>
+              <a:xfrm>
+                <a:off x="3439311" y="4460947"/>
+                <a:ext cx="725213" cy="691055"/>
+              </a:xfrm>
+              <a:prstGeom prst="rect">
+                <a:avLst/>
+              </a:prstGeom>
+              <a:solidFill>
+                <a:schemeClr val="accent6">
+                  <a:lumMod val="40000"/>
+                  <a:lumOff val="60000"/>
+                  <a:alpha val="60000"/>
+                </a:schemeClr>
+              </a:solidFill>
+              <a:ln>
+                <a:noFill/>
+              </a:ln>
+            </p:spPr>
+            <p:style>
+              <a:lnRef idx="2">
+                <a:schemeClr val="accent1">
+                  <a:shade val="15000"/>
+                </a:schemeClr>
+              </a:lnRef>
+              <a:fillRef idx="1">
+                <a:schemeClr val="accent1"/>
+              </a:fillRef>
+              <a:effectRef idx="0">
+                <a:schemeClr val="accent1"/>
+              </a:effectRef>
+              <a:fontRef idx="minor">
+                <a:schemeClr val="lt1"/>
+              </a:fontRef>
+            </p:style>
+            <p:txBody>
+              <a:bodyPr rtlCol="0" anchor="ctr"/>
+              <a:lstStyle/>
+              <a:p>
+                <a:pPr algn="ctr"/>
+                <a:r>
+                  <a:rPr lang="en-US" altLang="zh-CN" b="1" dirty="0">
+                    <a:solidFill>
+                      <a:schemeClr val="accent1">
+                        <a:lumMod val="50000"/>
+                      </a:schemeClr>
+                    </a:solidFill>
+                    <a:latin typeface="Times New Roman" panose="02020603050405020304" pitchFamily="18" charset="0"/>
+                    <a:cs typeface="Times New Roman" panose="02020603050405020304" pitchFamily="18" charset="0"/>
+                  </a:rPr>
+                  <a:t>SP3</a:t>
+                </a:r>
+                <a:endParaRPr lang="zh-CN" altLang="en-US" b="1" dirty="0">
+                  <a:solidFill>
+                    <a:schemeClr val="accent1">
+                      <a:lumMod val="50000"/>
+                    </a:schemeClr>
+                  </a:solidFill>
+                  <a:latin typeface="Times New Roman" panose="02020603050405020304" pitchFamily="18" charset="0"/>
+                  <a:cs typeface="Times New Roman" panose="02020603050405020304" pitchFamily="18" charset="0"/>
+                </a:endParaRPr>
+              </a:p>
+            </p:txBody>
+          </p:sp>
+          <p:sp>
+            <p:nvSpPr>
+              <p:cNvPr id="15" name="矩形 14">
+                <a:extLst>
+                  <a:ext uri="{FF2B5EF4-FFF2-40B4-BE49-F238E27FC236}">
+                    <a16:creationId xmlns:a16="http://schemas.microsoft.com/office/drawing/2014/main" id="{3E22844F-90EB-825D-FCF8-1C6C72D04A18}"/>
+                  </a:ext>
+                </a:extLst>
+              </p:cNvPr>
+              <p:cNvSpPr/>
+              <p:nvPr/>
+            </p:nvSpPr>
+            <p:spPr>
+              <a:xfrm>
+                <a:off x="5927819" y="4460946"/>
+                <a:ext cx="725213" cy="691055"/>
+              </a:xfrm>
+              <a:prstGeom prst="rect">
+                <a:avLst/>
+              </a:prstGeom>
+              <a:solidFill>
+                <a:schemeClr val="accent6">
+                  <a:lumMod val="40000"/>
+                  <a:lumOff val="60000"/>
+                  <a:alpha val="60000"/>
+                </a:schemeClr>
+              </a:solidFill>
+              <a:ln>
+                <a:noFill/>
+              </a:ln>
+            </p:spPr>
+            <p:style>
+              <a:lnRef idx="2">
+                <a:schemeClr val="accent1">
+                  <a:shade val="15000"/>
+                </a:schemeClr>
+              </a:lnRef>
+              <a:fillRef idx="1">
+                <a:schemeClr val="accent1"/>
+              </a:fillRef>
+              <a:effectRef idx="0">
+                <a:schemeClr val="accent1"/>
+              </a:effectRef>
+              <a:fontRef idx="minor">
+                <a:schemeClr val="lt1"/>
+              </a:fontRef>
+            </p:style>
+            <p:txBody>
+              <a:bodyPr rtlCol="0" anchor="ctr"/>
+              <a:lstStyle/>
+              <a:p>
+                <a:pPr algn="ctr"/>
+                <a:r>
+                  <a:rPr lang="en-US" altLang="zh-CN" b="1" dirty="0" err="1">
+                    <a:solidFill>
+                      <a:schemeClr val="accent1">
+                        <a:lumMod val="50000"/>
+                      </a:schemeClr>
+                    </a:solidFill>
+                    <a:latin typeface="Times New Roman" panose="02020603050405020304" pitchFamily="18" charset="0"/>
+                    <a:cs typeface="Times New Roman" panose="02020603050405020304" pitchFamily="18" charset="0"/>
+                  </a:rPr>
+                  <a:t>SPn</a:t>
+                </a:r>
+                <a:endParaRPr lang="zh-CN" altLang="en-US" b="1" dirty="0">
+                  <a:solidFill>
+                    <a:schemeClr val="accent1">
+                      <a:lumMod val="50000"/>
+                    </a:schemeClr>
+                  </a:solidFill>
+                  <a:latin typeface="Times New Roman" panose="02020603050405020304" pitchFamily="18" charset="0"/>
+                  <a:cs typeface="Times New Roman" panose="02020603050405020304" pitchFamily="18" charset="0"/>
+                </a:endParaRPr>
+              </a:p>
+            </p:txBody>
+          </p:sp>
+          <p:grpSp>
+            <p:nvGrpSpPr>
+              <p:cNvPr id="19" name="组合 18">
+                <a:extLst>
+                  <a:ext uri="{FF2B5EF4-FFF2-40B4-BE49-F238E27FC236}">
+                    <a16:creationId xmlns:a16="http://schemas.microsoft.com/office/drawing/2014/main" id="{B6006DC8-8398-B3CF-2CF3-61AA823F1B3E}"/>
+                  </a:ext>
+                </a:extLst>
+              </p:cNvPr>
+              <p:cNvGrpSpPr/>
+              <p:nvPr/>
+            </p:nvGrpSpPr>
+            <p:grpSpPr>
+              <a:xfrm>
+                <a:off x="4679059" y="4806473"/>
+                <a:ext cx="546538" cy="126125"/>
+                <a:chOff x="2624954" y="993226"/>
+                <a:chExt cx="546538" cy="126125"/>
+              </a:xfrm>
+            </p:grpSpPr>
+            <p:sp>
+              <p:nvSpPr>
+                <p:cNvPr id="16" name="椭圆 15">
+                  <a:extLst>
+                    <a:ext uri="{FF2B5EF4-FFF2-40B4-BE49-F238E27FC236}">
+                      <a16:creationId xmlns:a16="http://schemas.microsoft.com/office/drawing/2014/main" id="{B92B0A1D-5ED2-88E9-26C6-5B5AF0159A24}"/>
+                    </a:ext>
+                  </a:extLst>
+                </p:cNvPr>
+                <p:cNvSpPr/>
+                <p:nvPr/>
+              </p:nvSpPr>
+              <p:spPr>
+                <a:xfrm>
+                  <a:off x="2624954" y="993228"/>
+                  <a:ext cx="115614" cy="126123"/>
+                </a:xfrm>
+                <a:prstGeom prst="ellipse">
+                  <a:avLst/>
+                </a:prstGeom>
+                <a:solidFill>
+                  <a:schemeClr val="tx1"/>
+                </a:solidFill>
+                <a:ln>
+                  <a:noFill/>
+                </a:ln>
+              </p:spPr>
+              <p:style>
+                <a:lnRef idx="2">
+                  <a:schemeClr val="accent1">
+                    <a:shade val="15000"/>
+                  </a:schemeClr>
+                </a:lnRef>
+                <a:fillRef idx="1">
+                  <a:schemeClr val="accent1"/>
+                </a:fillRef>
+                <a:effectRef idx="0">
+                  <a:schemeClr val="accent1"/>
+                </a:effectRef>
+                <a:fontRef idx="minor">
+                  <a:schemeClr val="lt1"/>
+                </a:fontRef>
+              </p:style>
+              <p:txBody>
+                <a:bodyPr rtlCol="0" anchor="ctr"/>
+                <a:lstStyle/>
+                <a:p>
+                  <a:pPr algn="ctr"/>
+                  <a:endParaRPr lang="zh-CN" altLang="en-US"/>
+                </a:p>
+              </p:txBody>
+            </p:sp>
+            <p:sp>
+              <p:nvSpPr>
+                <p:cNvPr id="17" name="椭圆 16">
+                  <a:extLst>
+                    <a:ext uri="{FF2B5EF4-FFF2-40B4-BE49-F238E27FC236}">
+                      <a16:creationId xmlns:a16="http://schemas.microsoft.com/office/drawing/2014/main" id="{D83D3403-59EC-A590-85CB-E26FFF8CBC16}"/>
+                    </a:ext>
+                  </a:extLst>
+                </p:cNvPr>
+                <p:cNvSpPr/>
+                <p:nvPr/>
+              </p:nvSpPr>
+              <p:spPr>
+                <a:xfrm>
+                  <a:off x="2840416" y="993227"/>
+                  <a:ext cx="115614" cy="126123"/>
+                </a:xfrm>
+                <a:prstGeom prst="ellipse">
+                  <a:avLst/>
+                </a:prstGeom>
+                <a:solidFill>
+                  <a:schemeClr val="tx1"/>
+                </a:solidFill>
+                <a:ln>
+                  <a:noFill/>
+                </a:ln>
+              </p:spPr>
+              <p:style>
+                <a:lnRef idx="2">
+                  <a:schemeClr val="accent1">
+                    <a:shade val="15000"/>
+                  </a:schemeClr>
+                </a:lnRef>
+                <a:fillRef idx="1">
+                  <a:schemeClr val="accent1"/>
+                </a:fillRef>
+                <a:effectRef idx="0">
+                  <a:schemeClr val="accent1"/>
+                </a:effectRef>
+                <a:fontRef idx="minor">
+                  <a:schemeClr val="lt1"/>
+                </a:fontRef>
+              </p:style>
+              <p:txBody>
+                <a:bodyPr rtlCol="0" anchor="ctr"/>
+                <a:lstStyle/>
+                <a:p>
+                  <a:pPr algn="ctr"/>
+                  <a:endParaRPr lang="zh-CN" altLang="en-US" dirty="0"/>
+                </a:p>
+              </p:txBody>
+            </p:sp>
+            <p:sp>
+              <p:nvSpPr>
+                <p:cNvPr id="18" name="椭圆 17">
+                  <a:extLst>
+                    <a:ext uri="{FF2B5EF4-FFF2-40B4-BE49-F238E27FC236}">
+                      <a16:creationId xmlns:a16="http://schemas.microsoft.com/office/drawing/2014/main" id="{888AF8A8-E73D-6066-D32D-D4D5E8448C45}"/>
+                    </a:ext>
+                  </a:extLst>
+                </p:cNvPr>
+                <p:cNvSpPr/>
+                <p:nvPr/>
+              </p:nvSpPr>
+              <p:spPr>
+                <a:xfrm>
+                  <a:off x="3055878" y="993226"/>
+                  <a:ext cx="115614" cy="126123"/>
+                </a:xfrm>
+                <a:prstGeom prst="ellipse">
+                  <a:avLst/>
+                </a:prstGeom>
+                <a:solidFill>
+                  <a:schemeClr val="tx1"/>
+                </a:solidFill>
+                <a:ln>
+                  <a:noFill/>
+                </a:ln>
+              </p:spPr>
+              <p:style>
+                <a:lnRef idx="2">
+                  <a:schemeClr val="accent1">
+                    <a:shade val="15000"/>
+                  </a:schemeClr>
+                </a:lnRef>
+                <a:fillRef idx="1">
+                  <a:schemeClr val="accent1"/>
+                </a:fillRef>
+                <a:effectRef idx="0">
+                  <a:schemeClr val="accent1"/>
+                </a:effectRef>
+                <a:fontRef idx="minor">
+                  <a:schemeClr val="lt1"/>
+                </a:fontRef>
+              </p:style>
+              <p:txBody>
+                <a:bodyPr rtlCol="0" anchor="ctr"/>
+                <a:lstStyle/>
+                <a:p>
+                  <a:pPr algn="ctr"/>
+                  <a:endParaRPr lang="zh-CN" altLang="en-US" dirty="0"/>
+                </a:p>
+              </p:txBody>
+            </p:sp>
+          </p:grpSp>
+          <p:cxnSp>
+            <p:nvCxnSpPr>
+              <p:cNvPr id="22" name="直接箭头连接符 21">
+                <a:extLst>
+                  <a:ext uri="{FF2B5EF4-FFF2-40B4-BE49-F238E27FC236}">
+                    <a16:creationId xmlns:a16="http://schemas.microsoft.com/office/drawing/2014/main" id="{A0A43E5A-134E-33E6-2993-54A51E35732D}"/>
+                  </a:ext>
+                </a:extLst>
+              </p:cNvPr>
+              <p:cNvCxnSpPr>
+                <a:cxnSpLocks/>
+              </p:cNvCxnSpPr>
+              <p:nvPr/>
+            </p:nvCxnSpPr>
+            <p:spPr>
+              <a:xfrm>
+                <a:off x="2606924" y="1986455"/>
+                <a:ext cx="846079" cy="0"/>
+              </a:xfrm>
+              <a:prstGeom prst="straightConnector1">
+                <a:avLst/>
+              </a:prstGeom>
+              <a:ln w="19050">
+                <a:tailEnd type="triangle"/>
+              </a:ln>
+            </p:spPr>
+            <p:style>
+              <a:lnRef idx="1">
+                <a:schemeClr val="accent1"/>
+              </a:lnRef>
+              <a:fillRef idx="0">
+                <a:schemeClr val="accent1"/>
+              </a:fillRef>
+              <a:effectRef idx="0">
+                <a:schemeClr val="accent1"/>
+              </a:effectRef>
+              <a:fontRef idx="minor">
+                <a:schemeClr val="tx1"/>
+              </a:fontRef>
+            </p:style>
+          </p:cxnSp>
+          <p:sp>
+            <p:nvSpPr>
+              <p:cNvPr id="23" name="矩形 22">
+                <a:extLst>
+                  <a:ext uri="{FF2B5EF4-FFF2-40B4-BE49-F238E27FC236}">
+                    <a16:creationId xmlns:a16="http://schemas.microsoft.com/office/drawing/2014/main" id="{6271C815-8D9C-AA7A-8BBC-918DDE44ED68}"/>
+                  </a:ext>
+                </a:extLst>
+              </p:cNvPr>
+              <p:cNvSpPr/>
+              <p:nvPr/>
+            </p:nvSpPr>
+            <p:spPr>
+              <a:xfrm>
+                <a:off x="5395728" y="328450"/>
+                <a:ext cx="1112126" cy="407276"/>
+              </a:xfrm>
+              <a:prstGeom prst="rect">
+                <a:avLst/>
+              </a:prstGeom>
+              <a:solidFill>
+                <a:schemeClr val="bg1"/>
+              </a:solidFill>
+              <a:ln>
+                <a:solidFill>
+                  <a:schemeClr val="tx1"/>
+                </a:solidFill>
+                <a:prstDash val="dash"/>
+              </a:ln>
+            </p:spPr>
+            <p:style>
+              <a:lnRef idx="2">
+                <a:schemeClr val="accent1">
+                  <a:shade val="15000"/>
+                </a:schemeClr>
+              </a:lnRef>
+              <a:fillRef idx="1">
+                <a:schemeClr val="accent1"/>
+              </a:fillRef>
+              <a:effectRef idx="0">
+                <a:schemeClr val="accent1"/>
+              </a:effectRef>
+              <a:fontRef idx="minor">
+                <a:schemeClr val="lt1"/>
+              </a:fontRef>
+            </p:style>
+            <p:txBody>
+              <a:bodyPr rtlCol="0" anchor="ctr"/>
+              <a:lstStyle/>
+              <a:p>
+                <a:pPr algn="ctr"/>
+                <a:endParaRPr lang="zh-CN" altLang="en-US"/>
+              </a:p>
+            </p:txBody>
+          </p:sp>
+          <p:sp>
+            <p:nvSpPr>
+              <p:cNvPr id="26" name="矩形 25">
+                <a:extLst>
+                  <a:ext uri="{FF2B5EF4-FFF2-40B4-BE49-F238E27FC236}">
+                    <a16:creationId xmlns:a16="http://schemas.microsoft.com/office/drawing/2014/main" id="{7485502F-0222-1F29-A996-338A7948F80D}"/>
+                  </a:ext>
+                </a:extLst>
+              </p:cNvPr>
+              <p:cNvSpPr/>
+              <p:nvPr/>
+            </p:nvSpPr>
+            <p:spPr>
+              <a:xfrm>
+                <a:off x="5395728" y="1048061"/>
+                <a:ext cx="1112126" cy="407276"/>
+              </a:xfrm>
+              <a:prstGeom prst="rect">
+                <a:avLst/>
+              </a:prstGeom>
+              <a:solidFill>
+                <a:schemeClr val="bg1"/>
+              </a:solidFill>
+              <a:ln>
+                <a:solidFill>
+                  <a:schemeClr val="tx1"/>
+                </a:solidFill>
+                <a:prstDash val="dash"/>
+              </a:ln>
+            </p:spPr>
+            <p:style>
+              <a:lnRef idx="2">
+                <a:schemeClr val="accent1">
+                  <a:shade val="15000"/>
+                </a:schemeClr>
+              </a:lnRef>
+              <a:fillRef idx="1">
+                <a:schemeClr val="accent1"/>
+              </a:fillRef>
+              <a:effectRef idx="0">
+                <a:schemeClr val="accent1"/>
+              </a:effectRef>
+              <a:fontRef idx="minor">
+                <a:schemeClr val="lt1"/>
+              </a:fontRef>
+            </p:style>
+            <p:txBody>
+              <a:bodyPr rtlCol="0" anchor="ctr"/>
+              <a:lstStyle/>
+              <a:p>
+                <a:pPr algn="ctr"/>
+                <a:endParaRPr lang="zh-CN" altLang="en-US"/>
+              </a:p>
+            </p:txBody>
+          </p:sp>
+          <p:sp>
+            <p:nvSpPr>
+              <p:cNvPr id="27" name="矩形 26">
+                <a:extLst>
+                  <a:ext uri="{FF2B5EF4-FFF2-40B4-BE49-F238E27FC236}">
+                    <a16:creationId xmlns:a16="http://schemas.microsoft.com/office/drawing/2014/main" id="{A3174E1A-234A-AA67-C49D-59815003C703}"/>
+                  </a:ext>
+                </a:extLst>
+              </p:cNvPr>
+              <p:cNvSpPr/>
+              <p:nvPr/>
+            </p:nvSpPr>
+            <p:spPr>
+              <a:xfrm>
+                <a:off x="5395728" y="1767672"/>
+                <a:ext cx="1112126" cy="407276"/>
+              </a:xfrm>
+              <a:prstGeom prst="rect">
+                <a:avLst/>
+              </a:prstGeom>
+              <a:solidFill>
+                <a:schemeClr val="bg1"/>
+              </a:solidFill>
+              <a:ln>
+                <a:solidFill>
+                  <a:schemeClr val="tx1"/>
+                </a:solidFill>
+                <a:prstDash val="dash"/>
+              </a:ln>
+            </p:spPr>
+            <p:style>
+              <a:lnRef idx="2">
+                <a:schemeClr val="accent1">
+                  <a:shade val="15000"/>
+                </a:schemeClr>
+              </a:lnRef>
+              <a:fillRef idx="1">
+                <a:schemeClr val="accent1"/>
+              </a:fillRef>
+              <a:effectRef idx="0">
+                <a:schemeClr val="accent1"/>
+              </a:effectRef>
+              <a:fontRef idx="minor">
+                <a:schemeClr val="lt1"/>
+              </a:fontRef>
+            </p:style>
+            <p:txBody>
+              <a:bodyPr rtlCol="0" anchor="ctr"/>
+              <a:lstStyle/>
+              <a:p>
+                <a:pPr algn="ctr"/>
+                <a:endParaRPr lang="zh-CN" altLang="en-US"/>
+              </a:p>
+            </p:txBody>
+          </p:sp>
+          <p:sp>
+            <p:nvSpPr>
+              <p:cNvPr id="29" name="矩形 28">
+                <a:extLst>
+                  <a:ext uri="{FF2B5EF4-FFF2-40B4-BE49-F238E27FC236}">
+                    <a16:creationId xmlns:a16="http://schemas.microsoft.com/office/drawing/2014/main" id="{71FFB01A-3FD0-4844-844B-86A2A9160B68}"/>
+                  </a:ext>
+                </a:extLst>
+              </p:cNvPr>
+              <p:cNvSpPr/>
+              <p:nvPr/>
+            </p:nvSpPr>
+            <p:spPr>
+              <a:xfrm>
+                <a:off x="5395728" y="3206894"/>
+                <a:ext cx="1112126" cy="407276"/>
+              </a:xfrm>
+              <a:prstGeom prst="rect">
+                <a:avLst/>
+              </a:prstGeom>
+              <a:solidFill>
+                <a:schemeClr val="bg1"/>
+              </a:solidFill>
+              <a:ln>
+                <a:solidFill>
+                  <a:schemeClr val="tx1"/>
+                </a:solidFill>
+                <a:prstDash val="dash"/>
+              </a:ln>
+            </p:spPr>
+            <p:style>
+              <a:lnRef idx="2">
+                <a:schemeClr val="accent1">
+                  <a:shade val="15000"/>
+                </a:schemeClr>
+              </a:lnRef>
+              <a:fillRef idx="1">
+                <a:schemeClr val="accent1"/>
+              </a:fillRef>
+              <a:effectRef idx="0">
+                <a:schemeClr val="accent1"/>
+              </a:effectRef>
+              <a:fontRef idx="minor">
+                <a:schemeClr val="lt1"/>
+              </a:fontRef>
+            </p:style>
+            <p:txBody>
+              <a:bodyPr rtlCol="0" anchor="ctr"/>
+              <a:lstStyle/>
+              <a:p>
+                <a:pPr algn="ctr"/>
+                <a:endParaRPr lang="zh-CN" altLang="en-US"/>
+              </a:p>
+            </p:txBody>
+          </p:sp>
+          <p:cxnSp>
+            <p:nvCxnSpPr>
+              <p:cNvPr id="37" name="直接箭头连接符 36">
+                <a:extLst>
+                  <a:ext uri="{FF2B5EF4-FFF2-40B4-BE49-F238E27FC236}">
+                    <a16:creationId xmlns:a16="http://schemas.microsoft.com/office/drawing/2014/main" id="{B61B35A8-71D6-D2EB-BBA1-A66476F0A65C}"/>
+                  </a:ext>
+                </a:extLst>
+              </p:cNvPr>
+              <p:cNvCxnSpPr>
+                <a:stCxn id="23" idx="1"/>
+                <a:endCxn id="7" idx="3"/>
+              </p:cNvCxnSpPr>
+              <p:nvPr/>
+            </p:nvCxnSpPr>
+            <p:spPr>
+              <a:xfrm flipH="1">
+                <a:off x="4141064" y="532088"/>
+                <a:ext cx="1254664" cy="1462250"/>
+              </a:xfrm>
+              <a:prstGeom prst="straightConnector1">
+                <a:avLst/>
+              </a:prstGeom>
+              <a:ln w="12700">
+                <a:solidFill>
+                  <a:srgbClr val="FF0000"/>
+                </a:solidFill>
+                <a:tailEnd type="triangle"/>
+              </a:ln>
+            </p:spPr>
+            <p:style>
+              <a:lnRef idx="1">
+                <a:schemeClr val="accent1"/>
+              </a:lnRef>
+              <a:fillRef idx="0">
+                <a:schemeClr val="accent1"/>
+              </a:fillRef>
+              <a:effectRef idx="0">
+                <a:schemeClr val="accent1"/>
+              </a:effectRef>
+              <a:fontRef idx="minor">
+                <a:schemeClr val="tx1"/>
+              </a:fontRef>
+            </p:style>
+          </p:cxnSp>
+          <p:cxnSp>
+            <p:nvCxnSpPr>
+              <p:cNvPr id="39" name="直接箭头连接符 38">
+                <a:extLst>
+                  <a:ext uri="{FF2B5EF4-FFF2-40B4-BE49-F238E27FC236}">
+                    <a16:creationId xmlns:a16="http://schemas.microsoft.com/office/drawing/2014/main" id="{4795E9EC-D4DE-6483-DEF4-62936185B32C}"/>
+                  </a:ext>
+                </a:extLst>
+              </p:cNvPr>
+              <p:cNvCxnSpPr>
+                <a:stCxn id="26" idx="1"/>
+                <a:endCxn id="7" idx="3"/>
+              </p:cNvCxnSpPr>
+              <p:nvPr/>
+            </p:nvCxnSpPr>
+            <p:spPr>
+              <a:xfrm flipH="1">
+                <a:off x="4141064" y="1251699"/>
+                <a:ext cx="1254664" cy="742639"/>
+              </a:xfrm>
+              <a:prstGeom prst="straightConnector1">
+                <a:avLst/>
+              </a:prstGeom>
+              <a:ln w="12700">
+                <a:solidFill>
+                  <a:srgbClr val="FF0000"/>
+                </a:solidFill>
+                <a:tailEnd type="triangle"/>
+              </a:ln>
+            </p:spPr>
+            <p:style>
+              <a:lnRef idx="1">
+                <a:schemeClr val="accent1"/>
+              </a:lnRef>
+              <a:fillRef idx="0">
+                <a:schemeClr val="accent1"/>
+              </a:fillRef>
+              <a:effectRef idx="0">
+                <a:schemeClr val="accent1"/>
+              </a:effectRef>
+              <a:fontRef idx="minor">
+                <a:schemeClr val="tx1"/>
+              </a:fontRef>
+            </p:style>
+          </p:cxnSp>
+          <p:cxnSp>
+            <p:nvCxnSpPr>
+              <p:cNvPr id="41" name="直接箭头连接符 40">
+                <a:extLst>
+                  <a:ext uri="{FF2B5EF4-FFF2-40B4-BE49-F238E27FC236}">
+                    <a16:creationId xmlns:a16="http://schemas.microsoft.com/office/drawing/2014/main" id="{FF67DD1C-E4CF-2AAF-12FE-C666813C8584}"/>
+                  </a:ext>
+                </a:extLst>
+              </p:cNvPr>
+              <p:cNvCxnSpPr>
+                <a:stCxn id="27" idx="1"/>
+                <a:endCxn id="7" idx="3"/>
+              </p:cNvCxnSpPr>
+              <p:nvPr/>
+            </p:nvCxnSpPr>
+            <p:spPr>
+              <a:xfrm flipH="1">
+                <a:off x="4164524" y="1971310"/>
+                <a:ext cx="1231204" cy="0"/>
+              </a:xfrm>
+              <a:prstGeom prst="straightConnector1">
+                <a:avLst/>
+              </a:prstGeom>
+              <a:ln w="12700">
+                <a:solidFill>
+                  <a:srgbClr val="FF0000"/>
+                </a:solidFill>
+                <a:tailEnd type="triangle"/>
+              </a:ln>
+            </p:spPr>
+            <p:style>
+              <a:lnRef idx="1">
+                <a:schemeClr val="accent1"/>
+              </a:lnRef>
+              <a:fillRef idx="0">
+                <a:schemeClr val="accent1"/>
+              </a:fillRef>
+              <a:effectRef idx="0">
+                <a:schemeClr val="accent1"/>
+              </a:effectRef>
+              <a:fontRef idx="minor">
+                <a:schemeClr val="tx1"/>
+              </a:fontRef>
+            </p:style>
+          </p:cxnSp>
+          <p:cxnSp>
+            <p:nvCxnSpPr>
+              <p:cNvPr id="43" name="直接箭头连接符 42">
+                <a:extLst>
+                  <a:ext uri="{FF2B5EF4-FFF2-40B4-BE49-F238E27FC236}">
+                    <a16:creationId xmlns:a16="http://schemas.microsoft.com/office/drawing/2014/main" id="{4BA9D4DB-9E86-471B-EA91-0084FB586C86}"/>
+                  </a:ext>
+                </a:extLst>
+              </p:cNvPr>
+              <p:cNvCxnSpPr>
+                <a:stCxn id="29" idx="1"/>
+                <a:endCxn id="7" idx="3"/>
+              </p:cNvCxnSpPr>
+              <p:nvPr/>
+            </p:nvCxnSpPr>
+            <p:spPr>
+              <a:xfrm flipH="1" flipV="1">
+                <a:off x="4141064" y="1994338"/>
+                <a:ext cx="1254664" cy="1416194"/>
+              </a:xfrm>
+              <a:prstGeom prst="straightConnector1">
+                <a:avLst/>
+              </a:prstGeom>
+              <a:ln w="12700">
+                <a:solidFill>
+                  <a:srgbClr val="FF0000"/>
+                </a:solidFill>
+                <a:tailEnd type="triangle"/>
+              </a:ln>
+            </p:spPr>
+            <p:style>
+              <a:lnRef idx="1">
+                <a:schemeClr val="accent1"/>
+              </a:lnRef>
+              <a:fillRef idx="0">
+                <a:schemeClr val="accent1"/>
+              </a:fillRef>
+              <a:effectRef idx="0">
+                <a:schemeClr val="accent1"/>
+              </a:effectRef>
+              <a:fontRef idx="minor">
+                <a:schemeClr val="tx1"/>
+              </a:fontRef>
+            </p:style>
+          </p:cxnSp>
+          <p:grpSp>
+            <p:nvGrpSpPr>
+              <p:cNvPr id="47" name="组合 46">
+                <a:extLst>
+                  <a:ext uri="{FF2B5EF4-FFF2-40B4-BE49-F238E27FC236}">
+                    <a16:creationId xmlns:a16="http://schemas.microsoft.com/office/drawing/2014/main" id="{219D11A4-9121-DADB-1BD1-22D522454CB7}"/>
+                  </a:ext>
+                </a:extLst>
+              </p:cNvPr>
+              <p:cNvGrpSpPr/>
+              <p:nvPr/>
+            </p:nvGrpSpPr>
+            <p:grpSpPr>
+              <a:xfrm rot="5400000">
+                <a:off x="5688025" y="2636087"/>
+                <a:ext cx="546538" cy="126125"/>
+                <a:chOff x="7096412" y="2636087"/>
+                <a:chExt cx="546538" cy="126125"/>
+              </a:xfrm>
+            </p:grpSpPr>
+            <p:sp>
+              <p:nvSpPr>
+                <p:cNvPr id="44" name="椭圆 43">
+                  <a:extLst>
+                    <a:ext uri="{FF2B5EF4-FFF2-40B4-BE49-F238E27FC236}">
+                      <a16:creationId xmlns:a16="http://schemas.microsoft.com/office/drawing/2014/main" id="{05148989-04A0-1A2E-F139-47CA406E0A23}"/>
+                    </a:ext>
+                  </a:extLst>
+                </p:cNvPr>
+                <p:cNvSpPr/>
+                <p:nvPr/>
+              </p:nvSpPr>
+              <p:spPr>
+                <a:xfrm>
+                  <a:off x="7096412" y="2636089"/>
+                  <a:ext cx="115614" cy="126123"/>
+                </a:xfrm>
+                <a:prstGeom prst="ellipse">
+                  <a:avLst/>
+                </a:prstGeom>
+                <a:solidFill>
+                  <a:schemeClr val="tx1"/>
+                </a:solidFill>
+                <a:ln>
+                  <a:noFill/>
+                </a:ln>
+              </p:spPr>
+              <p:style>
+                <a:lnRef idx="2">
+                  <a:schemeClr val="accent1">
+                    <a:shade val="15000"/>
+                  </a:schemeClr>
+                </a:lnRef>
+                <a:fillRef idx="1">
+                  <a:schemeClr val="accent1"/>
+                </a:fillRef>
+                <a:effectRef idx="0">
+                  <a:schemeClr val="accent1"/>
+                </a:effectRef>
+                <a:fontRef idx="minor">
+                  <a:schemeClr val="lt1"/>
+                </a:fontRef>
+              </p:style>
+              <p:txBody>
+                <a:bodyPr rtlCol="0" anchor="ctr"/>
+                <a:lstStyle/>
+                <a:p>
+                  <a:pPr algn="ctr"/>
+                  <a:endParaRPr lang="zh-CN" altLang="en-US"/>
+                </a:p>
+              </p:txBody>
+            </p:sp>
+            <p:sp>
+              <p:nvSpPr>
+                <p:cNvPr id="45" name="椭圆 44">
+                  <a:extLst>
+                    <a:ext uri="{FF2B5EF4-FFF2-40B4-BE49-F238E27FC236}">
+                      <a16:creationId xmlns:a16="http://schemas.microsoft.com/office/drawing/2014/main" id="{A0CED4FA-5B50-DFA5-CA23-EBD6102929D0}"/>
+                    </a:ext>
+                  </a:extLst>
+                </p:cNvPr>
+                <p:cNvSpPr/>
+                <p:nvPr/>
+              </p:nvSpPr>
+              <p:spPr>
+                <a:xfrm>
+                  <a:off x="7311874" y="2636088"/>
+                  <a:ext cx="115614" cy="126123"/>
+                </a:xfrm>
+                <a:prstGeom prst="ellipse">
+                  <a:avLst/>
+                </a:prstGeom>
+                <a:solidFill>
+                  <a:schemeClr val="tx1"/>
+                </a:solidFill>
+                <a:ln>
+                  <a:noFill/>
+                </a:ln>
+              </p:spPr>
+              <p:style>
+                <a:lnRef idx="2">
+                  <a:schemeClr val="accent1">
+                    <a:shade val="15000"/>
+                  </a:schemeClr>
+                </a:lnRef>
+                <a:fillRef idx="1">
+                  <a:schemeClr val="accent1"/>
+                </a:fillRef>
+                <a:effectRef idx="0">
+                  <a:schemeClr val="accent1"/>
+                </a:effectRef>
+                <a:fontRef idx="minor">
+                  <a:schemeClr val="lt1"/>
+                </a:fontRef>
+              </p:style>
+              <p:txBody>
+                <a:bodyPr rtlCol="0" anchor="ctr"/>
+                <a:lstStyle/>
+                <a:p>
+                  <a:pPr algn="ctr"/>
+                  <a:endParaRPr lang="zh-CN" altLang="en-US" dirty="0"/>
+                </a:p>
+              </p:txBody>
+            </p:sp>
+            <p:sp>
+              <p:nvSpPr>
+                <p:cNvPr id="46" name="椭圆 45">
+                  <a:extLst>
+                    <a:ext uri="{FF2B5EF4-FFF2-40B4-BE49-F238E27FC236}">
+                      <a16:creationId xmlns:a16="http://schemas.microsoft.com/office/drawing/2014/main" id="{169F66EF-1C7B-F1B4-76E8-2FEE97CA2A17}"/>
+                    </a:ext>
+                  </a:extLst>
+                </p:cNvPr>
+                <p:cNvSpPr/>
+                <p:nvPr/>
+              </p:nvSpPr>
+              <p:spPr>
+                <a:xfrm>
+                  <a:off x="7527336" y="2636087"/>
+                  <a:ext cx="115614" cy="126123"/>
+                </a:xfrm>
+                <a:prstGeom prst="ellipse">
+                  <a:avLst/>
+                </a:prstGeom>
+                <a:solidFill>
+                  <a:schemeClr val="tx1"/>
+                </a:solidFill>
+                <a:ln>
+                  <a:noFill/>
+                </a:ln>
+              </p:spPr>
+              <p:style>
+                <a:lnRef idx="2">
+                  <a:schemeClr val="accent1">
+                    <a:shade val="15000"/>
+                  </a:schemeClr>
+                </a:lnRef>
+                <a:fillRef idx="1">
+                  <a:schemeClr val="accent1"/>
+                </a:fillRef>
+                <a:effectRef idx="0">
+                  <a:schemeClr val="accent1"/>
+                </a:effectRef>
+                <a:fontRef idx="minor">
+                  <a:schemeClr val="lt1"/>
+                </a:fontRef>
+              </p:style>
+              <p:txBody>
+                <a:bodyPr rtlCol="0" anchor="ctr"/>
+                <a:lstStyle/>
+                <a:p>
+                  <a:pPr algn="ctr"/>
+                  <a:endParaRPr lang="zh-CN" altLang="en-US" dirty="0"/>
+                </a:p>
+              </p:txBody>
+            </p:sp>
+          </p:grpSp>
+          <p:grpSp>
+            <p:nvGrpSpPr>
+              <p:cNvPr id="61" name="组合 60">
+                <a:extLst>
+                  <a:ext uri="{FF2B5EF4-FFF2-40B4-BE49-F238E27FC236}">
+                    <a16:creationId xmlns:a16="http://schemas.microsoft.com/office/drawing/2014/main" id="{547C6BFF-901A-178A-5CE2-AB501E9C3E7A}"/>
+                  </a:ext>
+                </a:extLst>
+              </p:cNvPr>
+              <p:cNvGrpSpPr/>
+              <p:nvPr/>
+            </p:nvGrpSpPr>
+            <p:grpSpPr>
+              <a:xfrm>
+                <a:off x="688428" y="532088"/>
+                <a:ext cx="5819426" cy="4619914"/>
+                <a:chOff x="688428" y="532088"/>
+                <a:chExt cx="5819426" cy="4619914"/>
+              </a:xfrm>
+            </p:grpSpPr>
+            <p:cxnSp>
+              <p:nvCxnSpPr>
+                <p:cNvPr id="49" name="连接符: 肘形 48">
+                  <a:extLst>
+                    <a:ext uri="{FF2B5EF4-FFF2-40B4-BE49-F238E27FC236}">
+                      <a16:creationId xmlns:a16="http://schemas.microsoft.com/office/drawing/2014/main" id="{DFCFF625-5A69-F642-4DD8-708219CEE768}"/>
+                    </a:ext>
+                  </a:extLst>
+                </p:cNvPr>
+                <p:cNvCxnSpPr>
+                  <a:stCxn id="11" idx="2"/>
+                  <a:endCxn id="23" idx="3"/>
+                </p:cNvCxnSpPr>
+                <p:nvPr/>
+              </p:nvCxnSpPr>
+              <p:spPr>
+                <a:xfrm rot="5400000" flipH="1" flipV="1">
+                  <a:off x="1288184" y="-67668"/>
+                  <a:ext cx="4619914" cy="5819426"/>
+                </a:xfrm>
+                <a:prstGeom prst="bentConnector4">
+                  <a:avLst>
+                    <a:gd name="adj1" fmla="val -4948"/>
+                    <a:gd name="adj2" fmla="val 174184"/>
+                  </a:avLst>
+                </a:prstGeom>
+                <a:ln>
+                  <a:solidFill>
+                    <a:srgbClr val="FF0000"/>
+                  </a:solidFill>
+                  <a:tailEnd type="triangle"/>
+                </a:ln>
+              </p:spPr>
+              <p:style>
+                <a:lnRef idx="1">
+                  <a:schemeClr val="accent1"/>
+                </a:lnRef>
+                <a:fillRef idx="0">
+                  <a:schemeClr val="accent1"/>
+                </a:fillRef>
+                <a:effectRef idx="0">
+                  <a:schemeClr val="accent1"/>
+                </a:effectRef>
+                <a:fontRef idx="minor">
+                  <a:schemeClr val="tx1"/>
+                </a:fontRef>
+              </p:style>
+            </p:cxnSp>
+            <p:cxnSp>
+              <p:nvCxnSpPr>
+                <p:cNvPr id="52" name="连接符: 肘形 51">
+                  <a:extLst>
+                    <a:ext uri="{FF2B5EF4-FFF2-40B4-BE49-F238E27FC236}">
+                      <a16:creationId xmlns:a16="http://schemas.microsoft.com/office/drawing/2014/main" id="{AEC5557E-34D0-26E1-FA6C-2595B301ED1A}"/>
+                    </a:ext>
+                  </a:extLst>
+                </p:cNvPr>
+                <p:cNvCxnSpPr>
+                  <a:stCxn id="12" idx="2"/>
+                  <a:endCxn id="26" idx="3"/>
+                </p:cNvCxnSpPr>
+                <p:nvPr/>
+              </p:nvCxnSpPr>
+              <p:spPr>
+                <a:xfrm rot="5400000" flipH="1" flipV="1">
+                  <a:off x="2429784" y="1073933"/>
+                  <a:ext cx="3900303" cy="4255836"/>
+                </a:xfrm>
+                <a:prstGeom prst="bentConnector4">
+                  <a:avLst>
+                    <a:gd name="adj1" fmla="val -5861"/>
+                    <a:gd name="adj2" fmla="val 191314"/>
+                  </a:avLst>
+                </a:prstGeom>
+                <a:ln>
+                  <a:solidFill>
+                    <a:srgbClr val="FF0000"/>
+                  </a:solidFill>
+                  <a:tailEnd type="triangle"/>
+                </a:ln>
+              </p:spPr>
+              <p:style>
+                <a:lnRef idx="1">
+                  <a:schemeClr val="accent1"/>
+                </a:lnRef>
+                <a:fillRef idx="0">
+                  <a:schemeClr val="accent1"/>
+                </a:fillRef>
+                <a:effectRef idx="0">
+                  <a:schemeClr val="accent1"/>
+                </a:effectRef>
+                <a:fontRef idx="minor">
+                  <a:schemeClr val="tx1"/>
+                </a:fontRef>
+              </p:style>
+            </p:cxnSp>
+            <p:cxnSp>
+              <p:nvCxnSpPr>
+                <p:cNvPr id="57" name="连接符: 肘形 56">
+                  <a:extLst>
+                    <a:ext uri="{FF2B5EF4-FFF2-40B4-BE49-F238E27FC236}">
+                      <a16:creationId xmlns:a16="http://schemas.microsoft.com/office/drawing/2014/main" id="{25BFCF68-B518-C553-9C85-CF3285D1FE50}"/>
+                    </a:ext>
+                  </a:extLst>
+                </p:cNvPr>
+                <p:cNvCxnSpPr>
+                  <a:stCxn id="13" idx="2"/>
+                  <a:endCxn id="27" idx="3"/>
+                </p:cNvCxnSpPr>
+                <p:nvPr/>
+              </p:nvCxnSpPr>
+              <p:spPr>
+                <a:xfrm rot="5400000" flipH="1" flipV="1">
+                  <a:off x="3564540" y="2208688"/>
+                  <a:ext cx="3180692" cy="2705936"/>
+                </a:xfrm>
+                <a:prstGeom prst="bentConnector4">
+                  <a:avLst>
+                    <a:gd name="adj1" fmla="val -7187"/>
+                    <a:gd name="adj2" fmla="val 226527"/>
+                  </a:avLst>
+                </a:prstGeom>
+                <a:ln>
+                  <a:solidFill>
+                    <a:srgbClr val="FF0000"/>
+                  </a:solidFill>
+                  <a:tailEnd type="triangle"/>
+                </a:ln>
+              </p:spPr>
+              <p:style>
+                <a:lnRef idx="1">
+                  <a:schemeClr val="accent1"/>
+                </a:lnRef>
+                <a:fillRef idx="0">
+                  <a:schemeClr val="accent1"/>
+                </a:fillRef>
+                <a:effectRef idx="0">
+                  <a:schemeClr val="accent1"/>
+                </a:effectRef>
+                <a:fontRef idx="minor">
+                  <a:schemeClr val="tx1"/>
+                </a:fontRef>
+              </p:style>
+            </p:cxnSp>
+            <p:cxnSp>
+              <p:nvCxnSpPr>
+                <p:cNvPr id="60" name="连接符: 肘形 59">
+                  <a:extLst>
+                    <a:ext uri="{FF2B5EF4-FFF2-40B4-BE49-F238E27FC236}">
+                      <a16:creationId xmlns:a16="http://schemas.microsoft.com/office/drawing/2014/main" id="{7A54E81D-CA54-E727-45C7-5B6FFCAD5016}"/>
+                    </a:ext>
+                  </a:extLst>
+                </p:cNvPr>
+                <p:cNvCxnSpPr>
+                  <a:stCxn id="15" idx="2"/>
+                  <a:endCxn id="29" idx="3"/>
+                </p:cNvCxnSpPr>
+                <p:nvPr/>
+              </p:nvCxnSpPr>
+              <p:spPr>
+                <a:xfrm rot="5400000" flipH="1" flipV="1">
+                  <a:off x="5528405" y="4172553"/>
+                  <a:ext cx="1741469" cy="217428"/>
+                </a:xfrm>
+                <a:prstGeom prst="bentConnector4">
+                  <a:avLst>
+                    <a:gd name="adj1" fmla="val -13731"/>
+                    <a:gd name="adj2" fmla="val 271909"/>
+                  </a:avLst>
+                </a:prstGeom>
+                <a:ln>
+                  <a:solidFill>
+                    <a:srgbClr val="FF0000"/>
+                  </a:solidFill>
+                  <a:tailEnd type="triangle"/>
+                </a:ln>
+              </p:spPr>
+              <p:style>
+                <a:lnRef idx="1">
+                  <a:schemeClr val="accent1"/>
+                </a:lnRef>
+                <a:fillRef idx="0">
+                  <a:schemeClr val="accent1"/>
+                </a:fillRef>
+                <a:effectRef idx="0">
+                  <a:schemeClr val="accent1"/>
+                </a:effectRef>
+                <a:fontRef idx="minor">
+                  <a:schemeClr val="tx1"/>
+                </a:fontRef>
+              </p:style>
+            </p:cxnSp>
+          </p:grpSp>
+          <p:cxnSp>
+            <p:nvCxnSpPr>
+              <p:cNvPr id="64" name="直接箭头连接符 63">
+                <a:extLst>
+                  <a:ext uri="{FF2B5EF4-FFF2-40B4-BE49-F238E27FC236}">
+                    <a16:creationId xmlns:a16="http://schemas.microsoft.com/office/drawing/2014/main" id="{BA95A6AD-0B1C-FD26-517F-B390B4983532}"/>
+                  </a:ext>
+                </a:extLst>
+              </p:cNvPr>
+              <p:cNvCxnSpPr>
+                <a:stCxn id="7" idx="2"/>
+                <a:endCxn id="11" idx="0"/>
+              </p:cNvCxnSpPr>
+              <p:nvPr/>
+            </p:nvCxnSpPr>
+            <p:spPr>
+              <a:xfrm flipH="1">
+                <a:off x="688428" y="3429000"/>
+                <a:ext cx="3097731" cy="1031947"/>
+              </a:xfrm>
+              <a:prstGeom prst="straightConnector1">
+                <a:avLst/>
+              </a:prstGeom>
+              <a:ln>
+                <a:solidFill>
+                  <a:srgbClr val="FF0000"/>
+                </a:solidFill>
+                <a:tailEnd type="triangle"/>
+              </a:ln>
+            </p:spPr>
+            <p:style>
+              <a:lnRef idx="1">
+                <a:schemeClr val="accent1"/>
+              </a:lnRef>
+              <a:fillRef idx="0">
+                <a:schemeClr val="accent1"/>
+              </a:fillRef>
+              <a:effectRef idx="0">
+                <a:schemeClr val="accent1"/>
+              </a:effectRef>
+              <a:fontRef idx="minor">
+                <a:schemeClr val="tx1"/>
+              </a:fontRef>
+            </p:style>
+          </p:cxnSp>
+          <p:cxnSp>
+            <p:nvCxnSpPr>
+              <p:cNvPr id="66" name="直接箭头连接符 65">
+                <a:extLst>
+                  <a:ext uri="{FF2B5EF4-FFF2-40B4-BE49-F238E27FC236}">
+                    <a16:creationId xmlns:a16="http://schemas.microsoft.com/office/drawing/2014/main" id="{A82D88BC-856D-E0A7-AF54-EE5E81C7BB18}"/>
+                  </a:ext>
+                </a:extLst>
+              </p:cNvPr>
+              <p:cNvCxnSpPr>
+                <a:stCxn id="7" idx="2"/>
+                <a:endCxn id="12" idx="0"/>
+              </p:cNvCxnSpPr>
+              <p:nvPr/>
+            </p:nvCxnSpPr>
+            <p:spPr>
+              <a:xfrm flipH="1">
+                <a:off x="2252018" y="3429000"/>
+                <a:ext cx="1534141" cy="1031947"/>
+              </a:xfrm>
+              <a:prstGeom prst="straightConnector1">
+                <a:avLst/>
+              </a:prstGeom>
+              <a:ln>
+                <a:solidFill>
+                  <a:srgbClr val="FF0000"/>
+                </a:solidFill>
+                <a:tailEnd type="triangle"/>
+              </a:ln>
+            </p:spPr>
+            <p:style>
+              <a:lnRef idx="1">
+                <a:schemeClr val="accent1"/>
+              </a:lnRef>
+              <a:fillRef idx="0">
+                <a:schemeClr val="accent1"/>
+              </a:fillRef>
+              <a:effectRef idx="0">
+                <a:schemeClr val="accent1"/>
+              </a:effectRef>
+              <a:fontRef idx="minor">
+                <a:schemeClr val="tx1"/>
+              </a:fontRef>
+            </p:style>
+          </p:cxnSp>
+          <p:cxnSp>
+            <p:nvCxnSpPr>
+              <p:cNvPr id="68" name="直接箭头连接符 67">
+                <a:extLst>
+                  <a:ext uri="{FF2B5EF4-FFF2-40B4-BE49-F238E27FC236}">
+                    <a16:creationId xmlns:a16="http://schemas.microsoft.com/office/drawing/2014/main" id="{37054DFD-092C-57DA-3105-E439FC8E138E}"/>
+                  </a:ext>
+                </a:extLst>
+              </p:cNvPr>
+              <p:cNvCxnSpPr>
+                <a:stCxn id="7" idx="2"/>
+                <a:endCxn id="13" idx="0"/>
+              </p:cNvCxnSpPr>
+              <p:nvPr/>
+            </p:nvCxnSpPr>
+            <p:spPr>
+              <a:xfrm>
+                <a:off x="3786159" y="3429000"/>
+                <a:ext cx="15759" cy="1031947"/>
+              </a:xfrm>
+              <a:prstGeom prst="straightConnector1">
+                <a:avLst/>
+              </a:prstGeom>
+              <a:ln>
+                <a:solidFill>
+                  <a:srgbClr val="FF0000"/>
+                </a:solidFill>
+                <a:tailEnd type="triangle"/>
+              </a:ln>
+            </p:spPr>
+            <p:style>
+              <a:lnRef idx="1">
+                <a:schemeClr val="accent1"/>
+              </a:lnRef>
+              <a:fillRef idx="0">
+                <a:schemeClr val="accent1"/>
+              </a:fillRef>
+              <a:effectRef idx="0">
+                <a:schemeClr val="accent1"/>
+              </a:effectRef>
+              <a:fontRef idx="minor">
+                <a:schemeClr val="tx1"/>
+              </a:fontRef>
+            </p:style>
+          </p:cxnSp>
+          <p:cxnSp>
+            <p:nvCxnSpPr>
+              <p:cNvPr id="70" name="直接箭头连接符 69">
+                <a:extLst>
+                  <a:ext uri="{FF2B5EF4-FFF2-40B4-BE49-F238E27FC236}">
+                    <a16:creationId xmlns:a16="http://schemas.microsoft.com/office/drawing/2014/main" id="{A054A3D8-B94A-75E1-2D9C-914F0680D2D4}"/>
+                  </a:ext>
+                </a:extLst>
+              </p:cNvPr>
+              <p:cNvCxnSpPr>
+                <a:stCxn id="7" idx="2"/>
+                <a:endCxn id="15" idx="0"/>
+              </p:cNvCxnSpPr>
+              <p:nvPr/>
+            </p:nvCxnSpPr>
+            <p:spPr>
+              <a:xfrm>
+                <a:off x="3786159" y="3429000"/>
+                <a:ext cx="2504267" cy="1031946"/>
+              </a:xfrm>
+              <a:prstGeom prst="straightConnector1">
+                <a:avLst/>
+              </a:prstGeom>
+              <a:ln>
+                <a:solidFill>
+                  <a:srgbClr val="FF0000"/>
+                </a:solidFill>
+                <a:tailEnd type="triangle"/>
+              </a:ln>
+            </p:spPr>
+            <p:style>
+              <a:lnRef idx="1">
+                <a:schemeClr val="accent1"/>
+              </a:lnRef>
+              <a:fillRef idx="0">
+                <a:schemeClr val="accent1"/>
+              </a:fillRef>
+              <a:effectRef idx="0">
+                <a:schemeClr val="accent1"/>
+              </a:effectRef>
+              <a:fontRef idx="minor">
+                <a:schemeClr val="tx1"/>
+              </a:fontRef>
+            </p:style>
+          </p:cxnSp>
+          <p:sp>
+            <p:nvSpPr>
+              <p:cNvPr id="71" name="文本框 70">
+                <a:extLst>
+                  <a:ext uri="{FF2B5EF4-FFF2-40B4-BE49-F238E27FC236}">
+                    <a16:creationId xmlns:a16="http://schemas.microsoft.com/office/drawing/2014/main" id="{F38642F7-3444-A319-4BA9-420E14FC3958}"/>
+                  </a:ext>
+                </a:extLst>
+              </p:cNvPr>
+              <p:cNvSpPr txBox="1"/>
+              <p:nvPr/>
+            </p:nvSpPr>
+            <p:spPr>
+              <a:xfrm>
+                <a:off x="2831756" y="3665946"/>
+                <a:ext cx="1569660" cy="369332"/>
+              </a:xfrm>
+              <a:prstGeom prst="rect">
+                <a:avLst/>
+              </a:prstGeom>
+              <a:noFill/>
+            </p:spPr>
+            <p:txBody>
+              <a:bodyPr wrap="none" rtlCol="0">
+                <a:spAutoFit/>
+              </a:bodyPr>
+              <a:lstStyle/>
+              <a:p>
+                <a:r>
+                  <a:rPr lang="zh-CN" altLang="en-US" dirty="0"/>
+                  <a:t>提供对偶信息</a:t>
+                </a:r>
+              </a:p>
+            </p:txBody>
+          </p:sp>
+          <p:sp>
+            <p:nvSpPr>
+              <p:cNvPr id="72" name="文本框 71">
+                <a:extLst>
+                  <a:ext uri="{FF2B5EF4-FFF2-40B4-BE49-F238E27FC236}">
+                    <a16:creationId xmlns:a16="http://schemas.microsoft.com/office/drawing/2014/main" id="{CF291EDE-EBFB-9CC7-B00B-DC6585077491}"/>
+                  </a:ext>
+                </a:extLst>
+              </p:cNvPr>
+              <p:cNvSpPr txBox="1"/>
+              <p:nvPr/>
+            </p:nvSpPr>
+            <p:spPr>
+              <a:xfrm>
+                <a:off x="4511729" y="1348061"/>
+                <a:ext cx="461665" cy="1246495"/>
+              </a:xfrm>
+              <a:prstGeom prst="rect">
+                <a:avLst/>
+              </a:prstGeom>
+              <a:noFill/>
+            </p:spPr>
+            <p:txBody>
+              <a:bodyPr vert="eaVert" wrap="none" rtlCol="0">
+                <a:spAutoFit/>
+              </a:bodyPr>
+              <a:lstStyle/>
+              <a:p>
+                <a:r>
+                  <a:rPr lang="zh-CN" altLang="en-US" dirty="0"/>
+                  <a:t>提供新的列</a:t>
+                </a:r>
+              </a:p>
+            </p:txBody>
+          </p:sp>
+          <p:grpSp>
+            <p:nvGrpSpPr>
+              <p:cNvPr id="75" name="组合 74">
+                <a:extLst>
+                  <a:ext uri="{FF2B5EF4-FFF2-40B4-BE49-F238E27FC236}">
+                    <a16:creationId xmlns:a16="http://schemas.microsoft.com/office/drawing/2014/main" id="{56A2C793-6001-71DA-CA94-2C11AA651471}"/>
+                  </a:ext>
+                </a:extLst>
+              </p:cNvPr>
+              <p:cNvGrpSpPr/>
+              <p:nvPr/>
+            </p:nvGrpSpPr>
+            <p:grpSpPr>
+              <a:xfrm>
+                <a:off x="5484437" y="397827"/>
+                <a:ext cx="469282" cy="246757"/>
+                <a:chOff x="5484437" y="397827"/>
+                <a:chExt cx="469282" cy="246757"/>
+              </a:xfrm>
+            </p:grpSpPr>
+            <p:sp>
+              <p:nvSpPr>
+                <p:cNvPr id="73" name="矩形 72">
+                  <a:extLst>
+                    <a:ext uri="{FF2B5EF4-FFF2-40B4-BE49-F238E27FC236}">
+                      <a16:creationId xmlns:a16="http://schemas.microsoft.com/office/drawing/2014/main" id="{2FB17A4D-F073-91C0-DDB4-B80E90D602DC}"/>
+                    </a:ext>
+                  </a:extLst>
+                </p:cNvPr>
+                <p:cNvSpPr/>
+                <p:nvPr/>
+              </p:nvSpPr>
+              <p:spPr>
+                <a:xfrm>
+                  <a:off x="5484437" y="399314"/>
+                  <a:ext cx="190767" cy="245270"/>
+                </a:xfrm>
+                <a:prstGeom prst="rect">
+                  <a:avLst/>
+                </a:prstGeom>
+                <a:solidFill>
+                  <a:schemeClr val="bg2">
+                    <a:lumMod val="90000"/>
+                  </a:schemeClr>
+                </a:solidFill>
+              </p:spPr>
+              <p:style>
+                <a:lnRef idx="2">
+                  <a:schemeClr val="accent1">
+                    <a:shade val="15000"/>
+                  </a:schemeClr>
+                </a:lnRef>
+                <a:fillRef idx="1">
+                  <a:schemeClr val="accent1"/>
+                </a:fillRef>
+                <a:effectRef idx="0">
+                  <a:schemeClr val="accent1"/>
+                </a:effectRef>
+                <a:fontRef idx="minor">
+                  <a:schemeClr val="lt1"/>
+                </a:fontRef>
+              </p:style>
+              <p:txBody>
+                <a:bodyPr rtlCol="0" anchor="ctr"/>
+                <a:lstStyle/>
+                <a:p>
+                  <a:pPr algn="ctr"/>
+                  <a:endParaRPr lang="zh-CN" altLang="en-US"/>
+                </a:p>
+              </p:txBody>
+            </p:sp>
+            <p:sp>
+              <p:nvSpPr>
+                <p:cNvPr id="74" name="矩形 73">
+                  <a:extLst>
+                    <a:ext uri="{FF2B5EF4-FFF2-40B4-BE49-F238E27FC236}">
+                      <a16:creationId xmlns:a16="http://schemas.microsoft.com/office/drawing/2014/main" id="{0D7AD483-8AF2-EAC5-A245-98959388041A}"/>
+                    </a:ext>
+                  </a:extLst>
+                </p:cNvPr>
+                <p:cNvSpPr/>
+                <p:nvPr/>
+              </p:nvSpPr>
+              <p:spPr>
+                <a:xfrm>
+                  <a:off x="5762952" y="397827"/>
+                  <a:ext cx="190767" cy="245270"/>
+                </a:xfrm>
+                <a:prstGeom prst="rect">
+                  <a:avLst/>
+                </a:prstGeom>
+                <a:solidFill>
+                  <a:schemeClr val="bg2">
+                    <a:lumMod val="90000"/>
+                  </a:schemeClr>
+                </a:solidFill>
+              </p:spPr>
+              <p:style>
+                <a:lnRef idx="2">
+                  <a:schemeClr val="accent1">
+                    <a:shade val="15000"/>
+                  </a:schemeClr>
+                </a:lnRef>
+                <a:fillRef idx="1">
+                  <a:schemeClr val="accent1"/>
+                </a:fillRef>
+                <a:effectRef idx="0">
+                  <a:schemeClr val="accent1"/>
+                </a:effectRef>
+                <a:fontRef idx="minor">
+                  <a:schemeClr val="lt1"/>
+                </a:fontRef>
+              </p:style>
+              <p:txBody>
+                <a:bodyPr rtlCol="0" anchor="ctr"/>
+                <a:lstStyle/>
+                <a:p>
+                  <a:pPr algn="ctr"/>
+                  <a:endParaRPr lang="zh-CN" altLang="en-US"/>
+                </a:p>
+              </p:txBody>
+            </p:sp>
+          </p:grpSp>
+          <p:sp>
+            <p:nvSpPr>
+              <p:cNvPr id="76" name="矩形 75">
+                <a:extLst>
+                  <a:ext uri="{FF2B5EF4-FFF2-40B4-BE49-F238E27FC236}">
+                    <a16:creationId xmlns:a16="http://schemas.microsoft.com/office/drawing/2014/main" id="{EEAC40DA-E43C-BC23-7ED6-1B9E48D82476}"/>
+                  </a:ext>
+                </a:extLst>
+              </p:cNvPr>
+              <p:cNvSpPr/>
+              <p:nvPr/>
+            </p:nvSpPr>
+            <p:spPr>
+              <a:xfrm>
+                <a:off x="5483956" y="1128789"/>
+                <a:ext cx="190767" cy="245270"/>
+              </a:xfrm>
+              <a:prstGeom prst="rect">
+                <a:avLst/>
+              </a:prstGeom>
+              <a:solidFill>
+                <a:schemeClr val="bg2">
+                  <a:lumMod val="90000"/>
+                </a:schemeClr>
+              </a:solidFill>
+            </p:spPr>
+            <p:style>
+              <a:lnRef idx="2">
+                <a:schemeClr val="accent1">
+                  <a:shade val="15000"/>
+                </a:schemeClr>
+              </a:lnRef>
+              <a:fillRef idx="1">
+                <a:schemeClr val="accent1"/>
+              </a:fillRef>
+              <a:effectRef idx="0">
+                <a:schemeClr val="accent1"/>
+              </a:effectRef>
+              <a:fontRef idx="minor">
+                <a:schemeClr val="lt1"/>
+              </a:fontRef>
+            </p:style>
+            <p:txBody>
+              <a:bodyPr rtlCol="0" anchor="ctr"/>
+              <a:lstStyle/>
+              <a:p>
+                <a:pPr algn="ctr"/>
+                <a:endParaRPr lang="zh-CN" altLang="en-US"/>
+              </a:p>
+            </p:txBody>
+          </p:sp>
+          <p:sp>
+            <p:nvSpPr>
+              <p:cNvPr id="77" name="矩形 76">
+                <a:extLst>
+                  <a:ext uri="{FF2B5EF4-FFF2-40B4-BE49-F238E27FC236}">
+                    <a16:creationId xmlns:a16="http://schemas.microsoft.com/office/drawing/2014/main" id="{741FE5D1-75EB-0B89-CC8A-BE01C87C043E}"/>
+                  </a:ext>
+                </a:extLst>
+              </p:cNvPr>
+              <p:cNvSpPr/>
+              <p:nvPr/>
+            </p:nvSpPr>
+            <p:spPr>
+              <a:xfrm>
+                <a:off x="5484282" y="1848400"/>
+                <a:ext cx="190767" cy="245270"/>
+              </a:xfrm>
+              <a:prstGeom prst="rect">
+                <a:avLst/>
+              </a:prstGeom>
+              <a:solidFill>
+                <a:schemeClr val="bg2">
+                  <a:lumMod val="90000"/>
+                </a:schemeClr>
+              </a:solidFill>
+            </p:spPr>
+            <p:style>
+              <a:lnRef idx="2">
+                <a:schemeClr val="accent1">
+                  <a:shade val="15000"/>
+                </a:schemeClr>
+              </a:lnRef>
+              <a:fillRef idx="1">
+                <a:schemeClr val="accent1"/>
+              </a:fillRef>
+              <a:effectRef idx="0">
+                <a:schemeClr val="accent1"/>
+              </a:effectRef>
+              <a:fontRef idx="minor">
+                <a:schemeClr val="lt1"/>
+              </a:fontRef>
+            </p:style>
+            <p:txBody>
+              <a:bodyPr rtlCol="0" anchor="ctr"/>
+              <a:lstStyle/>
+              <a:p>
+                <a:pPr algn="ctr"/>
+                <a:endParaRPr lang="zh-CN" altLang="en-US"/>
+              </a:p>
+            </p:txBody>
+          </p:sp>
+          <p:sp>
+            <p:nvSpPr>
+              <p:cNvPr id="78" name="矩形 77">
+                <a:extLst>
+                  <a:ext uri="{FF2B5EF4-FFF2-40B4-BE49-F238E27FC236}">
+                    <a16:creationId xmlns:a16="http://schemas.microsoft.com/office/drawing/2014/main" id="{8EB72082-900D-B67B-0F56-E4A63CC49175}"/>
+                  </a:ext>
+                </a:extLst>
+              </p:cNvPr>
+              <p:cNvSpPr/>
+              <p:nvPr/>
+            </p:nvSpPr>
+            <p:spPr>
+              <a:xfrm>
+                <a:off x="5499166" y="3297131"/>
+                <a:ext cx="190767" cy="245270"/>
+              </a:xfrm>
+              <a:prstGeom prst="rect">
+                <a:avLst/>
+              </a:prstGeom>
+              <a:solidFill>
+                <a:schemeClr val="bg2">
+                  <a:lumMod val="90000"/>
+                </a:schemeClr>
+              </a:solidFill>
+            </p:spPr>
+            <p:style>
+              <a:lnRef idx="2">
+                <a:schemeClr val="accent1">
+                  <a:shade val="15000"/>
+                </a:schemeClr>
+              </a:lnRef>
+              <a:fillRef idx="1">
+                <a:schemeClr val="accent1"/>
+              </a:fillRef>
+              <a:effectRef idx="0">
+                <a:schemeClr val="accent1"/>
+              </a:effectRef>
+              <a:fontRef idx="minor">
+                <a:schemeClr val="lt1"/>
+              </a:fontRef>
+            </p:style>
+            <p:txBody>
+              <a:bodyPr rtlCol="0" anchor="ctr"/>
+              <a:lstStyle/>
+              <a:p>
+                <a:pPr algn="ctr"/>
+                <a:endParaRPr lang="zh-CN" altLang="en-US"/>
+              </a:p>
+            </p:txBody>
+          </p:sp>
+          <p:grpSp>
+            <p:nvGrpSpPr>
+              <p:cNvPr id="82" name="组合 81">
+                <a:extLst>
+                  <a:ext uri="{FF2B5EF4-FFF2-40B4-BE49-F238E27FC236}">
+                    <a16:creationId xmlns:a16="http://schemas.microsoft.com/office/drawing/2014/main" id="{34CAA61E-A713-B026-37FD-94936A4E9AEC}"/>
+                  </a:ext>
+                </a:extLst>
+              </p:cNvPr>
+              <p:cNvGrpSpPr/>
+              <p:nvPr/>
+            </p:nvGrpSpPr>
+            <p:grpSpPr>
+              <a:xfrm>
+                <a:off x="7571751" y="3112465"/>
+                <a:ext cx="1842025" cy="369332"/>
+                <a:chOff x="7571751" y="3112465"/>
+                <a:chExt cx="1842025" cy="369332"/>
+              </a:xfrm>
+            </p:grpSpPr>
+            <p:sp>
+              <p:nvSpPr>
+                <p:cNvPr id="79" name="矩形 78">
+                  <a:extLst>
+                    <a:ext uri="{FF2B5EF4-FFF2-40B4-BE49-F238E27FC236}">
+                      <a16:creationId xmlns:a16="http://schemas.microsoft.com/office/drawing/2014/main" id="{F42D0BC5-7C8C-D2E4-2C94-0E7A07B0DEB9}"/>
+                    </a:ext>
+                  </a:extLst>
+                </p:cNvPr>
+                <p:cNvSpPr/>
+                <p:nvPr/>
+              </p:nvSpPr>
+              <p:spPr>
+                <a:xfrm>
+                  <a:off x="7571751" y="3174496"/>
+                  <a:ext cx="190767" cy="245270"/>
+                </a:xfrm>
+                <a:prstGeom prst="rect">
+                  <a:avLst/>
+                </a:prstGeom>
+                <a:solidFill>
+                  <a:schemeClr val="bg2">
+                    <a:lumMod val="90000"/>
+                  </a:schemeClr>
+                </a:solidFill>
+              </p:spPr>
+              <p:style>
+                <a:lnRef idx="2">
+                  <a:schemeClr val="accent1">
+                    <a:shade val="15000"/>
+                  </a:schemeClr>
+                </a:lnRef>
+                <a:fillRef idx="1">
+                  <a:schemeClr val="accent1"/>
+                </a:fillRef>
+                <a:effectRef idx="0">
+                  <a:schemeClr val="accent1"/>
+                </a:effectRef>
+                <a:fontRef idx="minor">
+                  <a:schemeClr val="lt1"/>
+                </a:fontRef>
+              </p:style>
+              <p:txBody>
+                <a:bodyPr rtlCol="0" anchor="ctr"/>
+                <a:lstStyle/>
+                <a:p>
+                  <a:pPr algn="ctr"/>
+                  <a:endParaRPr lang="zh-CN" altLang="en-US"/>
+                </a:p>
+              </p:txBody>
+            </p:sp>
+            <p:sp>
+              <p:nvSpPr>
+                <p:cNvPr id="81" name="文本框 80">
+                  <a:extLst>
+                    <a:ext uri="{FF2B5EF4-FFF2-40B4-BE49-F238E27FC236}">
+                      <a16:creationId xmlns:a16="http://schemas.microsoft.com/office/drawing/2014/main" id="{9F283526-CEAF-B03D-3206-B60A053F26B5}"/>
+                    </a:ext>
+                  </a:extLst>
+                </p:cNvPr>
+                <p:cNvSpPr txBox="1"/>
+                <p:nvPr/>
+              </p:nvSpPr>
+              <p:spPr>
+                <a:xfrm>
+                  <a:off x="7853734" y="3112465"/>
+                  <a:ext cx="1560042" cy="369332"/>
+                </a:xfrm>
+                <a:prstGeom prst="rect">
+                  <a:avLst/>
+                </a:prstGeom>
+                <a:noFill/>
+              </p:spPr>
+              <p:txBody>
+                <a:bodyPr wrap="none" rtlCol="0">
+                  <a:spAutoFit/>
+                </a:bodyPr>
+                <a:lstStyle/>
+                <a:p>
+                  <a:r>
+                    <a:rPr lang="zh-CN" altLang="en-US" dirty="0"/>
+                    <a:t>初始已知的列</a:t>
+                  </a:r>
+                </a:p>
+              </p:txBody>
+            </p:sp>
+          </p:grpSp>
+          <p:grpSp>
+            <p:nvGrpSpPr>
+              <p:cNvPr id="83" name="组合 82">
+                <a:extLst>
+                  <a:ext uri="{FF2B5EF4-FFF2-40B4-BE49-F238E27FC236}">
+                    <a16:creationId xmlns:a16="http://schemas.microsoft.com/office/drawing/2014/main" id="{A4F9CBE9-1D48-C613-87AF-FEB75BFB977E}"/>
+                  </a:ext>
+                </a:extLst>
+              </p:cNvPr>
+              <p:cNvGrpSpPr/>
+              <p:nvPr/>
+            </p:nvGrpSpPr>
+            <p:grpSpPr>
+              <a:xfrm>
+                <a:off x="7571751" y="3542401"/>
+                <a:ext cx="1872483" cy="369332"/>
+                <a:chOff x="7571751" y="3112465"/>
+                <a:chExt cx="1872483" cy="369332"/>
+              </a:xfrm>
+            </p:grpSpPr>
+            <p:sp>
+              <p:nvSpPr>
+                <p:cNvPr id="84" name="矩形 83">
+                  <a:extLst>
+                    <a:ext uri="{FF2B5EF4-FFF2-40B4-BE49-F238E27FC236}">
+                      <a16:creationId xmlns:a16="http://schemas.microsoft.com/office/drawing/2014/main" id="{EE44D3BE-B2B9-2205-AB3E-74D65D0C6A7E}"/>
+                    </a:ext>
+                  </a:extLst>
+                </p:cNvPr>
+                <p:cNvSpPr/>
+                <p:nvPr/>
+              </p:nvSpPr>
+              <p:spPr>
+                <a:xfrm>
+                  <a:off x="7571751" y="3174496"/>
+                  <a:ext cx="190767" cy="245270"/>
+                </a:xfrm>
+                <a:prstGeom prst="rect">
+                  <a:avLst/>
+                </a:prstGeom>
+                <a:solidFill>
+                  <a:srgbClr val="FF0000"/>
+                </a:solidFill>
+              </p:spPr>
+              <p:style>
+                <a:lnRef idx="2">
+                  <a:schemeClr val="accent1">
+                    <a:shade val="15000"/>
+                  </a:schemeClr>
+                </a:lnRef>
+                <a:fillRef idx="1">
+                  <a:schemeClr val="accent1"/>
+                </a:fillRef>
+                <a:effectRef idx="0">
+                  <a:schemeClr val="accent1"/>
+                </a:effectRef>
+                <a:fontRef idx="minor">
+                  <a:schemeClr val="lt1"/>
+                </a:fontRef>
+              </p:style>
+              <p:txBody>
+                <a:bodyPr rtlCol="0" anchor="ctr"/>
+                <a:lstStyle/>
+                <a:p>
+                  <a:pPr algn="ctr"/>
+                  <a:endParaRPr lang="zh-CN" altLang="en-US" dirty="0"/>
+                </a:p>
+              </p:txBody>
+            </p:sp>
+            <p:sp>
+              <p:nvSpPr>
+                <p:cNvPr id="85" name="文本框 84">
+                  <a:extLst>
+                    <a:ext uri="{FF2B5EF4-FFF2-40B4-BE49-F238E27FC236}">
+                      <a16:creationId xmlns:a16="http://schemas.microsoft.com/office/drawing/2014/main" id="{17B7552E-29D6-6779-0F5E-0E5FF07C0CCD}"/>
+                    </a:ext>
+                  </a:extLst>
+                </p:cNvPr>
+                <p:cNvSpPr txBox="1"/>
+                <p:nvPr/>
+              </p:nvSpPr>
+              <p:spPr>
+                <a:xfrm>
+                  <a:off x="7853734" y="3112465"/>
+                  <a:ext cx="1590500" cy="369332"/>
+                </a:xfrm>
+                <a:prstGeom prst="rect">
+                  <a:avLst/>
+                </a:prstGeom>
+                <a:noFill/>
+              </p:spPr>
+              <p:txBody>
+                <a:bodyPr wrap="none" rtlCol="0">
+                  <a:spAutoFit/>
+                </a:bodyPr>
+                <a:lstStyle/>
+                <a:p>
+                  <a:r>
+                    <a:rPr lang="zh-CN" altLang="en-US" dirty="0"/>
+                    <a:t>生成的新的列</a:t>
+                  </a:r>
+                </a:p>
+              </p:txBody>
+            </p:sp>
+          </p:grpSp>
+          <p:sp>
+            <p:nvSpPr>
+              <p:cNvPr id="86" name="矩形 85">
+                <a:extLst>
+                  <a:ext uri="{FF2B5EF4-FFF2-40B4-BE49-F238E27FC236}">
+                    <a16:creationId xmlns:a16="http://schemas.microsoft.com/office/drawing/2014/main" id="{6EA391F4-CC87-EA67-71DF-1DBDD23D82F2}"/>
+                  </a:ext>
+                </a:extLst>
+              </p:cNvPr>
+              <p:cNvSpPr/>
+              <p:nvPr/>
+            </p:nvSpPr>
+            <p:spPr>
+              <a:xfrm>
+                <a:off x="6040972" y="393865"/>
+                <a:ext cx="190767" cy="245270"/>
+              </a:xfrm>
+              <a:prstGeom prst="rect">
+                <a:avLst/>
+              </a:prstGeom>
+              <a:solidFill>
+                <a:srgbClr val="FF0000"/>
+              </a:solidFill>
+            </p:spPr>
+            <p:style>
+              <a:lnRef idx="2">
+                <a:schemeClr val="accent1">
+                  <a:shade val="15000"/>
+                </a:schemeClr>
+              </a:lnRef>
+              <a:fillRef idx="1">
+                <a:schemeClr val="accent1"/>
+              </a:fillRef>
+              <a:effectRef idx="0">
+                <a:schemeClr val="accent1"/>
+              </a:effectRef>
+              <a:fontRef idx="minor">
+                <a:schemeClr val="lt1"/>
+              </a:fontRef>
+            </p:style>
+            <p:txBody>
+              <a:bodyPr rtlCol="0" anchor="ctr"/>
+              <a:lstStyle/>
+              <a:p>
+                <a:pPr algn="ctr"/>
+                <a:endParaRPr lang="zh-CN" altLang="en-US" dirty="0"/>
+              </a:p>
+            </p:txBody>
+          </p:sp>
+          <p:sp>
+            <p:nvSpPr>
+              <p:cNvPr id="87" name="矩形 86">
+                <a:extLst>
+                  <a:ext uri="{FF2B5EF4-FFF2-40B4-BE49-F238E27FC236}">
+                    <a16:creationId xmlns:a16="http://schemas.microsoft.com/office/drawing/2014/main" id="{B6AB865A-1B3D-5387-BD8D-AD5EA1156CA9}"/>
+                  </a:ext>
+                </a:extLst>
+              </p:cNvPr>
+              <p:cNvSpPr/>
+              <p:nvPr/>
+            </p:nvSpPr>
+            <p:spPr>
+              <a:xfrm>
+                <a:off x="5770526" y="1128789"/>
+                <a:ext cx="190767" cy="245270"/>
+              </a:xfrm>
+              <a:prstGeom prst="rect">
+                <a:avLst/>
+              </a:prstGeom>
+              <a:solidFill>
+                <a:srgbClr val="FF0000"/>
+              </a:solidFill>
+            </p:spPr>
+            <p:style>
+              <a:lnRef idx="2">
+                <a:schemeClr val="accent1">
+                  <a:shade val="15000"/>
+                </a:schemeClr>
+              </a:lnRef>
+              <a:fillRef idx="1">
+                <a:schemeClr val="accent1"/>
+              </a:fillRef>
+              <a:effectRef idx="0">
+                <a:schemeClr val="accent1"/>
+              </a:effectRef>
+              <a:fontRef idx="minor">
+                <a:schemeClr val="lt1"/>
+              </a:fontRef>
+            </p:style>
+            <p:txBody>
+              <a:bodyPr rtlCol="0" anchor="ctr"/>
+              <a:lstStyle/>
+              <a:p>
+                <a:pPr algn="ctr"/>
+                <a:endParaRPr lang="zh-CN" altLang="en-US" dirty="0"/>
+              </a:p>
+            </p:txBody>
+          </p:sp>
+          <p:sp>
+            <p:nvSpPr>
+              <p:cNvPr id="88" name="矩形 87">
+                <a:extLst>
+                  <a:ext uri="{FF2B5EF4-FFF2-40B4-BE49-F238E27FC236}">
+                    <a16:creationId xmlns:a16="http://schemas.microsoft.com/office/drawing/2014/main" id="{B4D0DFB6-F678-46FD-489F-D98382631B89}"/>
+                  </a:ext>
+                </a:extLst>
+              </p:cNvPr>
+              <p:cNvSpPr/>
+              <p:nvPr/>
+            </p:nvSpPr>
+            <p:spPr>
+              <a:xfrm>
+                <a:off x="5758334" y="1848400"/>
+                <a:ext cx="190767" cy="245270"/>
+              </a:xfrm>
+              <a:prstGeom prst="rect">
+                <a:avLst/>
+              </a:prstGeom>
+              <a:solidFill>
+                <a:srgbClr val="FF0000"/>
+              </a:solidFill>
+            </p:spPr>
+            <p:style>
+              <a:lnRef idx="2">
+                <a:schemeClr val="accent1">
+                  <a:shade val="15000"/>
+                </a:schemeClr>
+              </a:lnRef>
+              <a:fillRef idx="1">
+                <a:schemeClr val="accent1"/>
+              </a:fillRef>
+              <a:effectRef idx="0">
+                <a:schemeClr val="accent1"/>
+              </a:effectRef>
+              <a:fontRef idx="minor">
+                <a:schemeClr val="lt1"/>
+              </a:fontRef>
+            </p:style>
+            <p:txBody>
+              <a:bodyPr rtlCol="0" anchor="ctr"/>
+              <a:lstStyle/>
+              <a:p>
+                <a:pPr algn="ctr"/>
+                <a:endParaRPr lang="zh-CN" altLang="en-US" dirty="0"/>
+              </a:p>
+            </p:txBody>
+          </p:sp>
+          <p:sp>
+            <p:nvSpPr>
+              <p:cNvPr id="89" name="矩形 88">
+                <a:extLst>
+                  <a:ext uri="{FF2B5EF4-FFF2-40B4-BE49-F238E27FC236}">
+                    <a16:creationId xmlns:a16="http://schemas.microsoft.com/office/drawing/2014/main" id="{FB47F74C-733B-6AFC-624C-8A41EFC135EC}"/>
+                  </a:ext>
+                </a:extLst>
+              </p:cNvPr>
+              <p:cNvSpPr/>
+              <p:nvPr/>
+            </p:nvSpPr>
+            <p:spPr>
+              <a:xfrm>
+                <a:off x="5757019" y="3290344"/>
+                <a:ext cx="190767" cy="245270"/>
+              </a:xfrm>
+              <a:prstGeom prst="rect">
+                <a:avLst/>
+              </a:prstGeom>
+              <a:solidFill>
+                <a:srgbClr val="FF0000"/>
+              </a:solidFill>
+            </p:spPr>
+            <p:style>
+              <a:lnRef idx="2">
+                <a:schemeClr val="accent1">
+                  <a:shade val="15000"/>
+                </a:schemeClr>
+              </a:lnRef>
+              <a:fillRef idx="1">
+                <a:schemeClr val="accent1"/>
+              </a:fillRef>
+              <a:effectRef idx="0">
+                <a:schemeClr val="accent1"/>
+              </a:effectRef>
+              <a:fontRef idx="minor">
+                <a:schemeClr val="lt1"/>
+              </a:fontRef>
+            </p:style>
+            <p:txBody>
+              <a:bodyPr rtlCol="0" anchor="ctr"/>
+              <a:lstStyle/>
+              <a:p>
+                <a:pPr algn="ctr"/>
+                <a:endParaRPr lang="zh-CN" altLang="en-US" dirty="0"/>
+              </a:p>
+            </p:txBody>
+          </p:sp>
+        </p:grpSp>
+        <p:graphicFrame>
+          <p:nvGraphicFramePr>
+            <p:cNvPr id="91" name="对象 90">
+              <a:extLst>
+                <a:ext uri="{FF2B5EF4-FFF2-40B4-BE49-F238E27FC236}">
+                  <a16:creationId xmlns:a16="http://schemas.microsoft.com/office/drawing/2014/main" id="{2C3A5008-D464-8709-3110-8D0742291984}"/>
+                </a:ext>
+              </a:extLst>
+            </p:cNvPr>
+            <p:cNvGraphicFramePr>
+              <a:graphicFrameLocks noChangeAspect="1"/>
+            </p:cNvGraphicFramePr>
+            <p:nvPr>
+              <p:extLst>
+                <p:ext uri="{D42A27DB-BD31-4B8C-83A1-F6EECF244321}">
+                  <p14:modId xmlns:p14="http://schemas.microsoft.com/office/powerpoint/2010/main" val="3216908344"/>
+                </p:ext>
+              </p:extLst>
+            </p:nvPr>
+          </p:nvGraphicFramePr>
+          <p:xfrm>
+            <a:off x="3025181" y="5684744"/>
+            <a:ext cx="5813150" cy="945680"/>
+          </p:xfrm>
+          <a:graphic>
+            <a:graphicData uri="http://schemas.openxmlformats.org/presentationml/2006/ole">
+              <mc:AlternateContent xmlns:mc="http://schemas.openxmlformats.org/markup-compatibility/2006">
+                <mc:Choice xmlns:v="urn:schemas-microsoft-com:vml" Requires="v">
+                  <p:oleObj name="Equation" r:id="rId2" imgW="2654280" imgH="431640" progId="Equation.DSMT4">
+                    <p:embed/>
+                  </p:oleObj>
+                </mc:Choice>
+                <mc:Fallback>
+                  <p:oleObj name="Equation" r:id="rId2" imgW="2654280" imgH="431640" progId="Equation.DSMT4">
+                    <p:embed/>
+                    <p:pic>
+                      <p:nvPicPr>
+                        <p:cNvPr id="0" name=""/>
+                        <p:cNvPicPr/>
+                        <p:nvPr/>
+                      </p:nvPicPr>
+                      <p:blipFill>
+                        <a:blip r:embed="rId3"/>
+                        <a:stretch>
+                          <a:fillRect/>
+                        </a:stretch>
+                      </p:blipFill>
+                      <p:spPr>
+                        <a:xfrm>
+                          <a:off x="3025181" y="5684744"/>
+                          <a:ext cx="5813150" cy="945680"/>
+                        </a:xfrm>
+                        <a:prstGeom prst="rect">
+                          <a:avLst/>
+                        </a:prstGeom>
+                      </p:spPr>
+                    </p:pic>
+                  </p:oleObj>
+                </mc:Fallback>
+              </mc:AlternateContent>
+            </a:graphicData>
+          </a:graphic>
+        </p:graphicFrame>
+      </p:grpSp>
+    </p:spTree>
+    <p:extLst>
+      <p:ext uri="{BB962C8B-B14F-4D97-AF65-F5344CB8AC3E}">
+        <p14:creationId xmlns:p14="http://schemas.microsoft.com/office/powerpoint/2010/main" val="3335143403"/>
       </p:ext>
     </p:extLst>
   </p:cSld>
